--- a/数据分析-6-函数式编程.pptx
+++ b/数据分析-6-函数式编程.pptx
@@ -10216,20 +10216,7 @@
                 <a:effectLst/>
                 <a:latin typeface="Lucida Console" panose="020B0609040504020204" pitchFamily="49" charset="0"/>
               </a:rPr>
-              <a:t>&gt; f</a:t>
-            </a:r>
-            <a:r>
-              <a:rPr kumimoji="0" lang="zh-CN" altLang="zh-CN" sz="1400" b="0" i="0" u="none" strike="noStrike" cap="none" normalizeH="0" baseline="0" smtClean="0">
-                <a:ln>
-                  <a:noFill/>
-                </a:ln>
-                <a:solidFill>
-                  <a:srgbClr val="0000FF"/>
-                </a:solidFill>
-                <a:effectLst/>
-                <a:latin typeface="Lucida Console" panose="020B0609040504020204" pitchFamily="49" charset="0"/>
-              </a:rPr>
-              <a:t>(3) </a:t>
+              <a:t>&gt; f(3) </a:t>
             </a:r>
             <a:endParaRPr kumimoji="0" lang="en-US" altLang="zh-CN" sz="1400" b="0" i="0" u="none" strike="noStrike" cap="none" normalizeH="0" baseline="0" smtClean="0">
               <a:ln>
@@ -10270,20 +10257,7 @@
                 <a:effectLst/>
                 <a:latin typeface="Lucida Console" panose="020B0609040504020204" pitchFamily="49" charset="0"/>
               </a:rPr>
-              <a:t>[</a:t>
-            </a:r>
-            <a:r>
-              <a:rPr kumimoji="0" lang="zh-CN" altLang="zh-CN" sz="1400" b="0" i="0" u="none" strike="noStrike" cap="none" normalizeH="0" baseline="0" smtClean="0">
-                <a:ln>
-                  <a:noFill/>
-                </a:ln>
-                <a:solidFill>
-                  <a:srgbClr val="000000"/>
-                </a:solidFill>
-                <a:effectLst/>
-                <a:latin typeface="Lucida Console" panose="020B0609040504020204" pitchFamily="49" charset="0"/>
-              </a:rPr>
-              <a:t>1] 5 </a:t>
+              <a:t>[1] 5 </a:t>
             </a:r>
             <a:endParaRPr kumimoji="0" lang="en-US" altLang="zh-CN" sz="1400" b="0" i="0" u="none" strike="noStrike" cap="none" normalizeH="0" baseline="0" smtClean="0">
               <a:ln>
@@ -11032,8 +11006,8 @@
         </p:blipFill>
         <p:spPr>
           <a:xfrm>
-            <a:off x="0" y="3848100"/>
-            <a:ext cx="7648575" cy="3009900"/>
+            <a:off x="61912" y="4144227"/>
+            <a:ext cx="7648575" cy="2545823"/>
           </a:xfrm>
           <a:prstGeom prst="rect">
             <a:avLst/>
@@ -11056,7 +11030,7 @@
         </p:blipFill>
         <p:spPr>
           <a:xfrm>
-            <a:off x="4983480" y="178229"/>
+            <a:off x="5266849" y="205121"/>
             <a:ext cx="3257550" cy="3857625"/>
           </a:xfrm>
           <a:prstGeom prst="rect">
@@ -11099,8 +11073,8 @@
         </p:nvCxnSpPr>
         <p:spPr>
           <a:xfrm>
-            <a:off x="8241030" y="2107042"/>
-            <a:ext cx="1097280" cy="26892"/>
+            <a:off x="8524399" y="2133934"/>
+            <a:ext cx="813911" cy="0"/>
           </a:xfrm>
           <a:prstGeom prst="straightConnector1">
             <a:avLst/>
@@ -11909,33 +11883,7 @@
                 <a:effectLst/>
                 <a:latin typeface="Lucida Console" panose="020B0609040504020204" pitchFamily="49" charset="0"/>
               </a:rPr>
-              <a:t>&gt; library</a:t>
-            </a:r>
-            <a:r>
-              <a:rPr kumimoji="0" lang="zh-CN" altLang="zh-CN" b="0" i="0" u="none" strike="noStrike" cap="none" normalizeH="0" baseline="0" smtClean="0">
-                <a:ln>
-                  <a:noFill/>
-                </a:ln>
-                <a:solidFill>
-                  <a:srgbClr val="0000FF"/>
-                </a:solidFill>
-                <a:effectLst/>
-                <a:latin typeface="Lucida Console" panose="020B0609040504020204" pitchFamily="49" charset="0"/>
-              </a:rPr>
-              <a:t>(parallel</a:t>
-            </a:r>
-            <a:r>
-              <a:rPr kumimoji="0" lang="zh-CN" altLang="zh-CN" b="0" i="0" u="none" strike="noStrike" cap="none" normalizeH="0" baseline="0" smtClean="0">
-                <a:ln>
-                  <a:noFill/>
-                </a:ln>
-                <a:solidFill>
-                  <a:srgbClr val="0000FF"/>
-                </a:solidFill>
-                <a:effectLst/>
-                <a:latin typeface="Lucida Console" panose="020B0609040504020204" pitchFamily="49" charset="0"/>
-              </a:rPr>
-              <a:t>) </a:t>
+              <a:t>&gt; library(parallel) </a:t>
             </a:r>
             <a:endParaRPr kumimoji="0" lang="en-US" altLang="zh-CN" b="0" i="0" u="none" strike="noStrike" cap="none" normalizeH="0" baseline="0" smtClean="0">
               <a:ln>
@@ -11976,20 +11924,7 @@
                 <a:effectLst/>
                 <a:latin typeface="Lucida Console" panose="020B0609040504020204" pitchFamily="49" charset="0"/>
               </a:rPr>
-              <a:t>&gt; detectCores</a:t>
-            </a:r>
-            <a:r>
-              <a:rPr kumimoji="0" lang="zh-CN" altLang="zh-CN" b="0" i="0" u="none" strike="noStrike" cap="none" normalizeH="0" baseline="0" smtClean="0">
-                <a:ln>
-                  <a:noFill/>
-                </a:ln>
-                <a:solidFill>
-                  <a:srgbClr val="0000FF"/>
-                </a:solidFill>
-                <a:effectLst/>
-                <a:latin typeface="Lucida Console" panose="020B0609040504020204" pitchFamily="49" charset="0"/>
-              </a:rPr>
-              <a:t>() </a:t>
+              <a:t>&gt; detectCores() </a:t>
             </a:r>
             <a:endParaRPr kumimoji="0" lang="en-US" altLang="zh-CN" b="0" i="0" u="none" strike="noStrike" cap="none" normalizeH="0" baseline="0" smtClean="0">
               <a:ln>
@@ -12030,20 +11965,7 @@
                 <a:effectLst/>
                 <a:latin typeface="Lucida Console" panose="020B0609040504020204" pitchFamily="49" charset="0"/>
               </a:rPr>
-              <a:t>[</a:t>
-            </a:r>
-            <a:r>
-              <a:rPr kumimoji="0" lang="zh-CN" altLang="zh-CN" b="0" i="0" u="none" strike="noStrike" cap="none" normalizeH="0" baseline="0" smtClean="0">
-                <a:ln>
-                  <a:noFill/>
-                </a:ln>
-                <a:solidFill>
-                  <a:srgbClr val="000000"/>
-                </a:solidFill>
-                <a:effectLst/>
-                <a:latin typeface="Lucida Console" panose="020B0609040504020204" pitchFamily="49" charset="0"/>
-              </a:rPr>
-              <a:t>1] 4</a:t>
+              <a:t>[1] 4</a:t>
             </a:r>
             <a:endParaRPr kumimoji="0" lang="zh-CN" altLang="zh-CN" sz="4000" b="0" i="0" u="none" strike="noStrike" cap="none" normalizeH="0" baseline="0" smtClean="0">
               <a:ln>
@@ -13119,11 +13041,7 @@
             </a:r>
             <a:r>
               <a:rPr lang="zh-CN" altLang="en-US" smtClean="0"/>
-              <a:t>循环</a:t>
-            </a:r>
-            <a:r>
-              <a:rPr lang="zh-CN" altLang="en-US" smtClean="0"/>
-              <a:t>（出场率最高）</a:t>
+              <a:t>循环（出场率最高）</a:t>
             </a:r>
             <a:endParaRPr lang="en-US" altLang="zh-CN" smtClean="0"/>
           </a:p>
@@ -14995,20 +14913,7 @@
                 <a:effectLst/>
                 <a:latin typeface="Lucida Console" panose="020B0609040504020204" pitchFamily="49" charset="0"/>
               </a:rPr>
-              <a:t>&gt; </a:t>
-            </a:r>
-            <a:r>
-              <a:rPr kumimoji="0" lang="zh-CN" altLang="zh-CN" sz="1600" b="0" i="0" u="none" strike="noStrike" cap="none" normalizeH="0" baseline="0" smtClean="0">
-                <a:ln>
-                  <a:noFill/>
-                </a:ln>
-                <a:solidFill>
-                  <a:srgbClr val="0000FF"/>
-                </a:solidFill>
-                <a:effectLst/>
-                <a:latin typeface="Lucida Console" panose="020B0609040504020204" pitchFamily="49" charset="0"/>
-              </a:rPr>
-              <a:t>if(t&gt;=50){print("yes")}else{print("no")}</a:t>
+              <a:t>&gt; if(t&gt;=50){print("yes")}else{print("no")}</a:t>
             </a:r>
             <a:endParaRPr kumimoji="0" lang="zh-CN" altLang="zh-CN" sz="3600" b="0" i="0" u="none" strike="noStrike" cap="none" normalizeH="0" baseline="0" smtClean="0">
               <a:ln>
@@ -15104,33 +15009,7 @@
                 <a:effectLst/>
                 <a:latin typeface="Lucida Console" panose="020B0609040504020204" pitchFamily="49" charset="0"/>
               </a:rPr>
-              <a:t>&gt; for</a:t>
-            </a:r>
-            <a:r>
-              <a:rPr kumimoji="0" lang="zh-CN" altLang="zh-CN" sz="1600" b="0" i="0" u="none" strike="noStrike" cap="none" normalizeH="0" baseline="0" smtClean="0">
-                <a:ln>
-                  <a:noFill/>
-                </a:ln>
-                <a:solidFill>
-                  <a:srgbClr val="0000FF"/>
-                </a:solidFill>
-                <a:effectLst/>
-                <a:latin typeface="Lucida Console" panose="020B0609040504020204" pitchFamily="49" charset="0"/>
-              </a:rPr>
-              <a:t>(i in a</a:t>
-            </a:r>
-            <a:r>
-              <a:rPr kumimoji="0" lang="zh-CN" altLang="zh-CN" sz="1600" b="0" i="0" u="none" strike="noStrike" cap="none" normalizeH="0" baseline="0" smtClean="0">
-                <a:ln>
-                  <a:noFill/>
-                </a:ln>
-                <a:solidFill>
-                  <a:srgbClr val="0000FF"/>
-                </a:solidFill>
-                <a:effectLst/>
-                <a:latin typeface="Lucida Console" panose="020B0609040504020204" pitchFamily="49" charset="0"/>
-              </a:rPr>
-              <a:t>){ </a:t>
+              <a:t>&gt; for(i in a){ </a:t>
             </a:r>
             <a:endParaRPr kumimoji="0" lang="en-US" altLang="zh-CN" sz="1600" b="0" i="0" u="none" strike="noStrike" cap="none" normalizeH="0" baseline="0" smtClean="0">
               <a:ln>
@@ -15197,33 +15076,7 @@
                 <a:effectLst/>
                 <a:latin typeface="Lucida Console" panose="020B0609040504020204" pitchFamily="49" charset="0"/>
               </a:rPr>
-              <a:t>if</a:t>
-            </a:r>
-            <a:r>
-              <a:rPr kumimoji="0" lang="zh-CN" altLang="zh-CN" sz="1600" b="0" i="0" u="none" strike="noStrike" cap="none" normalizeH="0" baseline="0" smtClean="0">
-                <a:ln>
-                  <a:noFill/>
-                </a:ln>
-                <a:solidFill>
-                  <a:srgbClr val="0000FF"/>
-                </a:solidFill>
-                <a:effectLst/>
-                <a:latin typeface="Lucida Console" panose="020B0609040504020204" pitchFamily="49" charset="0"/>
-              </a:rPr>
-              <a:t>(i&gt;=1000</a:t>
-            </a:r>
-            <a:r>
-              <a:rPr kumimoji="0" lang="zh-CN" altLang="zh-CN" sz="1600" b="0" i="0" u="none" strike="noStrike" cap="none" normalizeH="0" baseline="0" smtClean="0">
-                <a:ln>
-                  <a:noFill/>
-                </a:ln>
-                <a:solidFill>
-                  <a:srgbClr val="0000FF"/>
-                </a:solidFill>
-                <a:effectLst/>
-                <a:latin typeface="Lucida Console" panose="020B0609040504020204" pitchFamily="49" charset="0"/>
-              </a:rPr>
-              <a:t>){ </a:t>
+              <a:t>if(i&gt;=1000){ </a:t>
             </a:r>
             <a:endParaRPr kumimoji="0" lang="en-US" altLang="zh-CN" sz="1600" b="0" i="0" u="none" strike="noStrike" cap="none" normalizeH="0" baseline="0" smtClean="0">
               <a:ln>
@@ -15290,33 +15143,7 @@
                 <a:effectLst/>
                 <a:latin typeface="Lucida Console" panose="020B0609040504020204" pitchFamily="49" charset="0"/>
               </a:rPr>
-              <a:t>print</a:t>
-            </a:r>
-            <a:r>
-              <a:rPr kumimoji="0" lang="zh-CN" altLang="zh-CN" sz="1600" b="0" i="0" u="none" strike="noStrike" cap="none" normalizeH="0" baseline="0" smtClean="0">
-                <a:ln>
-                  <a:noFill/>
-                </a:ln>
-                <a:solidFill>
-                  <a:srgbClr val="0000FF"/>
-                </a:solidFill>
-                <a:effectLst/>
-                <a:latin typeface="Lucida Console" panose="020B0609040504020204" pitchFamily="49" charset="0"/>
-              </a:rPr>
-              <a:t>("yes</a:t>
-            </a:r>
-            <a:r>
-              <a:rPr kumimoji="0" lang="zh-CN" altLang="zh-CN" sz="1600" b="0" i="0" u="none" strike="noStrike" cap="none" normalizeH="0" baseline="0" smtClean="0">
-                <a:ln>
-                  <a:noFill/>
-                </a:ln>
-                <a:solidFill>
-                  <a:srgbClr val="0000FF"/>
-                </a:solidFill>
-                <a:effectLst/>
-                <a:latin typeface="Lucida Console" panose="020B0609040504020204" pitchFamily="49" charset="0"/>
-              </a:rPr>
-              <a:t>") </a:t>
+              <a:t>print("yes") </a:t>
             </a:r>
             <a:endParaRPr kumimoji="0" lang="en-US" altLang="zh-CN" sz="1600" b="0" i="0" u="none" strike="noStrike" cap="none" normalizeH="0" baseline="0" smtClean="0">
               <a:ln>
@@ -15450,20 +15277,7 @@
                 <a:effectLst/>
                 <a:latin typeface="Lucida Console" panose="020B0609040504020204" pitchFamily="49" charset="0"/>
               </a:rPr>
-              <a:t>else</a:t>
-            </a:r>
-            <a:r>
-              <a:rPr kumimoji="0" lang="zh-CN" altLang="zh-CN" sz="1600" b="0" i="0" u="none" strike="noStrike" cap="none" normalizeH="0" baseline="0" smtClean="0">
-                <a:ln>
-                  <a:noFill/>
-                </a:ln>
-                <a:solidFill>
-                  <a:srgbClr val="0000FF"/>
-                </a:solidFill>
-                <a:effectLst/>
-                <a:latin typeface="Lucida Console" panose="020B0609040504020204" pitchFamily="49" charset="0"/>
-              </a:rPr>
-              <a:t>{ </a:t>
+              <a:t>else{ </a:t>
             </a:r>
             <a:endParaRPr kumimoji="0" lang="en-US" altLang="zh-CN" sz="1600" b="0" i="0" u="none" strike="noStrike" cap="none" normalizeH="0" baseline="0" smtClean="0">
               <a:ln>
@@ -15530,33 +15344,7 @@
                 <a:effectLst/>
                 <a:latin typeface="Lucida Console" panose="020B0609040504020204" pitchFamily="49" charset="0"/>
               </a:rPr>
-              <a:t>print</a:t>
-            </a:r>
-            <a:r>
-              <a:rPr kumimoji="0" lang="zh-CN" altLang="zh-CN" sz="1600" b="0" i="0" u="none" strike="noStrike" cap="none" normalizeH="0" baseline="0" smtClean="0">
-                <a:ln>
-                  <a:noFill/>
-                </a:ln>
-                <a:solidFill>
-                  <a:srgbClr val="0000FF"/>
-                </a:solidFill>
-                <a:effectLst/>
-                <a:latin typeface="Lucida Console" panose="020B0609040504020204" pitchFamily="49" charset="0"/>
-              </a:rPr>
-              <a:t>("no</a:t>
-            </a:r>
-            <a:r>
-              <a:rPr kumimoji="0" lang="zh-CN" altLang="zh-CN" sz="1600" b="0" i="0" u="none" strike="noStrike" cap="none" normalizeH="0" baseline="0" smtClean="0">
-                <a:ln>
-                  <a:noFill/>
-                </a:ln>
-                <a:solidFill>
-                  <a:srgbClr val="0000FF"/>
-                </a:solidFill>
-                <a:effectLst/>
-                <a:latin typeface="Lucida Console" panose="020B0609040504020204" pitchFamily="49" charset="0"/>
-              </a:rPr>
-              <a:t>") </a:t>
+              <a:t>print("no") </a:t>
             </a:r>
             <a:endParaRPr kumimoji="0" lang="en-US" altLang="zh-CN" sz="1600" b="0" i="0" u="none" strike="noStrike" cap="none" normalizeH="0" baseline="0" smtClean="0">
               <a:ln>
@@ -15664,20 +15452,7 @@
                 <a:effectLst/>
                 <a:latin typeface="Lucida Console" panose="020B0609040504020204" pitchFamily="49" charset="0"/>
               </a:rPr>
-              <a:t>+ </a:t>
-            </a:r>
-            <a:r>
-              <a:rPr kumimoji="0" lang="zh-CN" altLang="zh-CN" sz="1600" b="0" i="0" u="none" strike="noStrike" cap="none" normalizeH="0" baseline="0" smtClean="0">
-                <a:ln>
-                  <a:noFill/>
-                </a:ln>
-                <a:solidFill>
-                  <a:srgbClr val="0000FF"/>
-                </a:solidFill>
-                <a:effectLst/>
-                <a:latin typeface="Lucida Console" panose="020B0609040504020204" pitchFamily="49" charset="0"/>
-              </a:rPr>
-              <a:t>}</a:t>
+              <a:t>+ }</a:t>
             </a:r>
             <a:endParaRPr kumimoji="0" lang="zh-CN" altLang="zh-CN" sz="3600" b="0" i="0" u="none" strike="noStrike" cap="none" normalizeH="0" baseline="0" smtClean="0">
               <a:ln>
@@ -18316,7 +18091,7 @@
         </p:nvSpPr>
         <p:spPr>
           <a:xfrm>
-            <a:off x="7553093" y="3948642"/>
+            <a:off x="6794810" y="4057711"/>
             <a:ext cx="4360870" cy="923330"/>
           </a:xfrm>
           <a:prstGeom prst="rect">
@@ -18547,6 +18322,222 @@
           </a:p>
         </p:txBody>
       </p:sp>
+      <p:cxnSp>
+        <p:nvCxnSpPr>
+          <p:cNvPr id="9" name="直接箭头连接符 8"/>
+          <p:cNvCxnSpPr/>
+          <p:nvPr/>
+        </p:nvCxnSpPr>
+        <p:spPr>
+          <a:xfrm>
+            <a:off x="7870677" y="7427"/>
+            <a:ext cx="0" cy="786213"/>
+          </a:xfrm>
+          <a:prstGeom prst="straightConnector1">
+            <a:avLst/>
+          </a:prstGeom>
+          <a:ln w="38100">
+            <a:solidFill>
+              <a:srgbClr val="FF0000"/>
+            </a:solidFill>
+            <a:tailEnd type="triangle"/>
+          </a:ln>
+        </p:spPr>
+        <p:style>
+          <a:lnRef idx="1">
+            <a:schemeClr val="accent1"/>
+          </a:lnRef>
+          <a:fillRef idx="0">
+            <a:schemeClr val="accent1"/>
+          </a:fillRef>
+          <a:effectRef idx="0">
+            <a:schemeClr val="accent1"/>
+          </a:effectRef>
+          <a:fontRef idx="minor">
+            <a:schemeClr val="tx1"/>
+          </a:fontRef>
+        </p:style>
+      </p:cxnSp>
+      <p:cxnSp>
+        <p:nvCxnSpPr>
+          <p:cNvPr id="11" name="直接箭头连接符 10"/>
+          <p:cNvCxnSpPr/>
+          <p:nvPr/>
+        </p:nvCxnSpPr>
+        <p:spPr>
+          <a:xfrm>
+            <a:off x="8467459" y="-5379"/>
+            <a:ext cx="0" cy="786213"/>
+          </a:xfrm>
+          <a:prstGeom prst="straightConnector1">
+            <a:avLst/>
+          </a:prstGeom>
+          <a:ln w="38100">
+            <a:solidFill>
+              <a:srgbClr val="FF0000"/>
+            </a:solidFill>
+            <a:tailEnd type="triangle"/>
+          </a:ln>
+        </p:spPr>
+        <p:style>
+          <a:lnRef idx="1">
+            <a:schemeClr val="accent1"/>
+          </a:lnRef>
+          <a:fillRef idx="0">
+            <a:schemeClr val="accent1"/>
+          </a:fillRef>
+          <a:effectRef idx="0">
+            <a:schemeClr val="accent1"/>
+          </a:effectRef>
+          <a:fontRef idx="minor">
+            <a:schemeClr val="tx1"/>
+          </a:fontRef>
+        </p:style>
+      </p:cxnSp>
+      <p:cxnSp>
+        <p:nvCxnSpPr>
+          <p:cNvPr id="12" name="直接箭头连接符 11"/>
+          <p:cNvCxnSpPr/>
+          <p:nvPr/>
+        </p:nvCxnSpPr>
+        <p:spPr>
+          <a:xfrm>
+            <a:off x="8936053" y="7427"/>
+            <a:ext cx="0" cy="786213"/>
+          </a:xfrm>
+          <a:prstGeom prst="straightConnector1">
+            <a:avLst/>
+          </a:prstGeom>
+          <a:ln w="38100">
+            <a:solidFill>
+              <a:srgbClr val="FF0000"/>
+            </a:solidFill>
+            <a:tailEnd type="triangle"/>
+          </a:ln>
+        </p:spPr>
+        <p:style>
+          <a:lnRef idx="1">
+            <a:schemeClr val="accent1"/>
+          </a:lnRef>
+          <a:fillRef idx="0">
+            <a:schemeClr val="accent1"/>
+          </a:fillRef>
+          <a:effectRef idx="0">
+            <a:schemeClr val="accent1"/>
+          </a:effectRef>
+          <a:fontRef idx="minor">
+            <a:schemeClr val="tx1"/>
+          </a:fontRef>
+        </p:style>
+      </p:cxnSp>
+      <p:cxnSp>
+        <p:nvCxnSpPr>
+          <p:cNvPr id="13" name="直接箭头连接符 12"/>
+          <p:cNvCxnSpPr/>
+          <p:nvPr/>
+        </p:nvCxnSpPr>
+        <p:spPr>
+          <a:xfrm>
+            <a:off x="9755024" y="7427"/>
+            <a:ext cx="0" cy="786213"/>
+          </a:xfrm>
+          <a:prstGeom prst="straightConnector1">
+            <a:avLst/>
+          </a:prstGeom>
+          <a:ln w="38100">
+            <a:solidFill>
+              <a:srgbClr val="FF0000"/>
+            </a:solidFill>
+            <a:tailEnd type="triangle"/>
+          </a:ln>
+        </p:spPr>
+        <p:style>
+          <a:lnRef idx="1">
+            <a:schemeClr val="accent1"/>
+          </a:lnRef>
+          <a:fillRef idx="0">
+            <a:schemeClr val="accent1"/>
+          </a:fillRef>
+          <a:effectRef idx="0">
+            <a:schemeClr val="accent1"/>
+          </a:effectRef>
+          <a:fontRef idx="minor">
+            <a:schemeClr val="tx1"/>
+          </a:fontRef>
+        </p:style>
+      </p:cxnSp>
+      <p:cxnSp>
+        <p:nvCxnSpPr>
+          <p:cNvPr id="14" name="直接箭头连接符 13"/>
+          <p:cNvCxnSpPr/>
+          <p:nvPr/>
+        </p:nvCxnSpPr>
+        <p:spPr>
+          <a:xfrm>
+            <a:off x="10497085" y="7427"/>
+            <a:ext cx="0" cy="786213"/>
+          </a:xfrm>
+          <a:prstGeom prst="straightConnector1">
+            <a:avLst/>
+          </a:prstGeom>
+          <a:ln w="38100">
+            <a:solidFill>
+              <a:srgbClr val="FF0000"/>
+            </a:solidFill>
+            <a:tailEnd type="triangle"/>
+          </a:ln>
+        </p:spPr>
+        <p:style>
+          <a:lnRef idx="1">
+            <a:schemeClr val="accent1"/>
+          </a:lnRef>
+          <a:fillRef idx="0">
+            <a:schemeClr val="accent1"/>
+          </a:fillRef>
+          <a:effectRef idx="0">
+            <a:schemeClr val="accent1"/>
+          </a:effectRef>
+          <a:fontRef idx="minor">
+            <a:schemeClr val="tx1"/>
+          </a:fontRef>
+        </p:style>
+      </p:cxnSp>
+      <p:cxnSp>
+        <p:nvCxnSpPr>
+          <p:cNvPr id="15" name="直接箭头连接符 14"/>
+          <p:cNvCxnSpPr/>
+          <p:nvPr/>
+        </p:nvCxnSpPr>
+        <p:spPr>
+          <a:xfrm>
+            <a:off x="10957133" y="7427"/>
+            <a:ext cx="0" cy="786213"/>
+          </a:xfrm>
+          <a:prstGeom prst="straightConnector1">
+            <a:avLst/>
+          </a:prstGeom>
+          <a:ln w="38100">
+            <a:solidFill>
+              <a:srgbClr val="FF0000"/>
+            </a:solidFill>
+            <a:tailEnd type="triangle"/>
+          </a:ln>
+        </p:spPr>
+        <p:style>
+          <a:lnRef idx="1">
+            <a:schemeClr val="accent1"/>
+          </a:lnRef>
+          <a:fillRef idx="0">
+            <a:schemeClr val="accent1"/>
+          </a:fillRef>
+          <a:effectRef idx="0">
+            <a:schemeClr val="accent1"/>
+          </a:effectRef>
+          <a:fontRef idx="minor">
+            <a:schemeClr val="tx1"/>
+          </a:fontRef>
+        </p:style>
+      </p:cxnSp>
     </p:spTree>
     <p:extLst>
       <p:ext uri="{BB962C8B-B14F-4D97-AF65-F5344CB8AC3E}">
@@ -18606,6 +18597,270 @@
                                         <p:cTn id="7" dur="500"/>
                                         <p:tgtEl>
                                           <p:spTgt spid="7"/>
+                                        </p:tgtEl>
+                                      </p:cBhvr>
+                                    </p:animEffect>
+                                  </p:childTnLst>
+                                </p:cTn>
+                              </p:par>
+                            </p:childTnLst>
+                          </p:cTn>
+                        </p:par>
+                        <p:par>
+                          <p:cTn id="8" fill="hold">
+                            <p:stCondLst>
+                              <p:cond delay="500"/>
+                            </p:stCondLst>
+                            <p:childTnLst>
+                              <p:par>
+                                <p:cTn id="9" presetID="22" presetClass="entr" presetSubtype="1" fill="hold" nodeType="afterEffect">
+                                  <p:stCondLst>
+                                    <p:cond delay="0"/>
+                                  </p:stCondLst>
+                                  <p:childTnLst>
+                                    <p:set>
+                                      <p:cBhvr>
+                                        <p:cTn id="10" dur="1" fill="hold">
+                                          <p:stCondLst>
+                                            <p:cond delay="0"/>
+                                          </p:stCondLst>
+                                        </p:cTn>
+                                        <p:tgtEl>
+                                          <p:spTgt spid="9"/>
+                                        </p:tgtEl>
+                                        <p:attrNameLst>
+                                          <p:attrName>style.visibility</p:attrName>
+                                        </p:attrNameLst>
+                                      </p:cBhvr>
+                                      <p:to>
+                                        <p:strVal val="visible"/>
+                                      </p:to>
+                                    </p:set>
+                                    <p:animEffect transition="in" filter="wipe(up)">
+                                      <p:cBhvr>
+                                        <p:cTn id="11" dur="500"/>
+                                        <p:tgtEl>
+                                          <p:spTgt spid="9"/>
+                                        </p:tgtEl>
+                                      </p:cBhvr>
+                                    </p:animEffect>
+                                  </p:childTnLst>
+                                </p:cTn>
+                              </p:par>
+                            </p:childTnLst>
+                          </p:cTn>
+                        </p:par>
+                        <p:par>
+                          <p:cTn id="12" fill="hold">
+                            <p:stCondLst>
+                              <p:cond delay="1000"/>
+                            </p:stCondLst>
+                            <p:childTnLst>
+                              <p:par>
+                                <p:cTn id="13" presetID="22" presetClass="entr" presetSubtype="1" fill="hold" nodeType="afterEffect">
+                                  <p:stCondLst>
+                                    <p:cond delay="0"/>
+                                  </p:stCondLst>
+                                  <p:childTnLst>
+                                    <p:set>
+                                      <p:cBhvr>
+                                        <p:cTn id="14" dur="1" fill="hold">
+                                          <p:stCondLst>
+                                            <p:cond delay="0"/>
+                                          </p:stCondLst>
+                                        </p:cTn>
+                                        <p:tgtEl>
+                                          <p:spTgt spid="11"/>
+                                        </p:tgtEl>
+                                        <p:attrNameLst>
+                                          <p:attrName>style.visibility</p:attrName>
+                                        </p:attrNameLst>
+                                      </p:cBhvr>
+                                      <p:to>
+                                        <p:strVal val="visible"/>
+                                      </p:to>
+                                    </p:set>
+                                    <p:animEffect transition="in" filter="wipe(up)">
+                                      <p:cBhvr>
+                                        <p:cTn id="15" dur="500"/>
+                                        <p:tgtEl>
+                                          <p:spTgt spid="11"/>
+                                        </p:tgtEl>
+                                      </p:cBhvr>
+                                    </p:animEffect>
+                                  </p:childTnLst>
+                                </p:cTn>
+                              </p:par>
+                            </p:childTnLst>
+                          </p:cTn>
+                        </p:par>
+                        <p:par>
+                          <p:cTn id="16" fill="hold">
+                            <p:stCondLst>
+                              <p:cond delay="1500"/>
+                            </p:stCondLst>
+                            <p:childTnLst>
+                              <p:par>
+                                <p:cTn id="17" presetID="22" presetClass="entr" presetSubtype="1" fill="hold" nodeType="afterEffect">
+                                  <p:stCondLst>
+                                    <p:cond delay="0"/>
+                                  </p:stCondLst>
+                                  <p:childTnLst>
+                                    <p:set>
+                                      <p:cBhvr>
+                                        <p:cTn id="18" dur="1" fill="hold">
+                                          <p:stCondLst>
+                                            <p:cond delay="0"/>
+                                          </p:stCondLst>
+                                        </p:cTn>
+                                        <p:tgtEl>
+                                          <p:spTgt spid="12"/>
+                                        </p:tgtEl>
+                                        <p:attrNameLst>
+                                          <p:attrName>style.visibility</p:attrName>
+                                        </p:attrNameLst>
+                                      </p:cBhvr>
+                                      <p:to>
+                                        <p:strVal val="visible"/>
+                                      </p:to>
+                                    </p:set>
+                                    <p:animEffect transition="in" filter="wipe(up)">
+                                      <p:cBhvr>
+                                        <p:cTn id="19" dur="500"/>
+                                        <p:tgtEl>
+                                          <p:spTgt spid="12"/>
+                                        </p:tgtEl>
+                                      </p:cBhvr>
+                                    </p:animEffect>
+                                  </p:childTnLst>
+                                </p:cTn>
+                              </p:par>
+                            </p:childTnLst>
+                          </p:cTn>
+                        </p:par>
+                        <p:par>
+                          <p:cTn id="20" fill="hold">
+                            <p:stCondLst>
+                              <p:cond delay="2000"/>
+                            </p:stCondLst>
+                            <p:childTnLst>
+                              <p:par>
+                                <p:cTn id="21" presetID="22" presetClass="entr" presetSubtype="1" fill="hold" nodeType="afterEffect">
+                                  <p:stCondLst>
+                                    <p:cond delay="0"/>
+                                  </p:stCondLst>
+                                  <p:childTnLst>
+                                    <p:set>
+                                      <p:cBhvr>
+                                        <p:cTn id="22" dur="1" fill="hold">
+                                          <p:stCondLst>
+                                            <p:cond delay="0"/>
+                                          </p:stCondLst>
+                                        </p:cTn>
+                                        <p:tgtEl>
+                                          <p:spTgt spid="13"/>
+                                        </p:tgtEl>
+                                        <p:attrNameLst>
+                                          <p:attrName>style.visibility</p:attrName>
+                                        </p:attrNameLst>
+                                      </p:cBhvr>
+                                      <p:to>
+                                        <p:strVal val="visible"/>
+                                      </p:to>
+                                    </p:set>
+                                    <p:animEffect transition="in" filter="wipe(up)">
+                                      <p:cBhvr>
+                                        <p:cTn id="23" dur="500"/>
+                                        <p:tgtEl>
+                                          <p:spTgt spid="13"/>
+                                        </p:tgtEl>
+                                      </p:cBhvr>
+                                    </p:animEffect>
+                                  </p:childTnLst>
+                                </p:cTn>
+                              </p:par>
+                            </p:childTnLst>
+                          </p:cTn>
+                        </p:par>
+                        <p:par>
+                          <p:cTn id="24" fill="hold">
+                            <p:stCondLst>
+                              <p:cond delay="2500"/>
+                            </p:stCondLst>
+                            <p:childTnLst>
+                              <p:par>
+                                <p:cTn id="25" presetID="22" presetClass="entr" presetSubtype="1" fill="hold" nodeType="afterEffect">
+                                  <p:stCondLst>
+                                    <p:cond delay="0"/>
+                                  </p:stCondLst>
+                                  <p:childTnLst>
+                                    <p:set>
+                                      <p:cBhvr>
+                                        <p:cTn id="26" dur="1" fill="hold">
+                                          <p:stCondLst>
+                                            <p:cond delay="0"/>
+                                          </p:stCondLst>
+                                        </p:cTn>
+                                        <p:tgtEl>
+                                          <p:spTgt spid="14"/>
+                                        </p:tgtEl>
+                                        <p:attrNameLst>
+                                          <p:attrName>style.visibility</p:attrName>
+                                        </p:attrNameLst>
+                                      </p:cBhvr>
+                                      <p:to>
+                                        <p:strVal val="visible"/>
+                                      </p:to>
+                                    </p:set>
+                                    <p:animEffect transition="in" filter="wipe(up)">
+                                      <p:cBhvr>
+                                        <p:cTn id="27" dur="500"/>
+                                        <p:tgtEl>
+                                          <p:spTgt spid="14"/>
+                                        </p:tgtEl>
+                                      </p:cBhvr>
+                                    </p:animEffect>
+                                  </p:childTnLst>
+                                </p:cTn>
+                              </p:par>
+                            </p:childTnLst>
+                          </p:cTn>
+                        </p:par>
+                        <p:par>
+                          <p:cTn id="28" fill="hold">
+                            <p:stCondLst>
+                              <p:cond delay="3000"/>
+                            </p:stCondLst>
+                            <p:childTnLst>
+                              <p:par>
+                                <p:cTn id="29" presetID="22" presetClass="entr" presetSubtype="1" fill="hold" nodeType="afterEffect">
+                                  <p:stCondLst>
+                                    <p:cond delay="0"/>
+                                  </p:stCondLst>
+                                  <p:childTnLst>
+                                    <p:set>
+                                      <p:cBhvr>
+                                        <p:cTn id="30" dur="1" fill="hold">
+                                          <p:stCondLst>
+                                            <p:cond delay="0"/>
+                                          </p:stCondLst>
+                                        </p:cTn>
+                                        <p:tgtEl>
+                                          <p:spTgt spid="15"/>
+                                        </p:tgtEl>
+                                        <p:attrNameLst>
+                                          <p:attrName>style.visibility</p:attrName>
+                                        </p:attrNameLst>
+                                      </p:cBhvr>
+                                      <p:to>
+                                        <p:strVal val="visible"/>
+                                      </p:to>
+                                    </p:set>
+                                    <p:animEffect transition="in" filter="wipe(up)">
+                                      <p:cBhvr>
+                                        <p:cTn id="31" dur="500"/>
+                                        <p:tgtEl>
+                                          <p:spTgt spid="15"/>
                                         </p:tgtEl>
                                       </p:cBhvr>
                                     </p:animEffect>

--- a/数据分析-6-函数式编程.pptx
+++ b/数据分析-6-函数式编程.pptx
@@ -21,10 +21,11 @@
     <p:sldId id="277" r:id="rId15"/>
     <p:sldId id="290" r:id="rId16"/>
     <p:sldId id="279" r:id="rId17"/>
-    <p:sldId id="271" r:id="rId18"/>
-    <p:sldId id="274" r:id="rId19"/>
-    <p:sldId id="275" r:id="rId20"/>
-    <p:sldId id="276" r:id="rId21"/>
+    <p:sldId id="292" r:id="rId18"/>
+    <p:sldId id="271" r:id="rId19"/>
+    <p:sldId id="274" r:id="rId20"/>
+    <p:sldId id="275" r:id="rId21"/>
+    <p:sldId id="276" r:id="rId22"/>
   </p:sldIdLst>
   <p:sldSz cx="12192000" cy="6858000"/>
   <p:notesSz cx="6858000" cy="9144000"/>
@@ -5184,7 +5185,7 @@
           <a:p>
             <a:fld id="{21149EF3-B5D6-4312-9940-7ECDC3700A55}" type="datetimeFigureOut">
               <a:rPr lang="zh-CN" altLang="en-US" smtClean="0"/>
-              <a:t>2017/11/18</a:t>
+              <a:t>2017/11/19</a:t>
             </a:fld>
             <a:endParaRPr lang="zh-CN" altLang="en-US"/>
           </a:p>
@@ -5392,7 +5393,7 @@
           <a:p>
             <a:fld id="{21149EF3-B5D6-4312-9940-7ECDC3700A55}" type="datetimeFigureOut">
               <a:rPr lang="zh-CN" altLang="en-US" smtClean="0"/>
-              <a:t>2017/11/18</a:t>
+              <a:t>2017/11/19</a:t>
             </a:fld>
             <a:endParaRPr lang="zh-CN" altLang="en-US"/>
           </a:p>
@@ -5648,7 +5649,7 @@
           <a:p>
             <a:fld id="{21149EF3-B5D6-4312-9940-7ECDC3700A55}" type="datetimeFigureOut">
               <a:rPr lang="zh-CN" altLang="en-US" smtClean="0"/>
-              <a:t>2017/11/18</a:t>
+              <a:t>2017/11/19</a:t>
             </a:fld>
             <a:endParaRPr lang="zh-CN" altLang="en-US"/>
           </a:p>
@@ -5847,7 +5848,7 @@
           <a:p>
             <a:fld id="{21149EF3-B5D6-4312-9940-7ECDC3700A55}" type="datetimeFigureOut">
               <a:rPr lang="zh-CN" altLang="en-US" smtClean="0"/>
-              <a:t>2017/11/18</a:t>
+              <a:t>2017/11/19</a:t>
             </a:fld>
             <a:endParaRPr lang="zh-CN" altLang="en-US"/>
           </a:p>
@@ -6189,7 +6190,7 @@
           <a:p>
             <a:fld id="{21149EF3-B5D6-4312-9940-7ECDC3700A55}" type="datetimeFigureOut">
               <a:rPr lang="zh-CN" altLang="en-US" smtClean="0"/>
-              <a:t>2017/11/18</a:t>
+              <a:t>2017/11/19</a:t>
             </a:fld>
             <a:endParaRPr lang="zh-CN" altLang="en-US"/>
           </a:p>
@@ -6464,7 +6465,7 @@
           <a:p>
             <a:fld id="{21149EF3-B5D6-4312-9940-7ECDC3700A55}" type="datetimeFigureOut">
               <a:rPr lang="zh-CN" altLang="en-US" smtClean="0"/>
-              <a:t>2017/11/18</a:t>
+              <a:t>2017/11/19</a:t>
             </a:fld>
             <a:endParaRPr lang="zh-CN" altLang="en-US"/>
           </a:p>
@@ -6843,7 +6844,7 @@
           <a:p>
             <a:fld id="{21149EF3-B5D6-4312-9940-7ECDC3700A55}" type="datetimeFigureOut">
               <a:rPr lang="zh-CN" altLang="en-US" smtClean="0"/>
-              <a:t>2017/11/18</a:t>
+              <a:t>2017/11/19</a:t>
             </a:fld>
             <a:endParaRPr lang="zh-CN" altLang="en-US"/>
           </a:p>
@@ -6961,7 +6962,7 @@
           <a:p>
             <a:fld id="{21149EF3-B5D6-4312-9940-7ECDC3700A55}" type="datetimeFigureOut">
               <a:rPr lang="zh-CN" altLang="en-US" smtClean="0"/>
-              <a:t>2017/11/18</a:t>
+              <a:t>2017/11/19</a:t>
             </a:fld>
             <a:endParaRPr lang="zh-CN" altLang="en-US"/>
           </a:p>
@@ -7132,7 +7133,7 @@
           <a:p>
             <a:fld id="{21149EF3-B5D6-4312-9940-7ECDC3700A55}" type="datetimeFigureOut">
               <a:rPr lang="zh-CN" altLang="en-US" smtClean="0"/>
-              <a:t>2017/11/18</a:t>
+              <a:t>2017/11/19</a:t>
             </a:fld>
             <a:endParaRPr lang="zh-CN" altLang="en-US"/>
           </a:p>
@@ -7486,7 +7487,7 @@
           <a:p>
             <a:fld id="{21149EF3-B5D6-4312-9940-7ECDC3700A55}" type="datetimeFigureOut">
               <a:rPr lang="zh-CN" altLang="en-US" smtClean="0"/>
-              <a:t>2017/11/18</a:t>
+              <a:t>2017/11/19</a:t>
             </a:fld>
             <a:endParaRPr lang="zh-CN" altLang="en-US"/>
           </a:p>
@@ -7868,7 +7869,7 @@
           <a:p>
             <a:fld id="{21149EF3-B5D6-4312-9940-7ECDC3700A55}" type="datetimeFigureOut">
               <a:rPr lang="zh-CN" altLang="en-US" smtClean="0"/>
-              <a:t>2017/11/18</a:t>
+              <a:t>2017/11/19</a:t>
             </a:fld>
             <a:endParaRPr lang="zh-CN" altLang="en-US"/>
           </a:p>
@@ -8155,7 +8156,7 @@
           <a:p>
             <a:fld id="{21149EF3-B5D6-4312-9940-7ECDC3700A55}" type="datetimeFigureOut">
               <a:rPr lang="zh-CN" altLang="en-US" smtClean="0"/>
-              <a:t>2017/11/18</a:t>
+              <a:t>2017/11/19</a:t>
             </a:fld>
             <a:endParaRPr lang="zh-CN" altLang="en-US"/>
           </a:p>
@@ -8809,14 +8810,16 @@
         </p:nvSpPr>
         <p:spPr/>
         <p:txBody>
-          <a:bodyPr/>
+          <a:bodyPr>
+            <a:normAutofit/>
+          </a:bodyPr>
           <a:lstStyle/>
           <a:p>
             <a:r>
-              <a:rPr lang="zh-CN" altLang="en-US" dirty="0" smtClean="0"/>
+              <a:rPr lang="zh-CN" altLang="en-US" sz="3600" dirty="0" smtClean="0"/>
               <a:t>闭包</a:t>
             </a:r>
-            <a:endParaRPr lang="zh-CN" altLang="en-US" dirty="0"/>
+            <a:endParaRPr lang="zh-CN" altLang="en-US" sz="3600" dirty="0"/>
           </a:p>
         </p:txBody>
       </p:sp>
@@ -9953,22 +9956,22 @@
           <a:lstStyle/>
           <a:p>
             <a:r>
-              <a:rPr lang="en-US" altLang="zh-CN" sz="3600" smtClean="0"/>
+              <a:rPr lang="en-US" altLang="zh-CN" sz="3200" smtClean="0"/>
               <a:t>list</a:t>
             </a:r>
             <a:r>
-              <a:rPr lang="zh-CN" altLang="en-US" sz="3600" smtClean="0"/>
+              <a:rPr lang="zh-CN" altLang="en-US" sz="3200" smtClean="0"/>
               <a:t>变量</a:t>
             </a:r>
             <a:r>
-              <a:rPr lang="en-US" altLang="zh-CN" sz="3600" smtClean="0"/>
+              <a:rPr lang="en-US" altLang="zh-CN" sz="3200" smtClean="0"/>
               <a:t>-</a:t>
             </a:r>
             <a:r>
-              <a:rPr lang="zh-CN" altLang="en-US" sz="3600" smtClean="0"/>
+              <a:rPr lang="zh-CN" altLang="en-US" sz="3200" smtClean="0"/>
               <a:t>像存数据一样存函数</a:t>
             </a:r>
-            <a:endParaRPr lang="zh-CN" altLang="en-US" sz="3600"/>
+            <a:endParaRPr lang="zh-CN" altLang="en-US" sz="3200"/>
           </a:p>
         </p:txBody>
       </p:sp>
@@ -10513,8 +10516,8 @@
         </p:nvSpPr>
         <p:spPr bwMode="auto">
           <a:xfrm>
-            <a:off x="1097280" y="4462197"/>
-            <a:ext cx="2231380" cy="184666"/>
+            <a:off x="1097280" y="4583509"/>
+            <a:ext cx="1394613" cy="369332"/>
           </a:xfrm>
           <a:prstGeom prst="rect">
             <a:avLst/>
@@ -10584,8 +10587,49 @@
                 <a:effectLst/>
                 <a:latin typeface="Lucida Console" panose="020B0609040504020204" pitchFamily="49" charset="0"/>
               </a:rPr>
-              <a:t>&gt; a[[3]] </a:t>
-            </a:r>
+              <a:t>&gt; a</a:t>
+            </a:r>
+            <a:r>
+              <a:rPr kumimoji="0" lang="zh-CN" altLang="zh-CN" sz="1200" b="0" i="0" u="none" strike="noStrike" cap="none" normalizeH="0" baseline="0" smtClean="0">
+                <a:ln>
+                  <a:noFill/>
+                </a:ln>
+                <a:solidFill>
+                  <a:srgbClr val="0000FF"/>
+                </a:solidFill>
+                <a:effectLst/>
+                <a:latin typeface="Lucida Console" panose="020B0609040504020204" pitchFamily="49" charset="0"/>
+              </a:rPr>
+              <a:t>[[3]] </a:t>
+            </a:r>
+            <a:endParaRPr kumimoji="0" lang="en-US" altLang="zh-CN" sz="1200" b="0" i="0" u="none" strike="noStrike" cap="none" normalizeH="0" baseline="0" smtClean="0">
+              <a:ln>
+                <a:noFill/>
+              </a:ln>
+              <a:solidFill>
+                <a:srgbClr val="0000FF"/>
+              </a:solidFill>
+              <a:effectLst/>
+              <a:latin typeface="Lucida Console" panose="020B0609040504020204" pitchFamily="49" charset="0"/>
+            </a:endParaRPr>
+          </a:p>
+          <a:p>
+            <a:pPr marL="0" marR="0" lvl="0" indent="0" algn="l" defTabSz="914400" rtl="0" eaLnBrk="0" fontAlgn="base" latinLnBrk="0" hangingPunct="0">
+              <a:lnSpc>
+                <a:spcPct val="100000"/>
+              </a:lnSpc>
+              <a:spcBef>
+                <a:spcPct val="0"/>
+              </a:spcBef>
+              <a:spcAft>
+                <a:spcPct val="0"/>
+              </a:spcAft>
+              <a:buClrTx/>
+              <a:buSzTx/>
+              <a:buFontTx/>
+              <a:buNone/>
+              <a:tabLst/>
+            </a:pPr>
             <a:r>
               <a:rPr kumimoji="0" lang="zh-CN" altLang="zh-CN" sz="1200" b="0" i="0" u="none" strike="noStrike" cap="none" normalizeH="0" baseline="0" smtClean="0">
                 <a:ln>
@@ -10597,7 +10641,20 @@
                 <a:effectLst/>
                 <a:latin typeface="Lucida Console" panose="020B0609040504020204" pitchFamily="49" charset="0"/>
               </a:rPr>
-              <a:t>function(x) x+2</a:t>
+              <a:t>function</a:t>
+            </a:r>
+            <a:r>
+              <a:rPr kumimoji="0" lang="zh-CN" altLang="zh-CN" sz="1200" b="0" i="0" u="none" strike="noStrike" cap="none" normalizeH="0" baseline="0" smtClean="0">
+                <a:ln>
+                  <a:noFill/>
+                </a:ln>
+                <a:solidFill>
+                  <a:srgbClr val="000000"/>
+                </a:solidFill>
+                <a:effectLst/>
+                <a:latin typeface="Lucida Console" panose="020B0609040504020204" pitchFamily="49" charset="0"/>
+              </a:rPr>
+              <a:t>(x) x+2</a:t>
             </a:r>
             <a:endParaRPr kumimoji="0" lang="zh-CN" altLang="zh-CN" sz="2800" b="0" i="0" u="none" strike="noStrike" cap="none" normalizeH="0" baseline="0" smtClean="0">
               <a:ln>
@@ -12411,116 +12468,1103 @@
       </p:grpSpPr>
       <p:sp>
         <p:nvSpPr>
-          <p:cNvPr id="2" name="标题 1"/>
+          <p:cNvPr id="5" name="文本占位符 4"/>
           <p:cNvSpPr>
             <a:spLocks noGrp="1"/>
           </p:cNvSpPr>
           <p:nvPr>
-            <p:ph type="title"/>
+            <p:ph type="body" idx="1"/>
           </p:nvPr>
         </p:nvSpPr>
-        <p:spPr/>
+        <p:spPr>
+          <a:xfrm>
+            <a:off x="1143157" y="0"/>
+            <a:ext cx="4937760" cy="1827353"/>
+          </a:xfrm>
+          <a:solidFill>
+            <a:schemeClr val="bg1"/>
+          </a:solidFill>
+        </p:spPr>
         <p:txBody>
           <a:bodyPr/>
           <a:lstStyle/>
           <a:p>
             <a:r>
-              <a:rPr lang="zh-CN" altLang="en-US" dirty="0" smtClean="0"/>
-              <a:t>代码</a:t>
-            </a:r>
-            <a:r>
-              <a:rPr lang="zh-CN" altLang="en-US" dirty="0"/>
-              <a:t>风格</a:t>
-            </a:r>
+              <a:rPr lang="zh-CN" altLang="en-US" smtClean="0"/>
+              <a:t>常规执行顺序</a:t>
+            </a:r>
+            <a:endParaRPr lang="zh-CN" altLang="en-US"/>
+          </a:p>
+        </p:txBody>
+      </p:sp>
+      <p:graphicFrame>
+        <p:nvGraphicFramePr>
+          <p:cNvPr id="35" name="内容占位符 34"/>
+          <p:cNvGraphicFramePr>
+            <a:graphicFrameLocks noGrp="1"/>
+          </p:cNvGraphicFramePr>
+          <p:nvPr>
+            <p:ph sz="half" idx="2"/>
+            <p:extLst>
+              <p:ext uri="{D42A27DB-BD31-4B8C-83A1-F6EECF244321}">
+                <p14:modId xmlns:p14="http://schemas.microsoft.com/office/powerpoint/2010/main" val="3974066747"/>
+              </p:ext>
+            </p:extLst>
+          </p:nvPr>
+        </p:nvGraphicFramePr>
+        <p:xfrm>
+          <a:off x="6901698" y="5464686"/>
+          <a:ext cx="3564108" cy="411013"/>
+        </p:xfrm>
+        <a:graphic>
+          <a:graphicData uri="http://schemas.openxmlformats.org/drawingml/2006/table">
+            <a:tbl>
+              <a:tblPr firstRow="1" bandRow="1">
+                <a:tableStyleId>{BDBED569-4797-4DF1-A0F4-6AAB3CD982D8}</a:tableStyleId>
+              </a:tblPr>
+              <a:tblGrid>
+                <a:gridCol w="594018"/>
+                <a:gridCol w="594018"/>
+                <a:gridCol w="594018"/>
+                <a:gridCol w="594018"/>
+                <a:gridCol w="594018"/>
+                <a:gridCol w="594018"/>
+              </a:tblGrid>
+              <a:tr h="411013">
+                <a:tc>
+                  <a:txBody>
+                    <a:bodyPr/>
+                    <a:lstStyle/>
+                    <a:p>
+                      <a:r>
+                        <a:rPr lang="en-US" altLang="zh-CN" sz="1400" b="0" smtClean="0">
+                          <a:latin typeface="+mj-lt"/>
+                        </a:rPr>
+                        <a:t>CPU1</a:t>
+                      </a:r>
+                      <a:endParaRPr lang="zh-CN" altLang="en-US" sz="1400" b="0">
+                        <a:latin typeface="+mj-lt"/>
+                      </a:endParaRPr>
+                    </a:p>
+                  </a:txBody>
+                  <a:tcPr/>
+                </a:tc>
+                <a:tc>
+                  <a:txBody>
+                    <a:bodyPr/>
+                    <a:lstStyle/>
+                    <a:p>
+                      <a:r>
+                        <a:rPr lang="en-US" altLang="zh-CN" sz="1400" b="0" smtClean="0">
+                          <a:latin typeface="+mj-lt"/>
+                        </a:rPr>
+                        <a:t>CPU2</a:t>
+                      </a:r>
+                      <a:endParaRPr lang="zh-CN" altLang="en-US" sz="1400" b="0">
+                        <a:latin typeface="+mj-lt"/>
+                      </a:endParaRPr>
+                    </a:p>
+                  </a:txBody>
+                  <a:tcPr/>
+                </a:tc>
+                <a:tc>
+                  <a:txBody>
+                    <a:bodyPr/>
+                    <a:lstStyle/>
+                    <a:p>
+                      <a:r>
+                        <a:rPr lang="en-US" altLang="zh-CN" sz="1400" b="0" smtClean="0">
+                          <a:latin typeface="+mj-lt"/>
+                        </a:rPr>
+                        <a:t>CPU3</a:t>
+                      </a:r>
+                      <a:endParaRPr lang="zh-CN" altLang="en-US" sz="1400" b="0">
+                        <a:latin typeface="+mj-lt"/>
+                      </a:endParaRPr>
+                    </a:p>
+                  </a:txBody>
+                  <a:tcPr/>
+                </a:tc>
+                <a:tc>
+                  <a:txBody>
+                    <a:bodyPr/>
+                    <a:lstStyle/>
+                    <a:p>
+                      <a:r>
+                        <a:rPr lang="en-US" altLang="zh-CN" sz="1400" b="0" smtClean="0">
+                          <a:latin typeface="+mj-lt"/>
+                        </a:rPr>
+                        <a:t>CPU4</a:t>
+                      </a:r>
+                      <a:endParaRPr lang="zh-CN" altLang="en-US" sz="1400" b="0">
+                        <a:latin typeface="+mj-lt"/>
+                      </a:endParaRPr>
+                    </a:p>
+                  </a:txBody>
+                  <a:tcPr/>
+                </a:tc>
+                <a:tc>
+                  <a:txBody>
+                    <a:bodyPr/>
+                    <a:lstStyle/>
+                    <a:p>
+                      <a:r>
+                        <a:rPr lang="en-US" altLang="zh-CN" sz="1400" b="0" smtClean="0">
+                          <a:latin typeface="+mj-lt"/>
+                        </a:rPr>
+                        <a:t>CPU5</a:t>
+                      </a:r>
+                      <a:endParaRPr lang="zh-CN" altLang="en-US" sz="1400" b="0">
+                        <a:latin typeface="+mj-lt"/>
+                      </a:endParaRPr>
+                    </a:p>
+                  </a:txBody>
+                  <a:tcPr/>
+                </a:tc>
+                <a:tc>
+                  <a:txBody>
+                    <a:bodyPr/>
+                    <a:lstStyle/>
+                    <a:p>
+                      <a:r>
+                        <a:rPr lang="en-US" altLang="zh-CN" sz="1400" b="0" smtClean="0">
+                          <a:latin typeface="+mj-lt"/>
+                        </a:rPr>
+                        <a:t>CPU6</a:t>
+                      </a:r>
+                      <a:endParaRPr lang="zh-CN" altLang="en-US" sz="1400" b="0">
+                        <a:latin typeface="+mj-lt"/>
+                      </a:endParaRPr>
+                    </a:p>
+                  </a:txBody>
+                  <a:tcPr/>
+                </a:tc>
+              </a:tr>
+            </a:tbl>
+          </a:graphicData>
+        </a:graphic>
+      </p:graphicFrame>
+      <p:sp>
+        <p:nvSpPr>
+          <p:cNvPr id="7" name="文本占位符 6"/>
+          <p:cNvSpPr>
+            <a:spLocks noGrp="1"/>
+          </p:cNvSpPr>
+          <p:nvPr>
+            <p:ph type="body" sz="quarter" idx="3"/>
+          </p:nvPr>
+        </p:nvSpPr>
+        <p:spPr>
+          <a:xfrm>
+            <a:off x="6091171" y="548405"/>
+            <a:ext cx="4937760" cy="736282"/>
+          </a:xfrm>
+          <a:solidFill>
+            <a:schemeClr val="bg1"/>
+          </a:solidFill>
+        </p:spPr>
+        <p:txBody>
+          <a:bodyPr/>
+          <a:lstStyle/>
+          <a:p>
+            <a:r>
+              <a:rPr lang="zh-CN" altLang="en-US" smtClean="0"/>
+              <a:t>并行计算顺序</a:t>
+            </a:r>
+            <a:endParaRPr lang="zh-CN" altLang="en-US"/>
           </a:p>
         </p:txBody>
       </p:sp>
       <p:sp>
         <p:nvSpPr>
-          <p:cNvPr id="3" name="内容占位符 2"/>
+          <p:cNvPr id="8" name="内容占位符 7"/>
           <p:cNvSpPr>
             <a:spLocks noGrp="1"/>
           </p:cNvSpPr>
           <p:nvPr>
-            <p:ph idx="1"/>
+            <p:ph sz="quarter" idx="4"/>
           </p:nvPr>
         </p:nvSpPr>
-        <p:spPr/>
+        <p:spPr>
+          <a:xfrm>
+            <a:off x="6091171" y="1284687"/>
+            <a:ext cx="4937760" cy="3378200"/>
+          </a:xfrm>
+          <a:solidFill>
+            <a:schemeClr val="bg1"/>
+          </a:solidFill>
+        </p:spPr>
         <p:txBody>
           <a:bodyPr/>
           <a:lstStyle/>
           <a:p>
-            <a:r>
-              <a:rPr lang="zh-CN" altLang="en-US" dirty="0" smtClean="0"/>
-              <a:t>随着处理的问题越来越复杂，代码也从初学开始变得越来越麻烦，单就一个如何给变量起名字、如何给保存数据的文件起名字就已经非常令人烦恼。</a:t>
-            </a:r>
-            <a:endParaRPr lang="en-US" altLang="zh-CN" dirty="0" smtClean="0"/>
-          </a:p>
-          <a:p>
-            <a:r>
-              <a:rPr lang="zh-CN" altLang="en-US" dirty="0" smtClean="0"/>
-              <a:t>事实上，编程领域一直以来对代码编写风格就有讨论</a:t>
-            </a:r>
-            <a:endParaRPr lang="en-US" altLang="zh-CN" dirty="0" smtClean="0"/>
-          </a:p>
-          <a:p>
-            <a:pPr lvl="1"/>
-            <a:r>
-              <a:rPr lang="zh-CN" altLang="en-US" dirty="0" smtClean="0"/>
-              <a:t>一方面为了代码较多时帮助自己轻松理清楚思路</a:t>
-            </a:r>
-            <a:endParaRPr lang="en-US" altLang="zh-CN" dirty="0" smtClean="0"/>
-          </a:p>
-          <a:p>
-            <a:pPr lvl="1"/>
-            <a:r>
-              <a:rPr lang="zh-CN" altLang="en-US" dirty="0" smtClean="0"/>
-              <a:t>另一方面合作者也能较快理解你的意思，方便开展合作</a:t>
-            </a:r>
-            <a:endParaRPr lang="en-US" altLang="zh-CN" dirty="0" smtClean="0"/>
-          </a:p>
-          <a:p>
-            <a:endParaRPr lang="zh-CN" altLang="en-US" dirty="0"/>
+            <a:endParaRPr lang="zh-CN" altLang="en-US"/>
           </a:p>
         </p:txBody>
       </p:sp>
+      <p:pic>
+        <p:nvPicPr>
+          <p:cNvPr id="9" name="图片 8"/>
+          <p:cNvPicPr>
+            <a:picLocks noChangeAspect="1"/>
+          </p:cNvPicPr>
+          <p:nvPr/>
+        </p:nvPicPr>
+        <p:blipFill rotWithShape="1">
+          <a:blip r:embed="rId2"/>
+          <a:srcRect t="9631"/>
+          <a:stretch/>
+        </p:blipFill>
+        <p:spPr>
+          <a:xfrm>
+            <a:off x="1143157" y="2086487"/>
+            <a:ext cx="4248525" cy="2576399"/>
+          </a:xfrm>
+          <a:prstGeom prst="rect">
+            <a:avLst/>
+          </a:prstGeom>
+          <a:solidFill>
+            <a:schemeClr val="bg1"/>
+          </a:solidFill>
+        </p:spPr>
+      </p:pic>
+      <p:cxnSp>
+        <p:nvCxnSpPr>
+          <p:cNvPr id="10" name="直接箭头连接符 9"/>
+          <p:cNvCxnSpPr/>
+          <p:nvPr/>
+        </p:nvCxnSpPr>
+        <p:spPr>
+          <a:xfrm>
+            <a:off x="1884786" y="1284687"/>
+            <a:ext cx="0" cy="712587"/>
+          </a:xfrm>
+          <a:prstGeom prst="straightConnector1">
+            <a:avLst/>
+          </a:prstGeom>
+          <a:ln w="38100">
+            <a:solidFill>
+              <a:srgbClr val="FF0000"/>
+            </a:solidFill>
+            <a:tailEnd type="triangle"/>
+          </a:ln>
+        </p:spPr>
+        <p:style>
+          <a:lnRef idx="1">
+            <a:schemeClr val="accent1"/>
+          </a:lnRef>
+          <a:fillRef idx="0">
+            <a:schemeClr val="accent1"/>
+          </a:fillRef>
+          <a:effectRef idx="0">
+            <a:schemeClr val="accent1"/>
+          </a:effectRef>
+          <a:fontRef idx="minor">
+            <a:schemeClr val="tx1"/>
+          </a:fontRef>
+        </p:style>
+      </p:cxnSp>
+      <p:cxnSp>
+        <p:nvCxnSpPr>
+          <p:cNvPr id="11" name="直接箭头连接符 10"/>
+          <p:cNvCxnSpPr/>
+          <p:nvPr/>
+        </p:nvCxnSpPr>
+        <p:spPr>
+          <a:xfrm>
+            <a:off x="2404654" y="1284687"/>
+            <a:ext cx="0" cy="712587"/>
+          </a:xfrm>
+          <a:prstGeom prst="straightConnector1">
+            <a:avLst/>
+          </a:prstGeom>
+          <a:ln w="38100">
+            <a:solidFill>
+              <a:srgbClr val="FF0000"/>
+            </a:solidFill>
+            <a:tailEnd type="triangle"/>
+          </a:ln>
+        </p:spPr>
+        <p:style>
+          <a:lnRef idx="1">
+            <a:schemeClr val="accent1"/>
+          </a:lnRef>
+          <a:fillRef idx="0">
+            <a:schemeClr val="accent1"/>
+          </a:fillRef>
+          <a:effectRef idx="0">
+            <a:schemeClr val="accent1"/>
+          </a:effectRef>
+          <a:fontRef idx="minor">
+            <a:schemeClr val="tx1"/>
+          </a:fontRef>
+        </p:style>
+      </p:cxnSp>
+      <p:cxnSp>
+        <p:nvCxnSpPr>
+          <p:cNvPr id="12" name="直接箭头连接符 11"/>
+          <p:cNvCxnSpPr/>
+          <p:nvPr/>
+        </p:nvCxnSpPr>
+        <p:spPr>
+          <a:xfrm>
+            <a:off x="2856157" y="1284687"/>
+            <a:ext cx="0" cy="712587"/>
+          </a:xfrm>
+          <a:prstGeom prst="straightConnector1">
+            <a:avLst/>
+          </a:prstGeom>
+          <a:ln w="38100">
+            <a:solidFill>
+              <a:srgbClr val="FF0000"/>
+            </a:solidFill>
+            <a:tailEnd type="triangle"/>
+          </a:ln>
+        </p:spPr>
+        <p:style>
+          <a:lnRef idx="1">
+            <a:schemeClr val="accent1"/>
+          </a:lnRef>
+          <a:fillRef idx="0">
+            <a:schemeClr val="accent1"/>
+          </a:fillRef>
+          <a:effectRef idx="0">
+            <a:schemeClr val="accent1"/>
+          </a:effectRef>
+          <a:fontRef idx="minor">
+            <a:schemeClr val="tx1"/>
+          </a:fontRef>
+        </p:style>
+      </p:cxnSp>
+      <p:cxnSp>
+        <p:nvCxnSpPr>
+          <p:cNvPr id="13" name="直接箭头连接符 12"/>
+          <p:cNvCxnSpPr/>
+          <p:nvPr/>
+        </p:nvCxnSpPr>
+        <p:spPr>
+          <a:xfrm>
+            <a:off x="3589671" y="1284687"/>
+            <a:ext cx="0" cy="712587"/>
+          </a:xfrm>
+          <a:prstGeom prst="straightConnector1">
+            <a:avLst/>
+          </a:prstGeom>
+          <a:ln w="38100">
+            <a:solidFill>
+              <a:srgbClr val="FF0000"/>
+            </a:solidFill>
+            <a:tailEnd type="triangle"/>
+          </a:ln>
+        </p:spPr>
+        <p:style>
+          <a:lnRef idx="1">
+            <a:schemeClr val="accent1"/>
+          </a:lnRef>
+          <a:fillRef idx="0">
+            <a:schemeClr val="accent1"/>
+          </a:fillRef>
+          <a:effectRef idx="0">
+            <a:schemeClr val="accent1"/>
+          </a:effectRef>
+          <a:fontRef idx="minor">
+            <a:schemeClr val="tx1"/>
+          </a:fontRef>
+        </p:style>
+      </p:cxnSp>
+      <p:cxnSp>
+        <p:nvCxnSpPr>
+          <p:cNvPr id="14" name="直接箭头连接符 13"/>
+          <p:cNvCxnSpPr/>
+          <p:nvPr/>
+        </p:nvCxnSpPr>
+        <p:spPr>
+          <a:xfrm>
+            <a:off x="4229182" y="1284687"/>
+            <a:ext cx="0" cy="712587"/>
+          </a:xfrm>
+          <a:prstGeom prst="straightConnector1">
+            <a:avLst/>
+          </a:prstGeom>
+          <a:ln w="38100">
+            <a:solidFill>
+              <a:srgbClr val="FF0000"/>
+            </a:solidFill>
+            <a:tailEnd type="triangle"/>
+          </a:ln>
+        </p:spPr>
+        <p:style>
+          <a:lnRef idx="1">
+            <a:schemeClr val="accent1"/>
+          </a:lnRef>
+          <a:fillRef idx="0">
+            <a:schemeClr val="accent1"/>
+          </a:fillRef>
+          <a:effectRef idx="0">
+            <a:schemeClr val="accent1"/>
+          </a:effectRef>
+          <a:fontRef idx="minor">
+            <a:schemeClr val="tx1"/>
+          </a:fontRef>
+        </p:style>
+      </p:cxnSp>
+      <p:cxnSp>
+        <p:nvCxnSpPr>
+          <p:cNvPr id="15" name="直接箭头连接符 14"/>
+          <p:cNvCxnSpPr/>
+          <p:nvPr/>
+        </p:nvCxnSpPr>
+        <p:spPr>
+          <a:xfrm>
+            <a:off x="4689231" y="1284687"/>
+            <a:ext cx="0" cy="712587"/>
+          </a:xfrm>
+          <a:prstGeom prst="straightConnector1">
+            <a:avLst/>
+          </a:prstGeom>
+          <a:ln w="38100">
+            <a:solidFill>
+              <a:srgbClr val="FF0000"/>
+            </a:solidFill>
+            <a:tailEnd type="triangle"/>
+          </a:ln>
+        </p:spPr>
+        <p:style>
+          <a:lnRef idx="1">
+            <a:schemeClr val="accent1"/>
+          </a:lnRef>
+          <a:fillRef idx="0">
+            <a:schemeClr val="accent1"/>
+          </a:fillRef>
+          <a:effectRef idx="0">
+            <a:schemeClr val="accent1"/>
+          </a:effectRef>
+          <a:fontRef idx="minor">
+            <a:schemeClr val="tx1"/>
+          </a:fontRef>
+        </p:style>
+      </p:cxnSp>
+      <p:pic>
+        <p:nvPicPr>
+          <p:cNvPr id="22" name="图片 21"/>
+          <p:cNvPicPr>
+            <a:picLocks noChangeAspect="1"/>
+          </p:cNvPicPr>
+          <p:nvPr/>
+        </p:nvPicPr>
+        <p:blipFill rotWithShape="1">
+          <a:blip r:embed="rId2"/>
+          <a:srcRect t="9631"/>
+          <a:stretch/>
+        </p:blipFill>
+        <p:spPr>
+          <a:xfrm>
+            <a:off x="6532419" y="2086487"/>
+            <a:ext cx="4248525" cy="2576399"/>
+          </a:xfrm>
+          <a:prstGeom prst="rect">
+            <a:avLst/>
+          </a:prstGeom>
+          <a:solidFill>
+            <a:schemeClr val="bg1"/>
+          </a:solidFill>
+        </p:spPr>
+      </p:pic>
+      <p:cxnSp>
+        <p:nvCxnSpPr>
+          <p:cNvPr id="23" name="直接箭头连接符 22"/>
+          <p:cNvCxnSpPr/>
+          <p:nvPr/>
+        </p:nvCxnSpPr>
+        <p:spPr>
+          <a:xfrm>
+            <a:off x="7274048" y="1284687"/>
+            <a:ext cx="0" cy="712587"/>
+          </a:xfrm>
+          <a:prstGeom prst="straightConnector1">
+            <a:avLst/>
+          </a:prstGeom>
+          <a:ln w="38100">
+            <a:solidFill>
+              <a:srgbClr val="FF0000"/>
+            </a:solidFill>
+            <a:tailEnd type="triangle"/>
+          </a:ln>
+        </p:spPr>
+        <p:style>
+          <a:lnRef idx="1">
+            <a:schemeClr val="accent1"/>
+          </a:lnRef>
+          <a:fillRef idx="0">
+            <a:schemeClr val="accent1"/>
+          </a:fillRef>
+          <a:effectRef idx="0">
+            <a:schemeClr val="accent1"/>
+          </a:effectRef>
+          <a:fontRef idx="minor">
+            <a:schemeClr val="tx1"/>
+          </a:fontRef>
+        </p:style>
+      </p:cxnSp>
+      <p:cxnSp>
+        <p:nvCxnSpPr>
+          <p:cNvPr id="24" name="直接箭头连接符 23"/>
+          <p:cNvCxnSpPr/>
+          <p:nvPr/>
+        </p:nvCxnSpPr>
+        <p:spPr>
+          <a:xfrm>
+            <a:off x="7793916" y="1284687"/>
+            <a:ext cx="0" cy="712587"/>
+          </a:xfrm>
+          <a:prstGeom prst="straightConnector1">
+            <a:avLst/>
+          </a:prstGeom>
+          <a:ln w="38100">
+            <a:solidFill>
+              <a:srgbClr val="FF0000"/>
+            </a:solidFill>
+            <a:tailEnd type="triangle"/>
+          </a:ln>
+        </p:spPr>
+        <p:style>
+          <a:lnRef idx="1">
+            <a:schemeClr val="accent1"/>
+          </a:lnRef>
+          <a:fillRef idx="0">
+            <a:schemeClr val="accent1"/>
+          </a:fillRef>
+          <a:effectRef idx="0">
+            <a:schemeClr val="accent1"/>
+          </a:effectRef>
+          <a:fontRef idx="minor">
+            <a:schemeClr val="tx1"/>
+          </a:fontRef>
+        </p:style>
+      </p:cxnSp>
+      <p:cxnSp>
+        <p:nvCxnSpPr>
+          <p:cNvPr id="25" name="直接箭头连接符 24"/>
+          <p:cNvCxnSpPr/>
+          <p:nvPr/>
+        </p:nvCxnSpPr>
+        <p:spPr>
+          <a:xfrm>
+            <a:off x="8245419" y="1284687"/>
+            <a:ext cx="0" cy="712587"/>
+          </a:xfrm>
+          <a:prstGeom prst="straightConnector1">
+            <a:avLst/>
+          </a:prstGeom>
+          <a:ln w="38100">
+            <a:solidFill>
+              <a:srgbClr val="FF0000"/>
+            </a:solidFill>
+            <a:tailEnd type="triangle"/>
+          </a:ln>
+        </p:spPr>
+        <p:style>
+          <a:lnRef idx="1">
+            <a:schemeClr val="accent1"/>
+          </a:lnRef>
+          <a:fillRef idx="0">
+            <a:schemeClr val="accent1"/>
+          </a:fillRef>
+          <a:effectRef idx="0">
+            <a:schemeClr val="accent1"/>
+          </a:effectRef>
+          <a:fontRef idx="minor">
+            <a:schemeClr val="tx1"/>
+          </a:fontRef>
+        </p:style>
+      </p:cxnSp>
+      <p:cxnSp>
+        <p:nvCxnSpPr>
+          <p:cNvPr id="26" name="直接箭头连接符 25"/>
+          <p:cNvCxnSpPr/>
+          <p:nvPr/>
+        </p:nvCxnSpPr>
+        <p:spPr>
+          <a:xfrm>
+            <a:off x="8978933" y="1284687"/>
+            <a:ext cx="0" cy="712587"/>
+          </a:xfrm>
+          <a:prstGeom prst="straightConnector1">
+            <a:avLst/>
+          </a:prstGeom>
+          <a:ln w="38100">
+            <a:solidFill>
+              <a:srgbClr val="FF0000"/>
+            </a:solidFill>
+            <a:tailEnd type="triangle"/>
+          </a:ln>
+        </p:spPr>
+        <p:style>
+          <a:lnRef idx="1">
+            <a:schemeClr val="accent1"/>
+          </a:lnRef>
+          <a:fillRef idx="0">
+            <a:schemeClr val="accent1"/>
+          </a:fillRef>
+          <a:effectRef idx="0">
+            <a:schemeClr val="accent1"/>
+          </a:effectRef>
+          <a:fontRef idx="minor">
+            <a:schemeClr val="tx1"/>
+          </a:fontRef>
+        </p:style>
+      </p:cxnSp>
+      <p:cxnSp>
+        <p:nvCxnSpPr>
+          <p:cNvPr id="27" name="直接箭头连接符 26"/>
+          <p:cNvCxnSpPr/>
+          <p:nvPr/>
+        </p:nvCxnSpPr>
+        <p:spPr>
+          <a:xfrm>
+            <a:off x="9618444" y="1284687"/>
+            <a:ext cx="0" cy="712587"/>
+          </a:xfrm>
+          <a:prstGeom prst="straightConnector1">
+            <a:avLst/>
+          </a:prstGeom>
+          <a:ln w="38100">
+            <a:solidFill>
+              <a:srgbClr val="FF0000"/>
+            </a:solidFill>
+            <a:tailEnd type="triangle"/>
+          </a:ln>
+        </p:spPr>
+        <p:style>
+          <a:lnRef idx="1">
+            <a:schemeClr val="accent1"/>
+          </a:lnRef>
+          <a:fillRef idx="0">
+            <a:schemeClr val="accent1"/>
+          </a:fillRef>
+          <a:effectRef idx="0">
+            <a:schemeClr val="accent1"/>
+          </a:effectRef>
+          <a:fontRef idx="minor">
+            <a:schemeClr val="tx1"/>
+          </a:fontRef>
+        </p:style>
+      </p:cxnSp>
+      <p:cxnSp>
+        <p:nvCxnSpPr>
+          <p:cNvPr id="28" name="直接箭头连接符 27"/>
+          <p:cNvCxnSpPr/>
+          <p:nvPr/>
+        </p:nvCxnSpPr>
+        <p:spPr>
+          <a:xfrm>
+            <a:off x="10078493" y="1284687"/>
+            <a:ext cx="0" cy="712587"/>
+          </a:xfrm>
+          <a:prstGeom prst="straightConnector1">
+            <a:avLst/>
+          </a:prstGeom>
+          <a:ln w="38100">
+            <a:solidFill>
+              <a:srgbClr val="FF0000"/>
+            </a:solidFill>
+            <a:tailEnd type="triangle"/>
+          </a:ln>
+        </p:spPr>
+        <p:style>
+          <a:lnRef idx="1">
+            <a:schemeClr val="accent1"/>
+          </a:lnRef>
+          <a:fillRef idx="0">
+            <a:schemeClr val="accent1"/>
+          </a:fillRef>
+          <a:effectRef idx="0">
+            <a:schemeClr val="accent1"/>
+          </a:effectRef>
+          <a:fontRef idx="minor">
+            <a:schemeClr val="tx1"/>
+          </a:fontRef>
+        </p:style>
+      </p:cxnSp>
+      <p:cxnSp>
+        <p:nvCxnSpPr>
+          <p:cNvPr id="29" name="直接箭头连接符 28"/>
+          <p:cNvCxnSpPr/>
+          <p:nvPr/>
+        </p:nvCxnSpPr>
+        <p:spPr>
+          <a:xfrm>
+            <a:off x="7238312" y="4662886"/>
+            <a:ext cx="0" cy="712587"/>
+          </a:xfrm>
+          <a:prstGeom prst="straightConnector1">
+            <a:avLst/>
+          </a:prstGeom>
+          <a:ln w="38100">
+            <a:solidFill>
+              <a:srgbClr val="FF0000"/>
+            </a:solidFill>
+            <a:tailEnd type="triangle"/>
+          </a:ln>
+        </p:spPr>
+        <p:style>
+          <a:lnRef idx="1">
+            <a:schemeClr val="accent1"/>
+          </a:lnRef>
+          <a:fillRef idx="0">
+            <a:schemeClr val="accent1"/>
+          </a:fillRef>
+          <a:effectRef idx="0">
+            <a:schemeClr val="accent1"/>
+          </a:effectRef>
+          <a:fontRef idx="minor">
+            <a:schemeClr val="tx1"/>
+          </a:fontRef>
+        </p:style>
+      </p:cxnSp>
+      <p:cxnSp>
+        <p:nvCxnSpPr>
+          <p:cNvPr id="30" name="直接箭头连接符 29"/>
+          <p:cNvCxnSpPr/>
+          <p:nvPr/>
+        </p:nvCxnSpPr>
+        <p:spPr>
+          <a:xfrm>
+            <a:off x="7758180" y="4662886"/>
+            <a:ext cx="0" cy="712587"/>
+          </a:xfrm>
+          <a:prstGeom prst="straightConnector1">
+            <a:avLst/>
+          </a:prstGeom>
+          <a:ln w="38100">
+            <a:solidFill>
+              <a:srgbClr val="FF0000"/>
+            </a:solidFill>
+            <a:tailEnd type="triangle"/>
+          </a:ln>
+        </p:spPr>
+        <p:style>
+          <a:lnRef idx="1">
+            <a:schemeClr val="accent1"/>
+          </a:lnRef>
+          <a:fillRef idx="0">
+            <a:schemeClr val="accent1"/>
+          </a:fillRef>
+          <a:effectRef idx="0">
+            <a:schemeClr val="accent1"/>
+          </a:effectRef>
+          <a:fontRef idx="minor">
+            <a:schemeClr val="tx1"/>
+          </a:fontRef>
+        </p:style>
+      </p:cxnSp>
+      <p:cxnSp>
+        <p:nvCxnSpPr>
+          <p:cNvPr id="31" name="直接箭头连接符 30"/>
+          <p:cNvCxnSpPr/>
+          <p:nvPr/>
+        </p:nvCxnSpPr>
+        <p:spPr>
+          <a:xfrm>
+            <a:off x="8209683" y="4662886"/>
+            <a:ext cx="0" cy="712587"/>
+          </a:xfrm>
+          <a:prstGeom prst="straightConnector1">
+            <a:avLst/>
+          </a:prstGeom>
+          <a:ln w="38100">
+            <a:solidFill>
+              <a:srgbClr val="FF0000"/>
+            </a:solidFill>
+            <a:tailEnd type="triangle"/>
+          </a:ln>
+        </p:spPr>
+        <p:style>
+          <a:lnRef idx="1">
+            <a:schemeClr val="accent1"/>
+          </a:lnRef>
+          <a:fillRef idx="0">
+            <a:schemeClr val="accent1"/>
+          </a:fillRef>
+          <a:effectRef idx="0">
+            <a:schemeClr val="accent1"/>
+          </a:effectRef>
+          <a:fontRef idx="minor">
+            <a:schemeClr val="tx1"/>
+          </a:fontRef>
+        </p:style>
+      </p:cxnSp>
+      <p:cxnSp>
+        <p:nvCxnSpPr>
+          <p:cNvPr id="32" name="直接箭头连接符 31"/>
+          <p:cNvCxnSpPr/>
+          <p:nvPr/>
+        </p:nvCxnSpPr>
+        <p:spPr>
+          <a:xfrm>
+            <a:off x="8943197" y="4662886"/>
+            <a:ext cx="0" cy="712587"/>
+          </a:xfrm>
+          <a:prstGeom prst="straightConnector1">
+            <a:avLst/>
+          </a:prstGeom>
+          <a:ln w="38100">
+            <a:solidFill>
+              <a:srgbClr val="FF0000"/>
+            </a:solidFill>
+            <a:tailEnd type="triangle"/>
+          </a:ln>
+        </p:spPr>
+        <p:style>
+          <a:lnRef idx="1">
+            <a:schemeClr val="accent1"/>
+          </a:lnRef>
+          <a:fillRef idx="0">
+            <a:schemeClr val="accent1"/>
+          </a:fillRef>
+          <a:effectRef idx="0">
+            <a:schemeClr val="accent1"/>
+          </a:effectRef>
+          <a:fontRef idx="minor">
+            <a:schemeClr val="tx1"/>
+          </a:fontRef>
+        </p:style>
+      </p:cxnSp>
+      <p:cxnSp>
+        <p:nvCxnSpPr>
+          <p:cNvPr id="33" name="直接箭头连接符 32"/>
+          <p:cNvCxnSpPr/>
+          <p:nvPr/>
+        </p:nvCxnSpPr>
+        <p:spPr>
+          <a:xfrm>
+            <a:off x="9582708" y="4662886"/>
+            <a:ext cx="0" cy="712587"/>
+          </a:xfrm>
+          <a:prstGeom prst="straightConnector1">
+            <a:avLst/>
+          </a:prstGeom>
+          <a:ln w="38100">
+            <a:solidFill>
+              <a:srgbClr val="FF0000"/>
+            </a:solidFill>
+            <a:tailEnd type="triangle"/>
+          </a:ln>
+        </p:spPr>
+        <p:style>
+          <a:lnRef idx="1">
+            <a:schemeClr val="accent1"/>
+          </a:lnRef>
+          <a:fillRef idx="0">
+            <a:schemeClr val="accent1"/>
+          </a:fillRef>
+          <a:effectRef idx="0">
+            <a:schemeClr val="accent1"/>
+          </a:effectRef>
+          <a:fontRef idx="minor">
+            <a:schemeClr val="tx1"/>
+          </a:fontRef>
+        </p:style>
+      </p:cxnSp>
+      <p:cxnSp>
+        <p:nvCxnSpPr>
+          <p:cNvPr id="34" name="直接箭头连接符 33"/>
+          <p:cNvCxnSpPr/>
+          <p:nvPr/>
+        </p:nvCxnSpPr>
+        <p:spPr>
+          <a:xfrm>
+            <a:off x="10042757" y="4662886"/>
+            <a:ext cx="0" cy="712587"/>
+          </a:xfrm>
+          <a:prstGeom prst="straightConnector1">
+            <a:avLst/>
+          </a:prstGeom>
+          <a:ln w="38100">
+            <a:solidFill>
+              <a:srgbClr val="FF0000"/>
+            </a:solidFill>
+            <a:tailEnd type="triangle"/>
+          </a:ln>
+        </p:spPr>
+        <p:style>
+          <a:lnRef idx="1">
+            <a:schemeClr val="accent1"/>
+          </a:lnRef>
+          <a:fillRef idx="0">
+            <a:schemeClr val="accent1"/>
+          </a:fillRef>
+          <a:effectRef idx="0">
+            <a:schemeClr val="accent1"/>
+          </a:effectRef>
+          <a:fontRef idx="minor">
+            <a:schemeClr val="tx1"/>
+          </a:fontRef>
+        </p:style>
+      </p:cxnSp>
       <p:sp>
         <p:nvSpPr>
-          <p:cNvPr id="4" name="矩形 3"/>
+          <p:cNvPr id="36" name="矩形 35"/>
           <p:cNvSpPr/>
           <p:nvPr/>
         </p:nvSpPr>
         <p:spPr>
           <a:xfrm>
-            <a:off x="8695191" y="5869094"/>
-            <a:ext cx="2600777" cy="369332"/>
+            <a:off x="2308422" y="5251010"/>
+            <a:ext cx="1095469" cy="615635"/>
           </a:xfrm>
           <a:prstGeom prst="rect">
             <a:avLst/>
           </a:prstGeom>
         </p:spPr>
+        <p:style>
+          <a:lnRef idx="2">
+            <a:schemeClr val="accent6"/>
+          </a:lnRef>
+          <a:fillRef idx="1">
+            <a:schemeClr val="lt1"/>
+          </a:fillRef>
+          <a:effectRef idx="0">
+            <a:schemeClr val="accent6"/>
+          </a:effectRef>
+          <a:fontRef idx="minor">
+            <a:schemeClr val="dk1"/>
+          </a:fontRef>
+        </p:style>
         <p:txBody>
-          <a:bodyPr wrap="none">
-            <a:spAutoFit/>
-          </a:bodyPr>
+          <a:bodyPr rtlCol="0" anchor="ctr"/>
           <a:lstStyle/>
           <a:p>
-            <a:r>
-              <a:rPr lang="zh-CN" altLang="en-US" dirty="0"/>
-              <a:t>https://github.com/yihui</a:t>
-            </a:r>
-            <a:r>
-              <a:rPr lang="zh-CN" altLang="en-US" dirty="0" smtClean="0"/>
-              <a:t>/</a:t>
-            </a:r>
-            <a:endParaRPr lang="zh-CN" altLang="en-US" dirty="0"/>
+            <a:pPr algn="ctr"/>
+            <a:r>
+              <a:rPr lang="en-US" altLang="zh-CN" sz="1600" smtClean="0"/>
+              <a:t>cpu</a:t>
+            </a:r>
+            <a:r>
+              <a:rPr lang="zh-CN" altLang="en-US" sz="1600" smtClean="0"/>
+              <a:t>计算部</a:t>
+            </a:r>
+            <a:endParaRPr lang="zh-CN" altLang="en-US" sz="1600"/>
+          </a:p>
+        </p:txBody>
+      </p:sp>
+      <p:cxnSp>
+        <p:nvCxnSpPr>
+          <p:cNvPr id="38" name="肘形连接符 37"/>
+          <p:cNvCxnSpPr>
+            <a:stCxn id="9" idx="2"/>
+            <a:endCxn id="36" idx="1"/>
+          </p:cNvCxnSpPr>
+          <p:nvPr/>
+        </p:nvCxnSpPr>
+        <p:spPr>
+          <a:xfrm rot="5400000">
+            <a:off x="2339950" y="4631358"/>
+            <a:ext cx="895942" cy="958998"/>
+          </a:xfrm>
+          <a:prstGeom prst="bentConnector4">
+            <a:avLst>
+              <a:gd name="adj1" fmla="val 30801"/>
+              <a:gd name="adj2" fmla="val 241844"/>
+            </a:avLst>
+          </a:prstGeom>
+          <a:ln>
+            <a:tailEnd type="triangle"/>
+          </a:ln>
+        </p:spPr>
+        <p:style>
+          <a:lnRef idx="1">
+            <a:schemeClr val="accent1"/>
+          </a:lnRef>
+          <a:fillRef idx="0">
+            <a:schemeClr val="accent1"/>
+          </a:fillRef>
+          <a:effectRef idx="0">
+            <a:schemeClr val="accent1"/>
+          </a:effectRef>
+          <a:fontRef idx="minor">
+            <a:schemeClr val="tx1"/>
+          </a:fontRef>
+        </p:style>
+      </p:cxnSp>
+      <p:cxnSp>
+        <p:nvCxnSpPr>
+          <p:cNvPr id="42" name="直接箭头连接符 41"/>
+          <p:cNvCxnSpPr>
+            <a:stCxn id="36" idx="3"/>
+          </p:cNvCxnSpPr>
+          <p:nvPr/>
+        </p:nvCxnSpPr>
+        <p:spPr>
+          <a:xfrm flipV="1">
+            <a:off x="3403891" y="5558827"/>
+            <a:ext cx="743206" cy="1"/>
+          </a:xfrm>
+          <a:prstGeom prst="straightConnector1">
+            <a:avLst/>
+          </a:prstGeom>
+          <a:ln>
+            <a:tailEnd type="triangle"/>
+          </a:ln>
+        </p:spPr>
+        <p:style>
+          <a:lnRef idx="1">
+            <a:schemeClr val="accent1"/>
+          </a:lnRef>
+          <a:fillRef idx="0">
+            <a:schemeClr val="accent1"/>
+          </a:fillRef>
+          <a:effectRef idx="0">
+            <a:schemeClr val="accent1"/>
+          </a:effectRef>
+          <a:fontRef idx="minor">
+            <a:schemeClr val="tx1"/>
+          </a:fontRef>
+        </p:style>
+      </p:cxnSp>
+      <p:sp>
+        <p:nvSpPr>
+          <p:cNvPr id="43" name="左大括号 42"/>
+          <p:cNvSpPr/>
+          <p:nvPr/>
+        </p:nvSpPr>
+        <p:spPr>
+          <a:xfrm rot="16200000">
+            <a:off x="8520424" y="4435499"/>
+            <a:ext cx="441809" cy="3485172"/>
+          </a:xfrm>
+          <a:prstGeom prst="leftBrace">
+            <a:avLst/>
+          </a:prstGeom>
+          <a:ln w="28575"/>
+        </p:spPr>
+        <p:style>
+          <a:lnRef idx="1">
+            <a:schemeClr val="accent1"/>
+          </a:lnRef>
+          <a:fillRef idx="0">
+            <a:schemeClr val="accent1"/>
+          </a:fillRef>
+          <a:effectRef idx="0">
+            <a:schemeClr val="accent1"/>
+          </a:effectRef>
+          <a:fontRef idx="minor">
+            <a:schemeClr val="tx1"/>
+          </a:fontRef>
+        </p:style>
+        <p:txBody>
+          <a:bodyPr rtlCol="0" anchor="ctr"/>
+          <a:lstStyle/>
+          <a:p>
+            <a:pPr algn="ctr"/>
+            <a:endParaRPr lang="zh-CN" altLang="en-US"/>
           </a:p>
         </p:txBody>
       </p:sp>
     </p:spTree>
     <p:extLst>
       <p:ext uri="{BB962C8B-B14F-4D97-AF65-F5344CB8AC3E}">
-        <p14:creationId xmlns:p14="http://schemas.microsoft.com/office/powerpoint/2010/main" val="3704916581"/>
+        <p14:creationId xmlns:p14="http://schemas.microsoft.com/office/powerpoint/2010/main" val="492094593"/>
       </p:ext>
     </p:extLst>
   </p:cSld>
@@ -12530,9 +13574,1112 @@
   <p:timing>
     <p:tnLst>
       <p:par>
-        <p:cTn id="1" dur="indefinite" restart="never" nodeType="tmRoot"/>
+        <p:cTn id="1" dur="indefinite" restart="never" nodeType="tmRoot">
+          <p:childTnLst>
+            <p:seq concurrent="1" nextAc="seek">
+              <p:cTn id="2" dur="indefinite" nodeType="mainSeq">
+                <p:childTnLst>
+                  <p:par>
+                    <p:cTn id="3" fill="hold">
+                      <p:stCondLst>
+                        <p:cond delay="indefinite"/>
+                      </p:stCondLst>
+                      <p:childTnLst>
+                        <p:par>
+                          <p:cTn id="4" fill="hold">
+                            <p:stCondLst>
+                              <p:cond delay="0"/>
+                            </p:stCondLst>
+                            <p:childTnLst>
+                              <p:par>
+                                <p:cTn id="5" presetID="22" presetClass="entr" presetSubtype="1" fill="hold" nodeType="clickEffect">
+                                  <p:stCondLst>
+                                    <p:cond delay="0"/>
+                                  </p:stCondLst>
+                                  <p:childTnLst>
+                                    <p:set>
+                                      <p:cBhvr>
+                                        <p:cTn id="6" dur="1" fill="hold">
+                                          <p:stCondLst>
+                                            <p:cond delay="0"/>
+                                          </p:stCondLst>
+                                        </p:cTn>
+                                        <p:tgtEl>
+                                          <p:spTgt spid="10"/>
+                                        </p:tgtEl>
+                                        <p:attrNameLst>
+                                          <p:attrName>style.visibility</p:attrName>
+                                        </p:attrNameLst>
+                                      </p:cBhvr>
+                                      <p:to>
+                                        <p:strVal val="visible"/>
+                                      </p:to>
+                                    </p:set>
+                                    <p:animEffect transition="in" filter="wipe(up)">
+                                      <p:cBhvr>
+                                        <p:cTn id="7" dur="500"/>
+                                        <p:tgtEl>
+                                          <p:spTgt spid="10"/>
+                                        </p:tgtEl>
+                                      </p:cBhvr>
+                                    </p:animEffect>
+                                  </p:childTnLst>
+                                </p:cTn>
+                              </p:par>
+                            </p:childTnLst>
+                          </p:cTn>
+                        </p:par>
+                        <p:par>
+                          <p:cTn id="8" fill="hold">
+                            <p:stCondLst>
+                              <p:cond delay="500"/>
+                            </p:stCondLst>
+                            <p:childTnLst>
+                              <p:par>
+                                <p:cTn id="9" presetID="22" presetClass="entr" presetSubtype="1" fill="hold" nodeType="afterEffect">
+                                  <p:stCondLst>
+                                    <p:cond delay="0"/>
+                                  </p:stCondLst>
+                                  <p:childTnLst>
+                                    <p:set>
+                                      <p:cBhvr>
+                                        <p:cTn id="10" dur="1" fill="hold">
+                                          <p:stCondLst>
+                                            <p:cond delay="0"/>
+                                          </p:stCondLst>
+                                        </p:cTn>
+                                        <p:tgtEl>
+                                          <p:spTgt spid="11"/>
+                                        </p:tgtEl>
+                                        <p:attrNameLst>
+                                          <p:attrName>style.visibility</p:attrName>
+                                        </p:attrNameLst>
+                                      </p:cBhvr>
+                                      <p:to>
+                                        <p:strVal val="visible"/>
+                                      </p:to>
+                                    </p:set>
+                                    <p:animEffect transition="in" filter="wipe(up)">
+                                      <p:cBhvr>
+                                        <p:cTn id="11" dur="500"/>
+                                        <p:tgtEl>
+                                          <p:spTgt spid="11"/>
+                                        </p:tgtEl>
+                                      </p:cBhvr>
+                                    </p:animEffect>
+                                  </p:childTnLst>
+                                </p:cTn>
+                              </p:par>
+                            </p:childTnLst>
+                          </p:cTn>
+                        </p:par>
+                        <p:par>
+                          <p:cTn id="12" fill="hold">
+                            <p:stCondLst>
+                              <p:cond delay="1000"/>
+                            </p:stCondLst>
+                            <p:childTnLst>
+                              <p:par>
+                                <p:cTn id="13" presetID="22" presetClass="entr" presetSubtype="1" fill="hold" nodeType="afterEffect">
+                                  <p:stCondLst>
+                                    <p:cond delay="0"/>
+                                  </p:stCondLst>
+                                  <p:childTnLst>
+                                    <p:set>
+                                      <p:cBhvr>
+                                        <p:cTn id="14" dur="1" fill="hold">
+                                          <p:stCondLst>
+                                            <p:cond delay="0"/>
+                                          </p:stCondLst>
+                                        </p:cTn>
+                                        <p:tgtEl>
+                                          <p:spTgt spid="12"/>
+                                        </p:tgtEl>
+                                        <p:attrNameLst>
+                                          <p:attrName>style.visibility</p:attrName>
+                                        </p:attrNameLst>
+                                      </p:cBhvr>
+                                      <p:to>
+                                        <p:strVal val="visible"/>
+                                      </p:to>
+                                    </p:set>
+                                    <p:animEffect transition="in" filter="wipe(up)">
+                                      <p:cBhvr>
+                                        <p:cTn id="15" dur="500"/>
+                                        <p:tgtEl>
+                                          <p:spTgt spid="12"/>
+                                        </p:tgtEl>
+                                      </p:cBhvr>
+                                    </p:animEffect>
+                                  </p:childTnLst>
+                                </p:cTn>
+                              </p:par>
+                            </p:childTnLst>
+                          </p:cTn>
+                        </p:par>
+                        <p:par>
+                          <p:cTn id="16" fill="hold">
+                            <p:stCondLst>
+                              <p:cond delay="1500"/>
+                            </p:stCondLst>
+                            <p:childTnLst>
+                              <p:par>
+                                <p:cTn id="17" presetID="22" presetClass="entr" presetSubtype="1" fill="hold" nodeType="afterEffect">
+                                  <p:stCondLst>
+                                    <p:cond delay="0"/>
+                                  </p:stCondLst>
+                                  <p:childTnLst>
+                                    <p:set>
+                                      <p:cBhvr>
+                                        <p:cTn id="18" dur="1" fill="hold">
+                                          <p:stCondLst>
+                                            <p:cond delay="0"/>
+                                          </p:stCondLst>
+                                        </p:cTn>
+                                        <p:tgtEl>
+                                          <p:spTgt spid="13"/>
+                                        </p:tgtEl>
+                                        <p:attrNameLst>
+                                          <p:attrName>style.visibility</p:attrName>
+                                        </p:attrNameLst>
+                                      </p:cBhvr>
+                                      <p:to>
+                                        <p:strVal val="visible"/>
+                                      </p:to>
+                                    </p:set>
+                                    <p:animEffect transition="in" filter="wipe(up)">
+                                      <p:cBhvr>
+                                        <p:cTn id="19" dur="500"/>
+                                        <p:tgtEl>
+                                          <p:spTgt spid="13"/>
+                                        </p:tgtEl>
+                                      </p:cBhvr>
+                                    </p:animEffect>
+                                  </p:childTnLst>
+                                </p:cTn>
+                              </p:par>
+                            </p:childTnLst>
+                          </p:cTn>
+                        </p:par>
+                        <p:par>
+                          <p:cTn id="20" fill="hold">
+                            <p:stCondLst>
+                              <p:cond delay="2000"/>
+                            </p:stCondLst>
+                            <p:childTnLst>
+                              <p:par>
+                                <p:cTn id="21" presetID="22" presetClass="entr" presetSubtype="1" fill="hold" nodeType="afterEffect">
+                                  <p:stCondLst>
+                                    <p:cond delay="0"/>
+                                  </p:stCondLst>
+                                  <p:childTnLst>
+                                    <p:set>
+                                      <p:cBhvr>
+                                        <p:cTn id="22" dur="1" fill="hold">
+                                          <p:stCondLst>
+                                            <p:cond delay="0"/>
+                                          </p:stCondLst>
+                                        </p:cTn>
+                                        <p:tgtEl>
+                                          <p:spTgt spid="14"/>
+                                        </p:tgtEl>
+                                        <p:attrNameLst>
+                                          <p:attrName>style.visibility</p:attrName>
+                                        </p:attrNameLst>
+                                      </p:cBhvr>
+                                      <p:to>
+                                        <p:strVal val="visible"/>
+                                      </p:to>
+                                    </p:set>
+                                    <p:animEffect transition="in" filter="wipe(up)">
+                                      <p:cBhvr>
+                                        <p:cTn id="23" dur="500"/>
+                                        <p:tgtEl>
+                                          <p:spTgt spid="14"/>
+                                        </p:tgtEl>
+                                      </p:cBhvr>
+                                    </p:animEffect>
+                                  </p:childTnLst>
+                                </p:cTn>
+                              </p:par>
+                            </p:childTnLst>
+                          </p:cTn>
+                        </p:par>
+                        <p:par>
+                          <p:cTn id="24" fill="hold">
+                            <p:stCondLst>
+                              <p:cond delay="2500"/>
+                            </p:stCondLst>
+                            <p:childTnLst>
+                              <p:par>
+                                <p:cTn id="25" presetID="22" presetClass="entr" presetSubtype="1" fill="hold" nodeType="afterEffect">
+                                  <p:stCondLst>
+                                    <p:cond delay="0"/>
+                                  </p:stCondLst>
+                                  <p:childTnLst>
+                                    <p:set>
+                                      <p:cBhvr>
+                                        <p:cTn id="26" dur="1" fill="hold">
+                                          <p:stCondLst>
+                                            <p:cond delay="0"/>
+                                          </p:stCondLst>
+                                        </p:cTn>
+                                        <p:tgtEl>
+                                          <p:spTgt spid="15"/>
+                                        </p:tgtEl>
+                                        <p:attrNameLst>
+                                          <p:attrName>style.visibility</p:attrName>
+                                        </p:attrNameLst>
+                                      </p:cBhvr>
+                                      <p:to>
+                                        <p:strVal val="visible"/>
+                                      </p:to>
+                                    </p:set>
+                                    <p:animEffect transition="in" filter="wipe(up)">
+                                      <p:cBhvr>
+                                        <p:cTn id="27" dur="500"/>
+                                        <p:tgtEl>
+                                          <p:spTgt spid="15"/>
+                                        </p:tgtEl>
+                                      </p:cBhvr>
+                                    </p:animEffect>
+                                  </p:childTnLst>
+                                </p:cTn>
+                              </p:par>
+                            </p:childTnLst>
+                          </p:cTn>
+                        </p:par>
+                      </p:childTnLst>
+                    </p:cTn>
+                  </p:par>
+                  <p:par>
+                    <p:cTn id="28" fill="hold">
+                      <p:stCondLst>
+                        <p:cond delay="indefinite"/>
+                      </p:stCondLst>
+                      <p:childTnLst>
+                        <p:par>
+                          <p:cTn id="29" fill="hold">
+                            <p:stCondLst>
+                              <p:cond delay="0"/>
+                            </p:stCondLst>
+                            <p:childTnLst>
+                              <p:par>
+                                <p:cTn id="30" presetID="22" presetClass="entr" presetSubtype="1" fill="hold" grpId="0" nodeType="clickEffect">
+                                  <p:stCondLst>
+                                    <p:cond delay="0"/>
+                                  </p:stCondLst>
+                                  <p:childTnLst>
+                                    <p:set>
+                                      <p:cBhvr>
+                                        <p:cTn id="31" dur="1" fill="hold">
+                                          <p:stCondLst>
+                                            <p:cond delay="0"/>
+                                          </p:stCondLst>
+                                        </p:cTn>
+                                        <p:tgtEl>
+                                          <p:spTgt spid="36"/>
+                                        </p:tgtEl>
+                                        <p:attrNameLst>
+                                          <p:attrName>style.visibility</p:attrName>
+                                        </p:attrNameLst>
+                                      </p:cBhvr>
+                                      <p:to>
+                                        <p:strVal val="visible"/>
+                                      </p:to>
+                                    </p:set>
+                                    <p:animEffect transition="in" filter="wipe(up)">
+                                      <p:cBhvr>
+                                        <p:cTn id="32" dur="500"/>
+                                        <p:tgtEl>
+                                          <p:spTgt spid="36"/>
+                                        </p:tgtEl>
+                                      </p:cBhvr>
+                                    </p:animEffect>
+                                  </p:childTnLst>
+                                </p:cTn>
+                              </p:par>
+                              <p:par>
+                                <p:cTn id="33" presetID="22" presetClass="entr" presetSubtype="1" fill="hold" nodeType="withEffect">
+                                  <p:stCondLst>
+                                    <p:cond delay="0"/>
+                                  </p:stCondLst>
+                                  <p:childTnLst>
+                                    <p:set>
+                                      <p:cBhvr>
+                                        <p:cTn id="34" dur="1" fill="hold">
+                                          <p:stCondLst>
+                                            <p:cond delay="0"/>
+                                          </p:stCondLst>
+                                        </p:cTn>
+                                        <p:tgtEl>
+                                          <p:spTgt spid="38"/>
+                                        </p:tgtEl>
+                                        <p:attrNameLst>
+                                          <p:attrName>style.visibility</p:attrName>
+                                        </p:attrNameLst>
+                                      </p:cBhvr>
+                                      <p:to>
+                                        <p:strVal val="visible"/>
+                                      </p:to>
+                                    </p:set>
+                                    <p:animEffect transition="in" filter="wipe(up)">
+                                      <p:cBhvr>
+                                        <p:cTn id="35" dur="500"/>
+                                        <p:tgtEl>
+                                          <p:spTgt spid="38"/>
+                                        </p:tgtEl>
+                                      </p:cBhvr>
+                                    </p:animEffect>
+                                  </p:childTnLst>
+                                </p:cTn>
+                              </p:par>
+                              <p:par>
+                                <p:cTn id="36" presetID="22" presetClass="entr" presetSubtype="1" fill="hold" nodeType="withEffect">
+                                  <p:stCondLst>
+                                    <p:cond delay="0"/>
+                                  </p:stCondLst>
+                                  <p:childTnLst>
+                                    <p:set>
+                                      <p:cBhvr>
+                                        <p:cTn id="37" dur="1" fill="hold">
+                                          <p:stCondLst>
+                                            <p:cond delay="0"/>
+                                          </p:stCondLst>
+                                        </p:cTn>
+                                        <p:tgtEl>
+                                          <p:spTgt spid="42"/>
+                                        </p:tgtEl>
+                                        <p:attrNameLst>
+                                          <p:attrName>style.visibility</p:attrName>
+                                        </p:attrNameLst>
+                                      </p:cBhvr>
+                                      <p:to>
+                                        <p:strVal val="visible"/>
+                                      </p:to>
+                                    </p:set>
+                                    <p:animEffect transition="in" filter="wipe(up)">
+                                      <p:cBhvr>
+                                        <p:cTn id="38" dur="500"/>
+                                        <p:tgtEl>
+                                          <p:spTgt spid="42"/>
+                                        </p:tgtEl>
+                                      </p:cBhvr>
+                                    </p:animEffect>
+                                  </p:childTnLst>
+                                </p:cTn>
+                              </p:par>
+                            </p:childTnLst>
+                          </p:cTn>
+                        </p:par>
+                      </p:childTnLst>
+                    </p:cTn>
+                  </p:par>
+                  <p:par>
+                    <p:cTn id="39" fill="hold">
+                      <p:stCondLst>
+                        <p:cond delay="indefinite"/>
+                      </p:stCondLst>
+                      <p:childTnLst>
+                        <p:par>
+                          <p:cTn id="40" fill="hold">
+                            <p:stCondLst>
+                              <p:cond delay="0"/>
+                            </p:stCondLst>
+                            <p:childTnLst>
+                              <p:par>
+                                <p:cTn id="41" presetID="10" presetClass="entr" presetSubtype="0" fill="hold" nodeType="clickEffect">
+                                  <p:stCondLst>
+                                    <p:cond delay="0"/>
+                                  </p:stCondLst>
+                                  <p:childTnLst>
+                                    <p:set>
+                                      <p:cBhvr>
+                                        <p:cTn id="42" dur="1" fill="hold">
+                                          <p:stCondLst>
+                                            <p:cond delay="0"/>
+                                          </p:stCondLst>
+                                        </p:cTn>
+                                        <p:tgtEl>
+                                          <p:spTgt spid="22"/>
+                                        </p:tgtEl>
+                                        <p:attrNameLst>
+                                          <p:attrName>style.visibility</p:attrName>
+                                        </p:attrNameLst>
+                                      </p:cBhvr>
+                                      <p:to>
+                                        <p:strVal val="visible"/>
+                                      </p:to>
+                                    </p:set>
+                                    <p:animEffect transition="in" filter="fade">
+                                      <p:cBhvr>
+                                        <p:cTn id="43" dur="500"/>
+                                        <p:tgtEl>
+                                          <p:spTgt spid="22"/>
+                                        </p:tgtEl>
+                                      </p:cBhvr>
+                                    </p:animEffect>
+                                  </p:childTnLst>
+                                </p:cTn>
+                              </p:par>
+                              <p:par>
+                                <p:cTn id="44" presetID="10" presetClass="entr" presetSubtype="0" fill="hold" grpId="0" nodeType="withEffect">
+                                  <p:stCondLst>
+                                    <p:cond delay="0"/>
+                                  </p:stCondLst>
+                                  <p:childTnLst>
+                                    <p:set>
+                                      <p:cBhvr>
+                                        <p:cTn id="45" dur="1" fill="hold">
+                                          <p:stCondLst>
+                                            <p:cond delay="0"/>
+                                          </p:stCondLst>
+                                        </p:cTn>
+                                        <p:tgtEl>
+                                          <p:spTgt spid="7">
+                                            <p:bg/>
+                                          </p:spTgt>
+                                        </p:tgtEl>
+                                        <p:attrNameLst>
+                                          <p:attrName>style.visibility</p:attrName>
+                                        </p:attrNameLst>
+                                      </p:cBhvr>
+                                      <p:to>
+                                        <p:strVal val="visible"/>
+                                      </p:to>
+                                    </p:set>
+                                    <p:animEffect transition="in" filter="fade">
+                                      <p:cBhvr>
+                                        <p:cTn id="46" dur="500"/>
+                                        <p:tgtEl>
+                                          <p:spTgt spid="7">
+                                            <p:bg/>
+                                          </p:spTgt>
+                                        </p:tgtEl>
+                                      </p:cBhvr>
+                                    </p:animEffect>
+                                  </p:childTnLst>
+                                </p:cTn>
+                              </p:par>
+                              <p:par>
+                                <p:cTn id="47" presetID="10" presetClass="entr" presetSubtype="0" fill="hold" grpId="0" nodeType="withEffect">
+                                  <p:stCondLst>
+                                    <p:cond delay="0"/>
+                                  </p:stCondLst>
+                                  <p:childTnLst>
+                                    <p:set>
+                                      <p:cBhvr>
+                                        <p:cTn id="48" dur="1" fill="hold">
+                                          <p:stCondLst>
+                                            <p:cond delay="0"/>
+                                          </p:stCondLst>
+                                        </p:cTn>
+                                        <p:tgtEl>
+                                          <p:spTgt spid="7">
+                                            <p:txEl>
+                                              <p:pRg st="0" end="0"/>
+                                            </p:txEl>
+                                          </p:spTgt>
+                                        </p:tgtEl>
+                                        <p:attrNameLst>
+                                          <p:attrName>style.visibility</p:attrName>
+                                        </p:attrNameLst>
+                                      </p:cBhvr>
+                                      <p:to>
+                                        <p:strVal val="visible"/>
+                                      </p:to>
+                                    </p:set>
+                                    <p:animEffect transition="in" filter="fade">
+                                      <p:cBhvr>
+                                        <p:cTn id="49" dur="500"/>
+                                        <p:tgtEl>
+                                          <p:spTgt spid="7">
+                                            <p:txEl>
+                                              <p:pRg st="0" end="0"/>
+                                            </p:txEl>
+                                          </p:spTgt>
+                                        </p:tgtEl>
+                                      </p:cBhvr>
+                                    </p:animEffect>
+                                  </p:childTnLst>
+                                </p:cTn>
+                              </p:par>
+                            </p:childTnLst>
+                          </p:cTn>
+                        </p:par>
+                      </p:childTnLst>
+                    </p:cTn>
+                  </p:par>
+                  <p:par>
+                    <p:cTn id="50" fill="hold">
+                      <p:stCondLst>
+                        <p:cond delay="indefinite"/>
+                      </p:stCondLst>
+                      <p:childTnLst>
+                        <p:par>
+                          <p:cTn id="51" fill="hold">
+                            <p:stCondLst>
+                              <p:cond delay="0"/>
+                            </p:stCondLst>
+                            <p:childTnLst>
+                              <p:par>
+                                <p:cTn id="52" presetID="22" presetClass="entr" presetSubtype="1" fill="hold" nodeType="clickEffect">
+                                  <p:stCondLst>
+                                    <p:cond delay="0"/>
+                                  </p:stCondLst>
+                                  <p:childTnLst>
+                                    <p:set>
+                                      <p:cBhvr>
+                                        <p:cTn id="53" dur="1" fill="hold">
+                                          <p:stCondLst>
+                                            <p:cond delay="0"/>
+                                          </p:stCondLst>
+                                        </p:cTn>
+                                        <p:tgtEl>
+                                          <p:spTgt spid="23"/>
+                                        </p:tgtEl>
+                                        <p:attrNameLst>
+                                          <p:attrName>style.visibility</p:attrName>
+                                        </p:attrNameLst>
+                                      </p:cBhvr>
+                                      <p:to>
+                                        <p:strVal val="visible"/>
+                                      </p:to>
+                                    </p:set>
+                                    <p:animEffect transition="in" filter="wipe(up)">
+                                      <p:cBhvr>
+                                        <p:cTn id="54" dur="500"/>
+                                        <p:tgtEl>
+                                          <p:spTgt spid="23"/>
+                                        </p:tgtEl>
+                                      </p:cBhvr>
+                                    </p:animEffect>
+                                  </p:childTnLst>
+                                </p:cTn>
+                              </p:par>
+                              <p:par>
+                                <p:cTn id="55" presetID="22" presetClass="entr" presetSubtype="1" fill="hold" nodeType="withEffect">
+                                  <p:stCondLst>
+                                    <p:cond delay="0"/>
+                                  </p:stCondLst>
+                                  <p:childTnLst>
+                                    <p:set>
+                                      <p:cBhvr>
+                                        <p:cTn id="56" dur="1" fill="hold">
+                                          <p:stCondLst>
+                                            <p:cond delay="0"/>
+                                          </p:stCondLst>
+                                        </p:cTn>
+                                        <p:tgtEl>
+                                          <p:spTgt spid="24"/>
+                                        </p:tgtEl>
+                                        <p:attrNameLst>
+                                          <p:attrName>style.visibility</p:attrName>
+                                        </p:attrNameLst>
+                                      </p:cBhvr>
+                                      <p:to>
+                                        <p:strVal val="visible"/>
+                                      </p:to>
+                                    </p:set>
+                                    <p:animEffect transition="in" filter="wipe(up)">
+                                      <p:cBhvr>
+                                        <p:cTn id="57" dur="500"/>
+                                        <p:tgtEl>
+                                          <p:spTgt spid="24"/>
+                                        </p:tgtEl>
+                                      </p:cBhvr>
+                                    </p:animEffect>
+                                  </p:childTnLst>
+                                </p:cTn>
+                              </p:par>
+                              <p:par>
+                                <p:cTn id="58" presetID="22" presetClass="entr" presetSubtype="1" fill="hold" nodeType="withEffect">
+                                  <p:stCondLst>
+                                    <p:cond delay="0"/>
+                                  </p:stCondLst>
+                                  <p:childTnLst>
+                                    <p:set>
+                                      <p:cBhvr>
+                                        <p:cTn id="59" dur="1" fill="hold">
+                                          <p:stCondLst>
+                                            <p:cond delay="0"/>
+                                          </p:stCondLst>
+                                        </p:cTn>
+                                        <p:tgtEl>
+                                          <p:spTgt spid="25"/>
+                                        </p:tgtEl>
+                                        <p:attrNameLst>
+                                          <p:attrName>style.visibility</p:attrName>
+                                        </p:attrNameLst>
+                                      </p:cBhvr>
+                                      <p:to>
+                                        <p:strVal val="visible"/>
+                                      </p:to>
+                                    </p:set>
+                                    <p:animEffect transition="in" filter="wipe(up)">
+                                      <p:cBhvr>
+                                        <p:cTn id="60" dur="500"/>
+                                        <p:tgtEl>
+                                          <p:spTgt spid="25"/>
+                                        </p:tgtEl>
+                                      </p:cBhvr>
+                                    </p:animEffect>
+                                  </p:childTnLst>
+                                </p:cTn>
+                              </p:par>
+                              <p:par>
+                                <p:cTn id="61" presetID="22" presetClass="entr" presetSubtype="1" fill="hold" nodeType="withEffect">
+                                  <p:stCondLst>
+                                    <p:cond delay="0"/>
+                                  </p:stCondLst>
+                                  <p:childTnLst>
+                                    <p:set>
+                                      <p:cBhvr>
+                                        <p:cTn id="62" dur="1" fill="hold">
+                                          <p:stCondLst>
+                                            <p:cond delay="0"/>
+                                          </p:stCondLst>
+                                        </p:cTn>
+                                        <p:tgtEl>
+                                          <p:spTgt spid="26"/>
+                                        </p:tgtEl>
+                                        <p:attrNameLst>
+                                          <p:attrName>style.visibility</p:attrName>
+                                        </p:attrNameLst>
+                                      </p:cBhvr>
+                                      <p:to>
+                                        <p:strVal val="visible"/>
+                                      </p:to>
+                                    </p:set>
+                                    <p:animEffect transition="in" filter="wipe(up)">
+                                      <p:cBhvr>
+                                        <p:cTn id="63" dur="500"/>
+                                        <p:tgtEl>
+                                          <p:spTgt spid="26"/>
+                                        </p:tgtEl>
+                                      </p:cBhvr>
+                                    </p:animEffect>
+                                  </p:childTnLst>
+                                </p:cTn>
+                              </p:par>
+                              <p:par>
+                                <p:cTn id="64" presetID="22" presetClass="entr" presetSubtype="1" fill="hold" nodeType="withEffect">
+                                  <p:stCondLst>
+                                    <p:cond delay="0"/>
+                                  </p:stCondLst>
+                                  <p:childTnLst>
+                                    <p:set>
+                                      <p:cBhvr>
+                                        <p:cTn id="65" dur="1" fill="hold">
+                                          <p:stCondLst>
+                                            <p:cond delay="0"/>
+                                          </p:stCondLst>
+                                        </p:cTn>
+                                        <p:tgtEl>
+                                          <p:spTgt spid="27"/>
+                                        </p:tgtEl>
+                                        <p:attrNameLst>
+                                          <p:attrName>style.visibility</p:attrName>
+                                        </p:attrNameLst>
+                                      </p:cBhvr>
+                                      <p:to>
+                                        <p:strVal val="visible"/>
+                                      </p:to>
+                                    </p:set>
+                                    <p:animEffect transition="in" filter="wipe(up)">
+                                      <p:cBhvr>
+                                        <p:cTn id="66" dur="500"/>
+                                        <p:tgtEl>
+                                          <p:spTgt spid="27"/>
+                                        </p:tgtEl>
+                                      </p:cBhvr>
+                                    </p:animEffect>
+                                  </p:childTnLst>
+                                </p:cTn>
+                              </p:par>
+                              <p:par>
+                                <p:cTn id="67" presetID="22" presetClass="entr" presetSubtype="1" fill="hold" nodeType="withEffect">
+                                  <p:stCondLst>
+                                    <p:cond delay="0"/>
+                                  </p:stCondLst>
+                                  <p:childTnLst>
+                                    <p:set>
+                                      <p:cBhvr>
+                                        <p:cTn id="68" dur="1" fill="hold">
+                                          <p:stCondLst>
+                                            <p:cond delay="0"/>
+                                          </p:stCondLst>
+                                        </p:cTn>
+                                        <p:tgtEl>
+                                          <p:spTgt spid="28"/>
+                                        </p:tgtEl>
+                                        <p:attrNameLst>
+                                          <p:attrName>style.visibility</p:attrName>
+                                        </p:attrNameLst>
+                                      </p:cBhvr>
+                                      <p:to>
+                                        <p:strVal val="visible"/>
+                                      </p:to>
+                                    </p:set>
+                                    <p:animEffect transition="in" filter="wipe(up)">
+                                      <p:cBhvr>
+                                        <p:cTn id="69" dur="500"/>
+                                        <p:tgtEl>
+                                          <p:spTgt spid="28"/>
+                                        </p:tgtEl>
+                                      </p:cBhvr>
+                                    </p:animEffect>
+                                  </p:childTnLst>
+                                </p:cTn>
+                              </p:par>
+                            </p:childTnLst>
+                          </p:cTn>
+                        </p:par>
+                      </p:childTnLst>
+                    </p:cTn>
+                  </p:par>
+                  <p:par>
+                    <p:cTn id="70" fill="hold">
+                      <p:stCondLst>
+                        <p:cond delay="indefinite"/>
+                      </p:stCondLst>
+                      <p:childTnLst>
+                        <p:par>
+                          <p:cTn id="71" fill="hold">
+                            <p:stCondLst>
+                              <p:cond delay="0"/>
+                            </p:stCondLst>
+                            <p:childTnLst>
+                              <p:par>
+                                <p:cTn id="72" presetID="22" presetClass="entr" presetSubtype="1" fill="hold" nodeType="clickEffect">
+                                  <p:stCondLst>
+                                    <p:cond delay="0"/>
+                                  </p:stCondLst>
+                                  <p:childTnLst>
+                                    <p:set>
+                                      <p:cBhvr>
+                                        <p:cTn id="73" dur="1" fill="hold">
+                                          <p:stCondLst>
+                                            <p:cond delay="0"/>
+                                          </p:stCondLst>
+                                        </p:cTn>
+                                        <p:tgtEl>
+                                          <p:spTgt spid="29"/>
+                                        </p:tgtEl>
+                                        <p:attrNameLst>
+                                          <p:attrName>style.visibility</p:attrName>
+                                        </p:attrNameLst>
+                                      </p:cBhvr>
+                                      <p:to>
+                                        <p:strVal val="visible"/>
+                                      </p:to>
+                                    </p:set>
+                                    <p:animEffect transition="in" filter="wipe(up)">
+                                      <p:cBhvr>
+                                        <p:cTn id="74" dur="500"/>
+                                        <p:tgtEl>
+                                          <p:spTgt spid="29"/>
+                                        </p:tgtEl>
+                                      </p:cBhvr>
+                                    </p:animEffect>
+                                  </p:childTnLst>
+                                </p:cTn>
+                              </p:par>
+                              <p:par>
+                                <p:cTn id="75" presetID="22" presetClass="entr" presetSubtype="1" fill="hold" nodeType="withEffect">
+                                  <p:stCondLst>
+                                    <p:cond delay="0"/>
+                                  </p:stCondLst>
+                                  <p:childTnLst>
+                                    <p:set>
+                                      <p:cBhvr>
+                                        <p:cTn id="76" dur="1" fill="hold">
+                                          <p:stCondLst>
+                                            <p:cond delay="0"/>
+                                          </p:stCondLst>
+                                        </p:cTn>
+                                        <p:tgtEl>
+                                          <p:spTgt spid="30"/>
+                                        </p:tgtEl>
+                                        <p:attrNameLst>
+                                          <p:attrName>style.visibility</p:attrName>
+                                        </p:attrNameLst>
+                                      </p:cBhvr>
+                                      <p:to>
+                                        <p:strVal val="visible"/>
+                                      </p:to>
+                                    </p:set>
+                                    <p:animEffect transition="in" filter="wipe(up)">
+                                      <p:cBhvr>
+                                        <p:cTn id="77" dur="500"/>
+                                        <p:tgtEl>
+                                          <p:spTgt spid="30"/>
+                                        </p:tgtEl>
+                                      </p:cBhvr>
+                                    </p:animEffect>
+                                  </p:childTnLst>
+                                </p:cTn>
+                              </p:par>
+                              <p:par>
+                                <p:cTn id="78" presetID="22" presetClass="entr" presetSubtype="1" fill="hold" nodeType="withEffect">
+                                  <p:stCondLst>
+                                    <p:cond delay="0"/>
+                                  </p:stCondLst>
+                                  <p:childTnLst>
+                                    <p:set>
+                                      <p:cBhvr>
+                                        <p:cTn id="79" dur="1" fill="hold">
+                                          <p:stCondLst>
+                                            <p:cond delay="0"/>
+                                          </p:stCondLst>
+                                        </p:cTn>
+                                        <p:tgtEl>
+                                          <p:spTgt spid="31"/>
+                                        </p:tgtEl>
+                                        <p:attrNameLst>
+                                          <p:attrName>style.visibility</p:attrName>
+                                        </p:attrNameLst>
+                                      </p:cBhvr>
+                                      <p:to>
+                                        <p:strVal val="visible"/>
+                                      </p:to>
+                                    </p:set>
+                                    <p:animEffect transition="in" filter="wipe(up)">
+                                      <p:cBhvr>
+                                        <p:cTn id="80" dur="500"/>
+                                        <p:tgtEl>
+                                          <p:spTgt spid="31"/>
+                                        </p:tgtEl>
+                                      </p:cBhvr>
+                                    </p:animEffect>
+                                  </p:childTnLst>
+                                </p:cTn>
+                              </p:par>
+                              <p:par>
+                                <p:cTn id="81" presetID="22" presetClass="entr" presetSubtype="1" fill="hold" nodeType="withEffect">
+                                  <p:stCondLst>
+                                    <p:cond delay="0"/>
+                                  </p:stCondLst>
+                                  <p:childTnLst>
+                                    <p:set>
+                                      <p:cBhvr>
+                                        <p:cTn id="82" dur="1" fill="hold">
+                                          <p:stCondLst>
+                                            <p:cond delay="0"/>
+                                          </p:stCondLst>
+                                        </p:cTn>
+                                        <p:tgtEl>
+                                          <p:spTgt spid="32"/>
+                                        </p:tgtEl>
+                                        <p:attrNameLst>
+                                          <p:attrName>style.visibility</p:attrName>
+                                        </p:attrNameLst>
+                                      </p:cBhvr>
+                                      <p:to>
+                                        <p:strVal val="visible"/>
+                                      </p:to>
+                                    </p:set>
+                                    <p:animEffect transition="in" filter="wipe(up)">
+                                      <p:cBhvr>
+                                        <p:cTn id="83" dur="500"/>
+                                        <p:tgtEl>
+                                          <p:spTgt spid="32"/>
+                                        </p:tgtEl>
+                                      </p:cBhvr>
+                                    </p:animEffect>
+                                  </p:childTnLst>
+                                </p:cTn>
+                              </p:par>
+                              <p:par>
+                                <p:cTn id="84" presetID="22" presetClass="entr" presetSubtype="1" fill="hold" nodeType="withEffect">
+                                  <p:stCondLst>
+                                    <p:cond delay="0"/>
+                                  </p:stCondLst>
+                                  <p:childTnLst>
+                                    <p:set>
+                                      <p:cBhvr>
+                                        <p:cTn id="85" dur="1" fill="hold">
+                                          <p:stCondLst>
+                                            <p:cond delay="0"/>
+                                          </p:stCondLst>
+                                        </p:cTn>
+                                        <p:tgtEl>
+                                          <p:spTgt spid="33"/>
+                                        </p:tgtEl>
+                                        <p:attrNameLst>
+                                          <p:attrName>style.visibility</p:attrName>
+                                        </p:attrNameLst>
+                                      </p:cBhvr>
+                                      <p:to>
+                                        <p:strVal val="visible"/>
+                                      </p:to>
+                                    </p:set>
+                                    <p:animEffect transition="in" filter="wipe(up)">
+                                      <p:cBhvr>
+                                        <p:cTn id="86" dur="500"/>
+                                        <p:tgtEl>
+                                          <p:spTgt spid="33"/>
+                                        </p:tgtEl>
+                                      </p:cBhvr>
+                                    </p:animEffect>
+                                  </p:childTnLst>
+                                </p:cTn>
+                              </p:par>
+                              <p:par>
+                                <p:cTn id="87" presetID="22" presetClass="entr" presetSubtype="1" fill="hold" nodeType="withEffect">
+                                  <p:stCondLst>
+                                    <p:cond delay="0"/>
+                                  </p:stCondLst>
+                                  <p:childTnLst>
+                                    <p:set>
+                                      <p:cBhvr>
+                                        <p:cTn id="88" dur="1" fill="hold">
+                                          <p:stCondLst>
+                                            <p:cond delay="0"/>
+                                          </p:stCondLst>
+                                        </p:cTn>
+                                        <p:tgtEl>
+                                          <p:spTgt spid="34"/>
+                                        </p:tgtEl>
+                                        <p:attrNameLst>
+                                          <p:attrName>style.visibility</p:attrName>
+                                        </p:attrNameLst>
+                                      </p:cBhvr>
+                                      <p:to>
+                                        <p:strVal val="visible"/>
+                                      </p:to>
+                                    </p:set>
+                                    <p:animEffect transition="in" filter="wipe(up)">
+                                      <p:cBhvr>
+                                        <p:cTn id="89" dur="500"/>
+                                        <p:tgtEl>
+                                          <p:spTgt spid="34"/>
+                                        </p:tgtEl>
+                                      </p:cBhvr>
+                                    </p:animEffect>
+                                  </p:childTnLst>
+                                </p:cTn>
+                              </p:par>
+                            </p:childTnLst>
+                          </p:cTn>
+                        </p:par>
+                        <p:par>
+                          <p:cTn id="90" fill="hold">
+                            <p:stCondLst>
+                              <p:cond delay="500"/>
+                            </p:stCondLst>
+                            <p:childTnLst>
+                              <p:par>
+                                <p:cTn id="91" presetID="22" presetClass="entr" presetSubtype="1" fill="hold" nodeType="afterEffect">
+                                  <p:stCondLst>
+                                    <p:cond delay="0"/>
+                                  </p:stCondLst>
+                                  <p:childTnLst>
+                                    <p:set>
+                                      <p:cBhvr>
+                                        <p:cTn id="92" dur="1" fill="hold">
+                                          <p:stCondLst>
+                                            <p:cond delay="0"/>
+                                          </p:stCondLst>
+                                        </p:cTn>
+                                        <p:tgtEl>
+                                          <p:spTgt spid="35"/>
+                                        </p:tgtEl>
+                                        <p:attrNameLst>
+                                          <p:attrName>style.visibility</p:attrName>
+                                        </p:attrNameLst>
+                                      </p:cBhvr>
+                                      <p:to>
+                                        <p:strVal val="visible"/>
+                                      </p:to>
+                                    </p:set>
+                                    <p:animEffect transition="in" filter="wipe(up)">
+                                      <p:cBhvr>
+                                        <p:cTn id="93" dur="500"/>
+                                        <p:tgtEl>
+                                          <p:spTgt spid="35"/>
+                                        </p:tgtEl>
+                                      </p:cBhvr>
+                                    </p:animEffect>
+                                  </p:childTnLst>
+                                </p:cTn>
+                              </p:par>
+                            </p:childTnLst>
+                          </p:cTn>
+                        </p:par>
+                        <p:par>
+                          <p:cTn id="94" fill="hold">
+                            <p:stCondLst>
+                              <p:cond delay="1000"/>
+                            </p:stCondLst>
+                            <p:childTnLst>
+                              <p:par>
+                                <p:cTn id="95" presetID="22" presetClass="entr" presetSubtype="1" fill="hold" grpId="0" nodeType="afterEffect">
+                                  <p:stCondLst>
+                                    <p:cond delay="0"/>
+                                  </p:stCondLst>
+                                  <p:childTnLst>
+                                    <p:set>
+                                      <p:cBhvr>
+                                        <p:cTn id="96" dur="1" fill="hold">
+                                          <p:stCondLst>
+                                            <p:cond delay="0"/>
+                                          </p:stCondLst>
+                                        </p:cTn>
+                                        <p:tgtEl>
+                                          <p:spTgt spid="43"/>
+                                        </p:tgtEl>
+                                        <p:attrNameLst>
+                                          <p:attrName>style.visibility</p:attrName>
+                                        </p:attrNameLst>
+                                      </p:cBhvr>
+                                      <p:to>
+                                        <p:strVal val="visible"/>
+                                      </p:to>
+                                    </p:set>
+                                    <p:animEffect transition="in" filter="wipe(up)">
+                                      <p:cBhvr>
+                                        <p:cTn id="97" dur="500"/>
+                                        <p:tgtEl>
+                                          <p:spTgt spid="43"/>
+                                        </p:tgtEl>
+                                      </p:cBhvr>
+                                    </p:animEffect>
+                                  </p:childTnLst>
+                                </p:cTn>
+                              </p:par>
+                            </p:childTnLst>
+                          </p:cTn>
+                        </p:par>
+                      </p:childTnLst>
+                    </p:cTn>
+                  </p:par>
+                </p:childTnLst>
+              </p:cTn>
+              <p:prevCondLst>
+                <p:cond evt="onPrev" delay="0">
+                  <p:tgtEl>
+                    <p:sldTgt/>
+                  </p:tgtEl>
+                </p:cond>
+              </p:prevCondLst>
+              <p:nextCondLst>
+                <p:cond evt="onNext" delay="0">
+                  <p:tgtEl>
+                    <p:sldTgt/>
+                  </p:tgtEl>
+                </p:cond>
+              </p:nextCondLst>
+            </p:seq>
+          </p:childTnLst>
+        </p:cTn>
       </p:par>
     </p:tnLst>
+    <p:bldLst>
+      <p:bldP spid="7" grpId="0" uiExpand="1" build="p" animBg="1"/>
+      <p:bldP spid="36" grpId="0" animBg="1"/>
+      <p:bldP spid="43" grpId="0" animBg="1"/>
+    </p:bldLst>
   </p:timing>
 </p:sld>
 </file>
@@ -12556,7 +14703,7 @@
       </p:grpSpPr>
       <p:sp>
         <p:nvSpPr>
-          <p:cNvPr id="7" name="标题 6"/>
+          <p:cNvPr id="2" name="标题 1"/>
           <p:cNvSpPr>
             <a:spLocks noGrp="1"/>
           </p:cNvSpPr>
@@ -12571,20 +14718,23 @@
           <a:p>
             <a:r>
               <a:rPr lang="zh-CN" altLang="en-US" dirty="0" smtClean="0"/>
-              <a:t>代码风格</a:t>
-            </a:r>
-            <a:endParaRPr lang="zh-CN" altLang="en-US" dirty="0"/>
+              <a:t>代码</a:t>
+            </a:r>
+            <a:r>
+              <a:rPr lang="zh-CN" altLang="en-US" dirty="0"/>
+              <a:t>风格</a:t>
+            </a:r>
           </a:p>
         </p:txBody>
       </p:sp>
       <p:sp>
         <p:nvSpPr>
-          <p:cNvPr id="8" name="文本占位符 7"/>
+          <p:cNvPr id="3" name="内容占位符 2"/>
           <p:cNvSpPr>
             <a:spLocks noGrp="1"/>
           </p:cNvSpPr>
           <p:nvPr>
-            <p:ph type="body" idx="1"/>
+            <p:ph idx="1"/>
           </p:nvPr>
         </p:nvSpPr>
         <p:spPr/>
@@ -12594,173 +14744,67 @@
           <a:p>
             <a:r>
               <a:rPr lang="zh-CN" altLang="en-US" dirty="0" smtClean="0"/>
-              <a:t>文件名</a:t>
-            </a:r>
+              <a:t>随着处理的问题越来越复杂，代码也从初学开始变得越来越麻烦，单就一个如何给变量起名字、如何给保存数据的文件起名字就已经非常令人烦恼。</a:t>
+            </a:r>
+            <a:endParaRPr lang="en-US" altLang="zh-CN" dirty="0" smtClean="0"/>
+          </a:p>
+          <a:p>
+            <a:r>
+              <a:rPr lang="zh-CN" altLang="en-US" dirty="0" smtClean="0"/>
+              <a:t>事实上，编程领域一直以来对代码编写风格就有讨论</a:t>
+            </a:r>
+            <a:endParaRPr lang="en-US" altLang="zh-CN" dirty="0" smtClean="0"/>
+          </a:p>
+          <a:p>
+            <a:pPr lvl="1"/>
+            <a:r>
+              <a:rPr lang="zh-CN" altLang="en-US" dirty="0" smtClean="0"/>
+              <a:t>一方面为了代码较多时帮助自己轻松理清楚思路</a:t>
+            </a:r>
+            <a:endParaRPr lang="en-US" altLang="zh-CN" dirty="0" smtClean="0"/>
+          </a:p>
+          <a:p>
+            <a:pPr lvl="1"/>
+            <a:r>
+              <a:rPr lang="zh-CN" altLang="en-US" dirty="0" smtClean="0"/>
+              <a:t>另一方面合作者也能较快理解你的意思，方便开展合作</a:t>
+            </a:r>
+            <a:endParaRPr lang="en-US" altLang="zh-CN" dirty="0" smtClean="0"/>
+          </a:p>
+          <a:p>
             <a:endParaRPr lang="zh-CN" altLang="en-US" dirty="0"/>
           </a:p>
         </p:txBody>
       </p:sp>
       <p:sp>
         <p:nvSpPr>
-          <p:cNvPr id="9" name="内容占位符 8"/>
-          <p:cNvSpPr>
-            <a:spLocks noGrp="1"/>
-          </p:cNvSpPr>
-          <p:nvPr>
-            <p:ph sz="half" idx="2"/>
-          </p:nvPr>
+          <p:cNvPr id="4" name="矩形 3"/>
+          <p:cNvSpPr/>
+          <p:nvPr/>
         </p:nvSpPr>
-        <p:spPr/>
+        <p:spPr>
+          <a:xfrm>
+            <a:off x="8695191" y="5869094"/>
+            <a:ext cx="2600777" cy="369332"/>
+          </a:xfrm>
+          <a:prstGeom prst="rect">
+            <a:avLst/>
+          </a:prstGeom>
+        </p:spPr>
         <p:txBody>
-          <a:bodyPr>
-            <a:normAutofit fontScale="92500" lnSpcReduction="20000"/>
+          <a:bodyPr wrap="none">
+            <a:spAutoFit/>
           </a:bodyPr>
           <a:lstStyle/>
           <a:p>
             <a:r>
+              <a:rPr lang="zh-CN" altLang="en-US" dirty="0"/>
+              <a:t>https://github.com/yihui</a:t>
+            </a:r>
+            <a:r>
               <a:rPr lang="zh-CN" altLang="en-US" dirty="0" smtClean="0"/>
-              <a:t>文件名应该有一定意义，数据文件以</a:t>
-            </a:r>
-            <a:r>
-              <a:rPr lang="en-US" altLang="zh-CN" dirty="0" smtClean="0"/>
-              <a:t>.</a:t>
-            </a:r>
-            <a:r>
-              <a:rPr lang="en-US" altLang="zh-CN" dirty="0" err="1" smtClean="0"/>
-              <a:t>Rda</a:t>
-            </a:r>
-            <a:r>
-              <a:rPr lang="zh-CN" altLang="en-US" dirty="0" smtClean="0"/>
-              <a:t>结尾，程序文件以</a:t>
-            </a:r>
-            <a:r>
-              <a:rPr lang="en-US" altLang="zh-CN" dirty="0" smtClean="0"/>
-              <a:t>.R</a:t>
-            </a:r>
-            <a:r>
-              <a:rPr lang="zh-CN" altLang="en-US" dirty="0" smtClean="0"/>
-              <a:t>结尾</a:t>
-            </a:r>
-            <a:endParaRPr lang="en-US" altLang="zh-CN" dirty="0" smtClean="0"/>
-          </a:p>
-          <a:p>
-            <a:r>
-              <a:rPr lang="en-US" altLang="zh-CN" dirty="0" smtClean="0"/>
-              <a:t>#example</a:t>
-            </a:r>
-          </a:p>
-          <a:p>
-            <a:r>
-              <a:rPr lang="en-US" altLang="zh-CN" dirty="0" smtClean="0"/>
-              <a:t>fit-</a:t>
-            </a:r>
-            <a:r>
-              <a:rPr lang="en-US" altLang="zh-CN" dirty="0" err="1" smtClean="0"/>
-              <a:t>models.R</a:t>
-            </a:r>
-            <a:endParaRPr lang="en-US" altLang="zh-CN" dirty="0" smtClean="0"/>
-          </a:p>
-          <a:p>
-            <a:r>
-              <a:rPr lang="en-US" altLang="zh-CN" dirty="0" smtClean="0"/>
-              <a:t>utility-</a:t>
-            </a:r>
-            <a:r>
-              <a:rPr lang="en-US" altLang="zh-CN" dirty="0" err="1" smtClean="0"/>
-              <a:t>function.R</a:t>
-            </a:r>
-            <a:endParaRPr lang="en-US" altLang="zh-CN" dirty="0" smtClean="0"/>
-          </a:p>
-          <a:p>
-            <a:r>
-              <a:rPr lang="en-US" altLang="zh-CN" dirty="0" err="1" smtClean="0"/>
-              <a:t>cholesterol.Rda</a:t>
-            </a:r>
-            <a:endParaRPr lang="en-US" altLang="zh-CN" dirty="0" smtClean="0"/>
-          </a:p>
-          <a:p>
-            <a:r>
-              <a:rPr lang="en-US" altLang="zh-CN" dirty="0" smtClean="0"/>
-              <a:t>0-download.R</a:t>
-            </a:r>
-          </a:p>
-          <a:p>
-            <a:r>
-              <a:rPr lang="en-US" altLang="zh-CN" dirty="0" smtClean="0"/>
-              <a:t>1-parse.R</a:t>
-            </a:r>
-          </a:p>
-          <a:p>
-            <a:r>
-              <a:rPr lang="en-US" altLang="zh-CN" dirty="0" smtClean="0"/>
-              <a:t>2-explore.R</a:t>
-            </a:r>
-            <a:endParaRPr lang="zh-CN" altLang="en-US" dirty="0"/>
-          </a:p>
-        </p:txBody>
-      </p:sp>
-      <p:sp>
-        <p:nvSpPr>
-          <p:cNvPr id="10" name="文本占位符 9"/>
-          <p:cNvSpPr>
-            <a:spLocks noGrp="1"/>
-          </p:cNvSpPr>
-          <p:nvPr>
-            <p:ph type="body" sz="quarter" idx="3"/>
-          </p:nvPr>
-        </p:nvSpPr>
-        <p:spPr/>
-        <p:txBody>
-          <a:bodyPr/>
-          <a:lstStyle/>
-          <a:p>
-            <a:r>
-              <a:rPr lang="zh-CN" altLang="en-US" dirty="0" smtClean="0"/>
-              <a:t>变量名</a:t>
-            </a:r>
-            <a:endParaRPr lang="zh-CN" altLang="en-US" dirty="0"/>
-          </a:p>
-        </p:txBody>
-      </p:sp>
-      <p:sp>
-        <p:nvSpPr>
-          <p:cNvPr id="11" name="内容占位符 10"/>
-          <p:cNvSpPr>
-            <a:spLocks noGrp="1"/>
-          </p:cNvSpPr>
-          <p:nvPr>
-            <p:ph sz="quarter" idx="4"/>
-          </p:nvPr>
-        </p:nvSpPr>
-        <p:spPr/>
-        <p:txBody>
-          <a:bodyPr/>
-          <a:lstStyle/>
-          <a:p>
-            <a:r>
-              <a:rPr lang="zh-CN" altLang="en-US" dirty="0"/>
-              <a:t>变量</a:t>
-            </a:r>
-            <a:r>
-              <a:rPr lang="zh-CN" altLang="en-US" dirty="0" smtClean="0"/>
-              <a:t>名用小写，以名词为主，下划线隔开单词</a:t>
-            </a:r>
-            <a:endParaRPr lang="en-US" altLang="zh-CN" dirty="0" smtClean="0"/>
-          </a:p>
-          <a:p>
-            <a:r>
-              <a:rPr lang="en-US" altLang="zh-CN" dirty="0" err="1" smtClean="0"/>
-              <a:t>day_one</a:t>
-            </a:r>
-            <a:endParaRPr lang="en-US" altLang="zh-CN" dirty="0" smtClean="0"/>
-          </a:p>
-          <a:p>
-            <a:r>
-              <a:rPr lang="en-US" altLang="zh-CN" dirty="0" smtClean="0"/>
-              <a:t>day_1</a:t>
-            </a:r>
-          </a:p>
-          <a:p>
+              <a:t>/</a:t>
+            </a:r>
             <a:endParaRPr lang="zh-CN" altLang="en-US" dirty="0"/>
           </a:p>
         </p:txBody>
@@ -12768,7 +14812,7 @@
     </p:spTree>
     <p:extLst>
       <p:ext uri="{BB962C8B-B14F-4D97-AF65-F5344CB8AC3E}">
-        <p14:creationId xmlns:p14="http://schemas.microsoft.com/office/powerpoint/2010/main" val="4289519805"/>
+        <p14:creationId xmlns:p14="http://schemas.microsoft.com/office/powerpoint/2010/main" val="3704916581"/>
       </p:ext>
     </p:extLst>
   </p:cSld>
@@ -12804,7 +14848,7 @@
       </p:grpSpPr>
       <p:sp>
         <p:nvSpPr>
-          <p:cNvPr id="2" name="标题 1"/>
+          <p:cNvPr id="7" name="标题 6"/>
           <p:cNvSpPr>
             <a:spLocks noGrp="1"/>
           </p:cNvSpPr>
@@ -12827,7 +14871,7 @@
       </p:sp>
       <p:sp>
         <p:nvSpPr>
-          <p:cNvPr id="3" name="文本占位符 2"/>
+          <p:cNvPr id="8" name="文本占位符 7"/>
           <p:cNvSpPr>
             <a:spLocks noGrp="1"/>
           </p:cNvSpPr>
@@ -12842,7 +14886,7 @@
           <a:p>
             <a:r>
               <a:rPr lang="zh-CN" altLang="en-US" dirty="0" smtClean="0"/>
-              <a:t>函数名（前缀函数）</a:t>
+              <a:t>文件名</a:t>
             </a:r>
             <a:endParaRPr lang="zh-CN" altLang="en-US" dirty="0"/>
           </a:p>
@@ -12850,7 +14894,7 @@
       </p:sp>
       <p:sp>
         <p:nvSpPr>
-          <p:cNvPr id="4" name="内容占位符 3"/>
+          <p:cNvPr id="9" name="内容占位符 8"/>
           <p:cNvSpPr>
             <a:spLocks noGrp="1"/>
           </p:cNvSpPr>
@@ -12860,29 +14904,101 @@
         </p:nvSpPr>
         <p:spPr/>
         <p:txBody>
-          <a:bodyPr/>
+          <a:bodyPr>
+            <a:normAutofit fontScale="92500" lnSpcReduction="20000"/>
+          </a:bodyPr>
           <a:lstStyle/>
           <a:p>
+            <a:pPr>
+              <a:lnSpc>
+                <a:spcPct val="120000"/>
+              </a:lnSpc>
+            </a:pPr>
             <a:r>
               <a:rPr lang="zh-CN" altLang="en-US" dirty="0" smtClean="0"/>
-              <a:t>为了方便理解，函数名一般用动词，且避免和现有函数重名</a:t>
+              <a:t>文件名应该有一定意义，数据文件以</a:t>
+            </a:r>
+            <a:r>
+              <a:rPr lang="en-US" altLang="zh-CN" dirty="0" smtClean="0"/>
+              <a:t>.</a:t>
+            </a:r>
+            <a:r>
+              <a:rPr lang="en-US" altLang="zh-CN" dirty="0" err="1" smtClean="0"/>
+              <a:t>Rda</a:t>
+            </a:r>
+            <a:r>
+              <a:rPr lang="zh-CN" altLang="en-US" dirty="0" smtClean="0"/>
+              <a:t>结尾，程序文件以</a:t>
+            </a:r>
+            <a:r>
+              <a:rPr lang="en-US" altLang="zh-CN" dirty="0" smtClean="0"/>
+              <a:t>.R</a:t>
+            </a:r>
+            <a:r>
+              <a:rPr lang="zh-CN" altLang="en-US" dirty="0" smtClean="0"/>
+              <a:t>结尾</a:t>
             </a:r>
             <a:endParaRPr lang="en-US" altLang="zh-CN" dirty="0" smtClean="0"/>
           </a:p>
           <a:p>
             <a:r>
               <a:rPr lang="en-US" altLang="zh-CN" dirty="0" smtClean="0"/>
-              <a:t>leverage&lt;- function(x) { }</a:t>
-            </a:r>
-          </a:p>
-          <a:p>
+              <a:t>#example</a:t>
+            </a:r>
+          </a:p>
+          <a:p>
+            <a:r>
+              <a:rPr lang="en-US" altLang="zh-CN" dirty="0" smtClean="0"/>
+              <a:t>fit-</a:t>
+            </a:r>
+            <a:r>
+              <a:rPr lang="en-US" altLang="zh-CN" dirty="0" err="1" smtClean="0"/>
+              <a:t>models.R</a:t>
+            </a:r>
+            <a:endParaRPr lang="en-US" altLang="zh-CN" dirty="0" smtClean="0"/>
+          </a:p>
+          <a:p>
+            <a:r>
+              <a:rPr lang="en-US" altLang="zh-CN" dirty="0" smtClean="0"/>
+              <a:t>utility-</a:t>
+            </a:r>
+            <a:r>
+              <a:rPr lang="en-US" altLang="zh-CN" dirty="0" err="1" smtClean="0"/>
+              <a:t>function.R</a:t>
+            </a:r>
+            <a:endParaRPr lang="en-US" altLang="zh-CN" dirty="0" smtClean="0"/>
+          </a:p>
+          <a:p>
+            <a:r>
+              <a:rPr lang="en-US" altLang="zh-CN" dirty="0" err="1" smtClean="0"/>
+              <a:t>cholesterol.Rda</a:t>
+            </a:r>
+            <a:endParaRPr lang="en-US" altLang="zh-CN" dirty="0" smtClean="0"/>
+          </a:p>
+          <a:p>
+            <a:r>
+              <a:rPr lang="en-US" altLang="zh-CN" dirty="0" smtClean="0"/>
+              <a:t>0-download.R</a:t>
+            </a:r>
+          </a:p>
+          <a:p>
+            <a:r>
+              <a:rPr lang="en-US" altLang="zh-CN" dirty="0" smtClean="0"/>
+              <a:t>1-parse.R</a:t>
+            </a:r>
+          </a:p>
+          <a:p>
+            <a:r>
+              <a:rPr lang="en-US" altLang="zh-CN" dirty="0" smtClean="0"/>
+              <a:t>2-explore.R</a:t>
+            </a:r>
             <a:endParaRPr lang="zh-CN" altLang="en-US" dirty="0"/>
           </a:p>
         </p:txBody>
       </p:sp>
       <p:sp>
         <p:nvSpPr>
-          <p:cNvPr id="5" name="文本占位符 4"/>
+          <p:cNvPr id="10" name="文本占位符 9"/>
           <p:cNvSpPr>
             <a:spLocks noGrp="1"/>
           </p:cNvSpPr>
@@ -12897,7 +15013,7 @@
           <a:p>
             <a:r>
               <a:rPr lang="zh-CN" altLang="en-US" dirty="0" smtClean="0"/>
-              <a:t>函数名（中缀函数）</a:t>
+              <a:t>变量名</a:t>
             </a:r>
             <a:endParaRPr lang="zh-CN" altLang="en-US" dirty="0"/>
           </a:p>
@@ -12905,7 +15021,7 @@
       </p:sp>
       <p:sp>
         <p:nvSpPr>
-          <p:cNvPr id="6" name="内容占位符 5"/>
+          <p:cNvPr id="11" name="内容占位符 10"/>
           <p:cNvSpPr>
             <a:spLocks noGrp="1"/>
           </p:cNvSpPr>
@@ -12919,28 +15035,29 @@
           <a:lstStyle/>
           <a:p>
             <a:r>
+              <a:rPr lang="zh-CN" altLang="en-US" dirty="0"/>
+              <a:t>变量</a:t>
+            </a:r>
+            <a:r>
               <a:rPr lang="zh-CN" altLang="en-US" dirty="0" smtClean="0"/>
-              <a:t>在所有的中缀运算符两边使用空格</a:t>
+              <a:t>名用小写，以名词为主，下划线隔开单词</a:t>
             </a:r>
             <a:endParaRPr lang="en-US" altLang="zh-CN" dirty="0" smtClean="0"/>
           </a:p>
           <a:p>
             <a:r>
-              <a:rPr lang="zh-CN" altLang="en-US" dirty="0" smtClean="0"/>
-              <a:t>赋值时，使用</a:t>
-            </a:r>
+              <a:rPr lang="en-US" altLang="zh-CN" dirty="0" err="1" smtClean="0"/>
+              <a:t>day_one</a:t>
+            </a:r>
+            <a:endParaRPr lang="en-US" altLang="zh-CN" dirty="0" smtClean="0"/>
+          </a:p>
+          <a:p>
             <a:r>
               <a:rPr lang="en-US" altLang="zh-CN" dirty="0" smtClean="0"/>
-              <a:t>&lt;- </a:t>
-            </a:r>
-            <a:r>
-              <a:rPr lang="zh-CN" altLang="en-US" dirty="0" smtClean="0"/>
-              <a:t>而不是 </a:t>
-            </a:r>
-            <a:r>
-              <a:rPr lang="en-US" altLang="zh-CN" dirty="0" smtClean="0"/>
-              <a:t>=</a:t>
-            </a:r>
+              <a:t>day_1</a:t>
+            </a:r>
+          </a:p>
+          <a:p>
             <a:endParaRPr lang="zh-CN" altLang="en-US" dirty="0"/>
           </a:p>
         </p:txBody>
@@ -12948,7 +15065,7 @@
     </p:spTree>
     <p:extLst>
       <p:ext uri="{BB962C8B-B14F-4D97-AF65-F5344CB8AC3E}">
-        <p14:creationId xmlns:p14="http://schemas.microsoft.com/office/powerpoint/2010/main" val="2617200118"/>
+        <p14:creationId xmlns:p14="http://schemas.microsoft.com/office/powerpoint/2010/main" val="4289519805"/>
       </p:ext>
     </p:extLst>
   </p:cSld>
@@ -13144,7 +15261,7 @@
         </p:blipFill>
         <p:spPr>
           <a:xfrm>
-            <a:off x="0" y="1766124"/>
+            <a:off x="-179462" y="1757571"/>
             <a:ext cx="2360787" cy="1893876"/>
           </a:xfrm>
           <a:prstGeom prst="ellipse">
@@ -14420,6 +16537,186 @@
 </file>
 
 <file path=ppt/slides/slide20.xml><?xml version="1.0" encoding="utf-8"?>
+<p:sld xmlns:a="http://schemas.openxmlformats.org/drawingml/2006/main" xmlns:r="http://schemas.openxmlformats.org/officeDocument/2006/relationships" xmlns:p="http://schemas.openxmlformats.org/presentationml/2006/main">
+  <p:cSld>
+    <p:spTree>
+      <p:nvGrpSpPr>
+        <p:cNvPr id="1" name=""/>
+        <p:cNvGrpSpPr/>
+        <p:nvPr/>
+      </p:nvGrpSpPr>
+      <p:grpSpPr>
+        <a:xfrm>
+          <a:off x="0" y="0"/>
+          <a:ext cx="0" cy="0"/>
+          <a:chOff x="0" y="0"/>
+          <a:chExt cx="0" cy="0"/>
+        </a:xfrm>
+      </p:grpSpPr>
+      <p:sp>
+        <p:nvSpPr>
+          <p:cNvPr id="2" name="标题 1"/>
+          <p:cNvSpPr>
+            <a:spLocks noGrp="1"/>
+          </p:cNvSpPr>
+          <p:nvPr>
+            <p:ph type="title"/>
+          </p:nvPr>
+        </p:nvSpPr>
+        <p:spPr/>
+        <p:txBody>
+          <a:bodyPr/>
+          <a:lstStyle/>
+          <a:p>
+            <a:r>
+              <a:rPr lang="zh-CN" altLang="en-US" dirty="0" smtClean="0"/>
+              <a:t>代码风格</a:t>
+            </a:r>
+            <a:endParaRPr lang="zh-CN" altLang="en-US" dirty="0"/>
+          </a:p>
+        </p:txBody>
+      </p:sp>
+      <p:sp>
+        <p:nvSpPr>
+          <p:cNvPr id="3" name="文本占位符 2"/>
+          <p:cNvSpPr>
+            <a:spLocks noGrp="1"/>
+          </p:cNvSpPr>
+          <p:nvPr>
+            <p:ph type="body" idx="1"/>
+          </p:nvPr>
+        </p:nvSpPr>
+        <p:spPr/>
+        <p:txBody>
+          <a:bodyPr/>
+          <a:lstStyle/>
+          <a:p>
+            <a:r>
+              <a:rPr lang="zh-CN" altLang="en-US" dirty="0" smtClean="0"/>
+              <a:t>函数名（前缀函数）</a:t>
+            </a:r>
+            <a:endParaRPr lang="zh-CN" altLang="en-US" dirty="0"/>
+          </a:p>
+        </p:txBody>
+      </p:sp>
+      <p:sp>
+        <p:nvSpPr>
+          <p:cNvPr id="4" name="内容占位符 3"/>
+          <p:cNvSpPr>
+            <a:spLocks noGrp="1"/>
+          </p:cNvSpPr>
+          <p:nvPr>
+            <p:ph sz="half" idx="2"/>
+          </p:nvPr>
+        </p:nvSpPr>
+        <p:spPr/>
+        <p:txBody>
+          <a:bodyPr/>
+          <a:lstStyle/>
+          <a:p>
+            <a:r>
+              <a:rPr lang="zh-CN" altLang="en-US" dirty="0" smtClean="0"/>
+              <a:t>为了方便理解，函数名一般用动词，且避免和现有函数重名</a:t>
+            </a:r>
+            <a:endParaRPr lang="en-US" altLang="zh-CN" dirty="0" smtClean="0"/>
+          </a:p>
+          <a:p>
+            <a:r>
+              <a:rPr lang="en-US" altLang="zh-CN" dirty="0" smtClean="0"/>
+              <a:t>leverage&lt;- function(x) { }</a:t>
+            </a:r>
+          </a:p>
+          <a:p>
+            <a:endParaRPr lang="zh-CN" altLang="en-US" dirty="0"/>
+          </a:p>
+        </p:txBody>
+      </p:sp>
+      <p:sp>
+        <p:nvSpPr>
+          <p:cNvPr id="5" name="文本占位符 4"/>
+          <p:cNvSpPr>
+            <a:spLocks noGrp="1"/>
+          </p:cNvSpPr>
+          <p:nvPr>
+            <p:ph type="body" sz="quarter" idx="3"/>
+          </p:nvPr>
+        </p:nvSpPr>
+        <p:spPr/>
+        <p:txBody>
+          <a:bodyPr/>
+          <a:lstStyle/>
+          <a:p>
+            <a:r>
+              <a:rPr lang="zh-CN" altLang="en-US" dirty="0" smtClean="0"/>
+              <a:t>函数名（中缀函数）</a:t>
+            </a:r>
+            <a:endParaRPr lang="zh-CN" altLang="en-US" dirty="0"/>
+          </a:p>
+        </p:txBody>
+      </p:sp>
+      <p:sp>
+        <p:nvSpPr>
+          <p:cNvPr id="6" name="内容占位符 5"/>
+          <p:cNvSpPr>
+            <a:spLocks noGrp="1"/>
+          </p:cNvSpPr>
+          <p:nvPr>
+            <p:ph sz="quarter" idx="4"/>
+          </p:nvPr>
+        </p:nvSpPr>
+        <p:spPr/>
+        <p:txBody>
+          <a:bodyPr/>
+          <a:lstStyle/>
+          <a:p>
+            <a:r>
+              <a:rPr lang="zh-CN" altLang="en-US" dirty="0" smtClean="0"/>
+              <a:t>在所有的中缀运算符两边使用空格</a:t>
+            </a:r>
+            <a:endParaRPr lang="en-US" altLang="zh-CN" dirty="0" smtClean="0"/>
+          </a:p>
+          <a:p>
+            <a:r>
+              <a:rPr lang="zh-CN" altLang="en-US" dirty="0" smtClean="0"/>
+              <a:t>赋值时，使用</a:t>
+            </a:r>
+            <a:r>
+              <a:rPr lang="en-US" altLang="zh-CN" dirty="0" smtClean="0"/>
+              <a:t>&lt;- </a:t>
+            </a:r>
+            <a:r>
+              <a:rPr lang="zh-CN" altLang="en-US" dirty="0" smtClean="0"/>
+              <a:t>而不是 </a:t>
+            </a:r>
+            <a:r>
+              <a:rPr lang="en-US" altLang="zh-CN" dirty="0" smtClean="0"/>
+              <a:t>=</a:t>
+            </a:r>
+            <a:endParaRPr lang="zh-CN" altLang="en-US" dirty="0"/>
+          </a:p>
+        </p:txBody>
+      </p:sp>
+    </p:spTree>
+    <p:extLst>
+      <p:ext uri="{BB962C8B-B14F-4D97-AF65-F5344CB8AC3E}">
+        <p14:creationId xmlns:p14="http://schemas.microsoft.com/office/powerpoint/2010/main" val="2617200118"/>
+      </p:ext>
+    </p:extLst>
+  </p:cSld>
+  <p:clrMapOvr>
+    <a:masterClrMapping/>
+  </p:clrMapOvr>
+  <p:timing>
+    <p:tnLst>
+      <p:par>
+        <p:cTn id="1" dur="indefinite" restart="never" nodeType="tmRoot"/>
+      </p:par>
+    </p:tnLst>
+  </p:timing>
+</p:sld>
+</file>
+
+<file path=ppt/slides/slide21.xml><?xml version="1.0" encoding="utf-8"?>
 <p:sld xmlns:a="http://schemas.openxmlformats.org/drawingml/2006/main" xmlns:r="http://schemas.openxmlformats.org/officeDocument/2006/relationships" xmlns:p="http://schemas.openxmlformats.org/presentationml/2006/main">
   <p:cSld>
     <p:spTree>
@@ -17720,14 +20017,16 @@
         </p:nvSpPr>
         <p:spPr/>
         <p:txBody>
-          <a:bodyPr/>
+          <a:bodyPr>
+            <a:normAutofit/>
+          </a:bodyPr>
           <a:lstStyle/>
           <a:p>
             <a:r>
-              <a:rPr lang="zh-CN" altLang="en-US" dirty="0" smtClean="0"/>
+              <a:rPr lang="zh-CN" altLang="en-US" sz="3600" dirty="0" smtClean="0"/>
               <a:t>函数格式</a:t>
             </a:r>
-            <a:endParaRPr lang="zh-CN" altLang="en-US" dirty="0"/>
+            <a:endParaRPr lang="zh-CN" altLang="en-US" sz="3600" dirty="0"/>
           </a:p>
         </p:txBody>
       </p:sp>
@@ -17747,8 +20046,12 @@
           <a:lstStyle/>
           <a:p>
             <a:r>
+              <a:rPr lang="zh-CN" altLang="en-US" smtClean="0"/>
+              <a:t>函数一般形式：前缀</a:t>
+            </a:r>
+            <a:r>
               <a:rPr lang="zh-CN" altLang="en-US" dirty="0" smtClean="0"/>
-              <a:t>前缀函数</a:t>
+              <a:t>函数</a:t>
             </a:r>
             <a:endParaRPr lang="en-US" altLang="zh-CN" dirty="0" smtClean="0"/>
           </a:p>
@@ -17997,14 +20300,16 @@
         </p:nvSpPr>
         <p:spPr/>
         <p:txBody>
-          <a:bodyPr/>
+          <a:bodyPr>
+            <a:normAutofit/>
+          </a:bodyPr>
           <a:lstStyle/>
           <a:p>
             <a:r>
-              <a:rPr lang="zh-CN" altLang="en-US" dirty="0" smtClean="0"/>
+              <a:rPr lang="zh-CN" altLang="en-US" sz="3600" dirty="0" smtClean="0"/>
               <a:t>继续问题</a:t>
             </a:r>
-            <a:endParaRPr lang="zh-CN" altLang="en-US" dirty="0"/>
+            <a:endParaRPr lang="zh-CN" altLang="en-US" sz="3600" dirty="0"/>
           </a:p>
         </p:txBody>
       </p:sp>
@@ -18930,14 +21235,16 @@
         </p:nvSpPr>
         <p:spPr/>
         <p:txBody>
-          <a:bodyPr/>
+          <a:bodyPr>
+            <a:normAutofit/>
+          </a:bodyPr>
           <a:lstStyle/>
           <a:p>
             <a:r>
-              <a:rPr lang="zh-CN" altLang="en-US" dirty="0" smtClean="0"/>
+              <a:rPr lang="zh-CN" altLang="en-US" sz="3600" dirty="0" smtClean="0"/>
               <a:t>泛函</a:t>
             </a:r>
-            <a:endParaRPr lang="zh-CN" altLang="en-US" dirty="0"/>
+            <a:endParaRPr lang="zh-CN" altLang="en-US" sz="3600" dirty="0"/>
           </a:p>
         </p:txBody>
       </p:sp>

--- a/数据分析-6-函数式编程.pptx
+++ b/数据分析-6-函数式编程.pptx
@@ -1717,1647 +1717,6 @@
       <dsp:cNvGrpSpPr/>
     </dsp:nvGrpSpPr>
     <dsp:grpSpPr/>
-    <dsp:sp modelId="{49A8E1D4-A5F5-4139-B2BA-E1C844333F9B}">
-      <dsp:nvSpPr>
-        <dsp:cNvPr id="0" name=""/>
-        <dsp:cNvSpPr/>
-      </dsp:nvSpPr>
-      <dsp:spPr>
-        <a:xfrm>
-          <a:off x="7504509" y="2379951"/>
-          <a:ext cx="1701775" cy="404945"/>
-        </a:xfrm>
-        <a:custGeom>
-          <a:avLst/>
-          <a:gdLst/>
-          <a:ahLst/>
-          <a:cxnLst/>
-          <a:rect l="0" t="0" r="0" b="0"/>
-          <a:pathLst>
-            <a:path>
-              <a:moveTo>
-                <a:pt x="0" y="0"/>
-              </a:moveTo>
-              <a:lnTo>
-                <a:pt x="0" y="275958"/>
-              </a:lnTo>
-              <a:lnTo>
-                <a:pt x="1701775" y="275958"/>
-              </a:lnTo>
-              <a:lnTo>
-                <a:pt x="1701775" y="404945"/>
-              </a:lnTo>
-            </a:path>
-          </a:pathLst>
-        </a:custGeom>
-        <a:noFill/>
-        <a:ln w="15875" cap="flat" cmpd="sng" algn="ctr">
-          <a:solidFill>
-            <a:schemeClr val="accent1">
-              <a:shade val="80000"/>
-              <a:hueOff val="0"/>
-              <a:satOff val="0"/>
-              <a:lumOff val="0"/>
-              <a:alphaOff val="0"/>
-            </a:schemeClr>
-          </a:solidFill>
-          <a:prstDash val="solid"/>
-        </a:ln>
-        <a:effectLst/>
-      </dsp:spPr>
-      <dsp:style>
-        <a:lnRef idx="2">
-          <a:scrgbClr r="0" g="0" b="0"/>
-        </a:lnRef>
-        <a:fillRef idx="0">
-          <a:scrgbClr r="0" g="0" b="0"/>
-        </a:fillRef>
-        <a:effectRef idx="0">
-          <a:scrgbClr r="0" g="0" b="0"/>
-        </a:effectRef>
-        <a:fontRef idx="minor"/>
-      </dsp:style>
-    </dsp:sp>
-    <dsp:sp modelId="{1B594CC3-BF2A-414B-B7A1-367779AEDFF3}">
-      <dsp:nvSpPr>
-        <dsp:cNvPr id="0" name=""/>
-        <dsp:cNvSpPr/>
-      </dsp:nvSpPr>
-      <dsp:spPr>
-        <a:xfrm>
-          <a:off x="7458789" y="2379951"/>
-          <a:ext cx="91440" cy="404945"/>
-        </a:xfrm>
-        <a:custGeom>
-          <a:avLst/>
-          <a:gdLst/>
-          <a:ahLst/>
-          <a:cxnLst/>
-          <a:rect l="0" t="0" r="0" b="0"/>
-          <a:pathLst>
-            <a:path>
-              <a:moveTo>
-                <a:pt x="45720" y="0"/>
-              </a:moveTo>
-              <a:lnTo>
-                <a:pt x="45720" y="404945"/>
-              </a:lnTo>
-            </a:path>
-          </a:pathLst>
-        </a:custGeom>
-        <a:noFill/>
-        <a:ln w="15875" cap="flat" cmpd="sng" algn="ctr">
-          <a:solidFill>
-            <a:schemeClr val="accent1">
-              <a:shade val="80000"/>
-              <a:hueOff val="0"/>
-              <a:satOff val="0"/>
-              <a:lumOff val="0"/>
-              <a:alphaOff val="0"/>
-            </a:schemeClr>
-          </a:solidFill>
-          <a:prstDash val="solid"/>
-        </a:ln>
-        <a:effectLst/>
-      </dsp:spPr>
-      <dsp:style>
-        <a:lnRef idx="2">
-          <a:scrgbClr r="0" g="0" b="0"/>
-        </a:lnRef>
-        <a:fillRef idx="0">
-          <a:scrgbClr r="0" g="0" b="0"/>
-        </a:fillRef>
-        <a:effectRef idx="0">
-          <a:scrgbClr r="0" g="0" b="0"/>
-        </a:effectRef>
-        <a:fontRef idx="minor"/>
-      </dsp:style>
-    </dsp:sp>
-    <dsp:sp modelId="{D1782340-871D-461F-AB1B-B7216D67B379}">
-      <dsp:nvSpPr>
-        <dsp:cNvPr id="0" name=""/>
-        <dsp:cNvSpPr/>
-      </dsp:nvSpPr>
-      <dsp:spPr>
-        <a:xfrm>
-          <a:off x="5802734" y="2379951"/>
-          <a:ext cx="1701775" cy="404945"/>
-        </a:xfrm>
-        <a:custGeom>
-          <a:avLst/>
-          <a:gdLst/>
-          <a:ahLst/>
-          <a:cxnLst/>
-          <a:rect l="0" t="0" r="0" b="0"/>
-          <a:pathLst>
-            <a:path>
-              <a:moveTo>
-                <a:pt x="1701775" y="0"/>
-              </a:moveTo>
-              <a:lnTo>
-                <a:pt x="1701775" y="275958"/>
-              </a:lnTo>
-              <a:lnTo>
-                <a:pt x="0" y="275958"/>
-              </a:lnTo>
-              <a:lnTo>
-                <a:pt x="0" y="404945"/>
-              </a:lnTo>
-            </a:path>
-          </a:pathLst>
-        </a:custGeom>
-        <a:noFill/>
-        <a:ln w="15875" cap="flat" cmpd="sng" algn="ctr">
-          <a:solidFill>
-            <a:schemeClr val="accent1">
-              <a:shade val="80000"/>
-              <a:hueOff val="0"/>
-              <a:satOff val="0"/>
-              <a:lumOff val="0"/>
-              <a:alphaOff val="0"/>
-            </a:schemeClr>
-          </a:solidFill>
-          <a:prstDash val="solid"/>
-        </a:ln>
-        <a:effectLst/>
-      </dsp:spPr>
-      <dsp:style>
-        <a:lnRef idx="2">
-          <a:scrgbClr r="0" g="0" b="0"/>
-        </a:lnRef>
-        <a:fillRef idx="0">
-          <a:scrgbClr r="0" g="0" b="0"/>
-        </a:fillRef>
-        <a:effectRef idx="0">
-          <a:scrgbClr r="0" g="0" b="0"/>
-        </a:effectRef>
-        <a:fontRef idx="minor"/>
-      </dsp:style>
-    </dsp:sp>
-    <dsp:sp modelId="{6920BC64-DB40-4743-BDB5-9FDC7AA659AE}">
-      <dsp:nvSpPr>
-        <dsp:cNvPr id="0" name=""/>
-        <dsp:cNvSpPr/>
-      </dsp:nvSpPr>
-      <dsp:spPr>
-        <a:xfrm>
-          <a:off x="4951846" y="1090856"/>
-          <a:ext cx="2552662" cy="404945"/>
-        </a:xfrm>
-        <a:custGeom>
-          <a:avLst/>
-          <a:gdLst/>
-          <a:ahLst/>
-          <a:cxnLst/>
-          <a:rect l="0" t="0" r="0" b="0"/>
-          <a:pathLst>
-            <a:path>
-              <a:moveTo>
-                <a:pt x="0" y="0"/>
-              </a:moveTo>
-              <a:lnTo>
-                <a:pt x="0" y="275958"/>
-              </a:lnTo>
-              <a:lnTo>
-                <a:pt x="2552662" y="275958"/>
-              </a:lnTo>
-              <a:lnTo>
-                <a:pt x="2552662" y="404945"/>
-              </a:lnTo>
-            </a:path>
-          </a:pathLst>
-        </a:custGeom>
-        <a:noFill/>
-        <a:ln w="15875" cap="flat" cmpd="sng" algn="ctr">
-          <a:solidFill>
-            <a:schemeClr val="accent1">
-              <a:shade val="60000"/>
-              <a:hueOff val="0"/>
-              <a:satOff val="0"/>
-              <a:lumOff val="0"/>
-              <a:alphaOff val="0"/>
-            </a:schemeClr>
-          </a:solidFill>
-          <a:prstDash val="solid"/>
-        </a:ln>
-        <a:effectLst/>
-      </dsp:spPr>
-      <dsp:style>
-        <a:lnRef idx="2">
-          <a:scrgbClr r="0" g="0" b="0"/>
-        </a:lnRef>
-        <a:fillRef idx="0">
-          <a:scrgbClr r="0" g="0" b="0"/>
-        </a:fillRef>
-        <a:effectRef idx="0">
-          <a:scrgbClr r="0" g="0" b="0"/>
-        </a:effectRef>
-        <a:fontRef idx="minor"/>
-      </dsp:style>
-    </dsp:sp>
-    <dsp:sp modelId="{9CC53FFE-F887-4A69-8455-8DBB54FAB789}">
-      <dsp:nvSpPr>
-        <dsp:cNvPr id="0" name=""/>
-        <dsp:cNvSpPr/>
-      </dsp:nvSpPr>
-      <dsp:spPr>
-        <a:xfrm>
-          <a:off x="2399183" y="2379951"/>
-          <a:ext cx="1701775" cy="404945"/>
-        </a:xfrm>
-        <a:custGeom>
-          <a:avLst/>
-          <a:gdLst/>
-          <a:ahLst/>
-          <a:cxnLst/>
-          <a:rect l="0" t="0" r="0" b="0"/>
-          <a:pathLst>
-            <a:path>
-              <a:moveTo>
-                <a:pt x="0" y="0"/>
-              </a:moveTo>
-              <a:lnTo>
-                <a:pt x="0" y="275958"/>
-              </a:lnTo>
-              <a:lnTo>
-                <a:pt x="1701775" y="275958"/>
-              </a:lnTo>
-              <a:lnTo>
-                <a:pt x="1701775" y="404945"/>
-              </a:lnTo>
-            </a:path>
-          </a:pathLst>
-        </a:custGeom>
-        <a:noFill/>
-        <a:ln w="15875" cap="flat" cmpd="sng" algn="ctr">
-          <a:solidFill>
-            <a:schemeClr val="accent1">
-              <a:shade val="80000"/>
-              <a:hueOff val="0"/>
-              <a:satOff val="0"/>
-              <a:lumOff val="0"/>
-              <a:alphaOff val="0"/>
-            </a:schemeClr>
-          </a:solidFill>
-          <a:prstDash val="solid"/>
-        </a:ln>
-        <a:effectLst/>
-      </dsp:spPr>
-      <dsp:style>
-        <a:lnRef idx="2">
-          <a:scrgbClr r="0" g="0" b="0"/>
-        </a:lnRef>
-        <a:fillRef idx="0">
-          <a:scrgbClr r="0" g="0" b="0"/>
-        </a:fillRef>
-        <a:effectRef idx="0">
-          <a:scrgbClr r="0" g="0" b="0"/>
-        </a:effectRef>
-        <a:fontRef idx="minor"/>
-      </dsp:style>
-    </dsp:sp>
-    <dsp:sp modelId="{041619A4-6C97-412B-8F0F-409B4C84A44D}">
-      <dsp:nvSpPr>
-        <dsp:cNvPr id="0" name=""/>
-        <dsp:cNvSpPr/>
-      </dsp:nvSpPr>
-      <dsp:spPr>
-        <a:xfrm>
-          <a:off x="2353463" y="2379951"/>
-          <a:ext cx="91440" cy="404945"/>
-        </a:xfrm>
-        <a:custGeom>
-          <a:avLst/>
-          <a:gdLst/>
-          <a:ahLst/>
-          <a:cxnLst/>
-          <a:rect l="0" t="0" r="0" b="0"/>
-          <a:pathLst>
-            <a:path>
-              <a:moveTo>
-                <a:pt x="45720" y="0"/>
-              </a:moveTo>
-              <a:lnTo>
-                <a:pt x="45720" y="404945"/>
-              </a:lnTo>
-            </a:path>
-          </a:pathLst>
-        </a:custGeom>
-        <a:noFill/>
-        <a:ln w="15875" cap="flat" cmpd="sng" algn="ctr">
-          <a:solidFill>
-            <a:schemeClr val="accent1">
-              <a:shade val="80000"/>
-              <a:hueOff val="0"/>
-              <a:satOff val="0"/>
-              <a:lumOff val="0"/>
-              <a:alphaOff val="0"/>
-            </a:schemeClr>
-          </a:solidFill>
-          <a:prstDash val="solid"/>
-        </a:ln>
-        <a:effectLst/>
-      </dsp:spPr>
-      <dsp:style>
-        <a:lnRef idx="2">
-          <a:scrgbClr r="0" g="0" b="0"/>
-        </a:lnRef>
-        <a:fillRef idx="0">
-          <a:scrgbClr r="0" g="0" b="0"/>
-        </a:fillRef>
-        <a:effectRef idx="0">
-          <a:scrgbClr r="0" g="0" b="0"/>
-        </a:effectRef>
-        <a:fontRef idx="minor"/>
-      </dsp:style>
-    </dsp:sp>
-    <dsp:sp modelId="{283CF5E8-C5E6-4043-856B-97642C65005D}">
-      <dsp:nvSpPr>
-        <dsp:cNvPr id="0" name=""/>
-        <dsp:cNvSpPr/>
-      </dsp:nvSpPr>
-      <dsp:spPr>
-        <a:xfrm>
-          <a:off x="697408" y="2379951"/>
-          <a:ext cx="1701775" cy="404945"/>
-        </a:xfrm>
-        <a:custGeom>
-          <a:avLst/>
-          <a:gdLst/>
-          <a:ahLst/>
-          <a:cxnLst/>
-          <a:rect l="0" t="0" r="0" b="0"/>
-          <a:pathLst>
-            <a:path>
-              <a:moveTo>
-                <a:pt x="1701775" y="0"/>
-              </a:moveTo>
-              <a:lnTo>
-                <a:pt x="1701775" y="275958"/>
-              </a:lnTo>
-              <a:lnTo>
-                <a:pt x="0" y="275958"/>
-              </a:lnTo>
-              <a:lnTo>
-                <a:pt x="0" y="404945"/>
-              </a:lnTo>
-            </a:path>
-          </a:pathLst>
-        </a:custGeom>
-        <a:noFill/>
-        <a:ln w="15875" cap="flat" cmpd="sng" algn="ctr">
-          <a:solidFill>
-            <a:schemeClr val="accent1">
-              <a:shade val="80000"/>
-              <a:hueOff val="0"/>
-              <a:satOff val="0"/>
-              <a:lumOff val="0"/>
-              <a:alphaOff val="0"/>
-            </a:schemeClr>
-          </a:solidFill>
-          <a:prstDash val="solid"/>
-        </a:ln>
-        <a:effectLst/>
-      </dsp:spPr>
-      <dsp:style>
-        <a:lnRef idx="2">
-          <a:scrgbClr r="0" g="0" b="0"/>
-        </a:lnRef>
-        <a:fillRef idx="0">
-          <a:scrgbClr r="0" g="0" b="0"/>
-        </a:fillRef>
-        <a:effectRef idx="0">
-          <a:scrgbClr r="0" g="0" b="0"/>
-        </a:effectRef>
-        <a:fontRef idx="minor"/>
-      </dsp:style>
-    </dsp:sp>
-    <dsp:sp modelId="{291C89B7-21A2-47BF-8B04-2AE7130D0A9D}">
-      <dsp:nvSpPr>
-        <dsp:cNvPr id="0" name=""/>
-        <dsp:cNvSpPr/>
-      </dsp:nvSpPr>
-      <dsp:spPr>
-        <a:xfrm>
-          <a:off x="2399183" y="1090856"/>
-          <a:ext cx="2552662" cy="404945"/>
-        </a:xfrm>
-        <a:custGeom>
-          <a:avLst/>
-          <a:gdLst/>
-          <a:ahLst/>
-          <a:cxnLst/>
-          <a:rect l="0" t="0" r="0" b="0"/>
-          <a:pathLst>
-            <a:path>
-              <a:moveTo>
-                <a:pt x="2552662" y="0"/>
-              </a:moveTo>
-              <a:lnTo>
-                <a:pt x="2552662" y="275958"/>
-              </a:lnTo>
-              <a:lnTo>
-                <a:pt x="0" y="275958"/>
-              </a:lnTo>
-              <a:lnTo>
-                <a:pt x="0" y="404945"/>
-              </a:lnTo>
-            </a:path>
-          </a:pathLst>
-        </a:custGeom>
-        <a:noFill/>
-        <a:ln w="15875" cap="flat" cmpd="sng" algn="ctr">
-          <a:solidFill>
-            <a:schemeClr val="accent1">
-              <a:shade val="60000"/>
-              <a:hueOff val="0"/>
-              <a:satOff val="0"/>
-              <a:lumOff val="0"/>
-              <a:alphaOff val="0"/>
-            </a:schemeClr>
-          </a:solidFill>
-          <a:prstDash val="solid"/>
-        </a:ln>
-        <a:effectLst/>
-      </dsp:spPr>
-      <dsp:style>
-        <a:lnRef idx="2">
-          <a:scrgbClr r="0" g="0" b="0"/>
-        </a:lnRef>
-        <a:fillRef idx="0">
-          <a:scrgbClr r="0" g="0" b="0"/>
-        </a:fillRef>
-        <a:effectRef idx="0">
-          <a:scrgbClr r="0" g="0" b="0"/>
-        </a:effectRef>
-        <a:fontRef idx="minor"/>
-      </dsp:style>
-    </dsp:sp>
-    <dsp:sp modelId="{08DB0C2C-C015-4531-B8A9-9B9221CC4364}">
-      <dsp:nvSpPr>
-        <dsp:cNvPr id="0" name=""/>
-        <dsp:cNvSpPr/>
-      </dsp:nvSpPr>
-      <dsp:spPr>
-        <a:xfrm>
-          <a:off x="4255665" y="206707"/>
-          <a:ext cx="1392361" cy="884149"/>
-        </a:xfrm>
-        <a:prstGeom prst="roundRect">
-          <a:avLst>
-            <a:gd name="adj" fmla="val 10000"/>
-          </a:avLst>
-        </a:prstGeom>
-        <a:solidFill>
-          <a:schemeClr val="accent1">
-            <a:hueOff val="0"/>
-            <a:satOff val="0"/>
-            <a:lumOff val="0"/>
-            <a:alphaOff val="0"/>
-          </a:schemeClr>
-        </a:solidFill>
-        <a:ln w="15875" cap="flat" cmpd="sng" algn="ctr">
-          <a:solidFill>
-            <a:schemeClr val="lt1">
-              <a:hueOff val="0"/>
-              <a:satOff val="0"/>
-              <a:lumOff val="0"/>
-              <a:alphaOff val="0"/>
-            </a:schemeClr>
-          </a:solidFill>
-          <a:prstDash val="solid"/>
-        </a:ln>
-        <a:effectLst/>
-      </dsp:spPr>
-      <dsp:style>
-        <a:lnRef idx="2">
-          <a:scrgbClr r="0" g="0" b="0"/>
-        </a:lnRef>
-        <a:fillRef idx="1">
-          <a:scrgbClr r="0" g="0" b="0"/>
-        </a:fillRef>
-        <a:effectRef idx="0">
-          <a:scrgbClr r="0" g="0" b="0"/>
-        </a:effectRef>
-        <a:fontRef idx="minor">
-          <a:schemeClr val="lt1"/>
-        </a:fontRef>
-      </dsp:style>
-    </dsp:sp>
-    <dsp:sp modelId="{6C92B18F-3A0A-4E28-87D8-8953FBD26315}">
-      <dsp:nvSpPr>
-        <dsp:cNvPr id="0" name=""/>
-        <dsp:cNvSpPr/>
-      </dsp:nvSpPr>
-      <dsp:spPr>
-        <a:xfrm>
-          <a:off x="4410372" y="353678"/>
-          <a:ext cx="1392361" cy="884149"/>
-        </a:xfrm>
-        <a:prstGeom prst="roundRect">
-          <a:avLst>
-            <a:gd name="adj" fmla="val 10000"/>
-          </a:avLst>
-        </a:prstGeom>
-        <a:solidFill>
-          <a:schemeClr val="lt1">
-            <a:alpha val="90000"/>
-            <a:hueOff val="0"/>
-            <a:satOff val="0"/>
-            <a:lumOff val="0"/>
-            <a:alphaOff val="0"/>
-          </a:schemeClr>
-        </a:solidFill>
-        <a:ln w="15875" cap="flat" cmpd="sng" algn="ctr">
-          <a:solidFill>
-            <a:schemeClr val="accent1">
-              <a:hueOff val="0"/>
-              <a:satOff val="0"/>
-              <a:lumOff val="0"/>
-              <a:alphaOff val="0"/>
-            </a:schemeClr>
-          </a:solidFill>
-          <a:prstDash val="solid"/>
-        </a:ln>
-        <a:effectLst/>
-      </dsp:spPr>
-      <dsp:style>
-        <a:lnRef idx="2">
-          <a:scrgbClr r="0" g="0" b="0"/>
-        </a:lnRef>
-        <a:fillRef idx="1">
-          <a:scrgbClr r="0" g="0" b="0"/>
-        </a:fillRef>
-        <a:effectRef idx="0">
-          <a:scrgbClr r="0" g="0" b="0"/>
-        </a:effectRef>
-        <a:fontRef idx="minor"/>
-      </dsp:style>
-      <dsp:txBody>
-        <a:bodyPr spcFirstLastPara="0" vert="horz" wrap="square" lIns="83820" tIns="83820" rIns="83820" bIns="83820" numCol="1" spcCol="1270" anchor="ctr" anchorCtr="0">
-          <a:noAutofit/>
-        </a:bodyPr>
-        <a:lstStyle/>
-        <a:p>
-          <a:pPr lvl="0" algn="ctr" defTabSz="977900">
-            <a:lnSpc>
-              <a:spcPct val="90000"/>
-            </a:lnSpc>
-            <a:spcBef>
-              <a:spcPct val="0"/>
-            </a:spcBef>
-            <a:spcAft>
-              <a:spcPct val="35000"/>
-            </a:spcAft>
-          </a:pPr>
-          <a:r>
-            <a:rPr lang="zh-CN" altLang="en-US" sz="2200" kern="1200" smtClean="0"/>
-            <a:t>混合数据编程方式</a:t>
-          </a:r>
-          <a:endParaRPr lang="zh-CN" altLang="en-US" sz="2200" kern="1200"/>
-        </a:p>
-      </dsp:txBody>
-      <dsp:txXfrm>
-        <a:off x="4436268" y="379574"/>
-        <a:ext cx="1340569" cy="832357"/>
-      </dsp:txXfrm>
-    </dsp:sp>
-    <dsp:sp modelId="{9139C9BB-DC75-479F-A1D1-2DB982CC54D4}">
-      <dsp:nvSpPr>
-        <dsp:cNvPr id="0" name=""/>
-        <dsp:cNvSpPr/>
-      </dsp:nvSpPr>
-      <dsp:spPr>
-        <a:xfrm>
-          <a:off x="1703003" y="1495801"/>
-          <a:ext cx="1392361" cy="884149"/>
-        </a:xfrm>
-        <a:prstGeom prst="roundRect">
-          <a:avLst>
-            <a:gd name="adj" fmla="val 10000"/>
-          </a:avLst>
-        </a:prstGeom>
-        <a:solidFill>
-          <a:schemeClr val="accent1">
-            <a:hueOff val="0"/>
-            <a:satOff val="0"/>
-            <a:lumOff val="0"/>
-            <a:alphaOff val="0"/>
-          </a:schemeClr>
-        </a:solidFill>
-        <a:ln w="15875" cap="flat" cmpd="sng" algn="ctr">
-          <a:solidFill>
-            <a:schemeClr val="lt1">
-              <a:hueOff val="0"/>
-              <a:satOff val="0"/>
-              <a:lumOff val="0"/>
-              <a:alphaOff val="0"/>
-            </a:schemeClr>
-          </a:solidFill>
-          <a:prstDash val="solid"/>
-        </a:ln>
-        <a:effectLst/>
-      </dsp:spPr>
-      <dsp:style>
-        <a:lnRef idx="2">
-          <a:scrgbClr r="0" g="0" b="0"/>
-        </a:lnRef>
-        <a:fillRef idx="1">
-          <a:scrgbClr r="0" g="0" b="0"/>
-        </a:fillRef>
-        <a:effectRef idx="0">
-          <a:scrgbClr r="0" g="0" b="0"/>
-        </a:effectRef>
-        <a:fontRef idx="minor">
-          <a:schemeClr val="lt1"/>
-        </a:fontRef>
-      </dsp:style>
-    </dsp:sp>
-    <dsp:sp modelId="{73F4EC01-798A-4637-B5FE-4FE3D9CB6F39}">
-      <dsp:nvSpPr>
-        <dsp:cNvPr id="0" name=""/>
-        <dsp:cNvSpPr/>
-      </dsp:nvSpPr>
-      <dsp:spPr>
-        <a:xfrm>
-          <a:off x="1857709" y="1642773"/>
-          <a:ext cx="1392361" cy="884149"/>
-        </a:xfrm>
-        <a:prstGeom prst="roundRect">
-          <a:avLst>
-            <a:gd name="adj" fmla="val 10000"/>
-          </a:avLst>
-        </a:prstGeom>
-        <a:solidFill>
-          <a:schemeClr val="lt1">
-            <a:alpha val="90000"/>
-            <a:hueOff val="0"/>
-            <a:satOff val="0"/>
-            <a:lumOff val="0"/>
-            <a:alphaOff val="0"/>
-          </a:schemeClr>
-        </a:solidFill>
-        <a:ln w="15875" cap="flat" cmpd="sng" algn="ctr">
-          <a:solidFill>
-            <a:schemeClr val="accent1">
-              <a:hueOff val="0"/>
-              <a:satOff val="0"/>
-              <a:lumOff val="0"/>
-              <a:alphaOff val="0"/>
-            </a:schemeClr>
-          </a:solidFill>
-          <a:prstDash val="solid"/>
-        </a:ln>
-        <a:effectLst/>
-      </dsp:spPr>
-      <dsp:style>
-        <a:lnRef idx="2">
-          <a:scrgbClr r="0" g="0" b="0"/>
-        </a:lnRef>
-        <a:fillRef idx="1">
-          <a:scrgbClr r="0" g="0" b="0"/>
-        </a:fillRef>
-        <a:effectRef idx="0">
-          <a:scrgbClr r="0" g="0" b="0"/>
-        </a:effectRef>
-        <a:fontRef idx="minor"/>
-      </dsp:style>
-      <dsp:txBody>
-        <a:bodyPr spcFirstLastPara="0" vert="horz" wrap="square" lIns="83820" tIns="83820" rIns="83820" bIns="83820" numCol="1" spcCol="1270" anchor="ctr" anchorCtr="0">
-          <a:noAutofit/>
-        </a:bodyPr>
-        <a:lstStyle/>
-        <a:p>
-          <a:pPr lvl="0" algn="ctr" defTabSz="977900">
-            <a:lnSpc>
-              <a:spcPct val="90000"/>
-            </a:lnSpc>
-            <a:spcBef>
-              <a:spcPct val="0"/>
-            </a:spcBef>
-            <a:spcAft>
-              <a:spcPct val="35000"/>
-            </a:spcAft>
-          </a:pPr>
-          <a:r>
-            <a:rPr lang="zh-CN" altLang="en-US" sz="2200" kern="1200" smtClean="0"/>
-            <a:t>函数式</a:t>
-          </a:r>
-          <a:endParaRPr lang="zh-CN" altLang="en-US" sz="2200" kern="1200"/>
-        </a:p>
-      </dsp:txBody>
-      <dsp:txXfrm>
-        <a:off x="1883605" y="1668669"/>
-        <a:ext cx="1340569" cy="832357"/>
-      </dsp:txXfrm>
-    </dsp:sp>
-    <dsp:sp modelId="{94F8737E-198A-4A81-952A-0633FC82A54E}">
-      <dsp:nvSpPr>
-        <dsp:cNvPr id="0" name=""/>
-        <dsp:cNvSpPr/>
-      </dsp:nvSpPr>
-      <dsp:spPr>
-        <a:xfrm>
-          <a:off x="1227" y="2784896"/>
-          <a:ext cx="1392361" cy="884149"/>
-        </a:xfrm>
-        <a:prstGeom prst="roundRect">
-          <a:avLst>
-            <a:gd name="adj" fmla="val 10000"/>
-          </a:avLst>
-        </a:prstGeom>
-        <a:solidFill>
-          <a:schemeClr val="accent1">
-            <a:hueOff val="0"/>
-            <a:satOff val="0"/>
-            <a:lumOff val="0"/>
-            <a:alphaOff val="0"/>
-          </a:schemeClr>
-        </a:solidFill>
-        <a:ln w="15875" cap="flat" cmpd="sng" algn="ctr">
-          <a:solidFill>
-            <a:schemeClr val="lt1">
-              <a:hueOff val="0"/>
-              <a:satOff val="0"/>
-              <a:lumOff val="0"/>
-              <a:alphaOff val="0"/>
-            </a:schemeClr>
-          </a:solidFill>
-          <a:prstDash val="solid"/>
-        </a:ln>
-        <a:effectLst/>
-      </dsp:spPr>
-      <dsp:style>
-        <a:lnRef idx="2">
-          <a:scrgbClr r="0" g="0" b="0"/>
-        </a:lnRef>
-        <a:fillRef idx="1">
-          <a:scrgbClr r="0" g="0" b="0"/>
-        </a:fillRef>
-        <a:effectRef idx="0">
-          <a:scrgbClr r="0" g="0" b="0"/>
-        </a:effectRef>
-        <a:fontRef idx="minor">
-          <a:schemeClr val="lt1"/>
-        </a:fontRef>
-      </dsp:style>
-    </dsp:sp>
-    <dsp:sp modelId="{B125767B-C0C7-4A13-B118-CE15AF389477}">
-      <dsp:nvSpPr>
-        <dsp:cNvPr id="0" name=""/>
-        <dsp:cNvSpPr/>
-      </dsp:nvSpPr>
-      <dsp:spPr>
-        <a:xfrm>
-          <a:off x="155934" y="2931868"/>
-          <a:ext cx="1392361" cy="884149"/>
-        </a:xfrm>
-        <a:prstGeom prst="roundRect">
-          <a:avLst>
-            <a:gd name="adj" fmla="val 10000"/>
-          </a:avLst>
-        </a:prstGeom>
-        <a:solidFill>
-          <a:schemeClr val="lt1">
-            <a:alpha val="90000"/>
-            <a:hueOff val="0"/>
-            <a:satOff val="0"/>
-            <a:lumOff val="0"/>
-            <a:alphaOff val="0"/>
-          </a:schemeClr>
-        </a:solidFill>
-        <a:ln w="15875" cap="flat" cmpd="sng" algn="ctr">
-          <a:solidFill>
-            <a:schemeClr val="accent1">
-              <a:hueOff val="0"/>
-              <a:satOff val="0"/>
-              <a:lumOff val="0"/>
-              <a:alphaOff val="0"/>
-            </a:schemeClr>
-          </a:solidFill>
-          <a:prstDash val="solid"/>
-        </a:ln>
-        <a:effectLst/>
-      </dsp:spPr>
-      <dsp:style>
-        <a:lnRef idx="2">
-          <a:scrgbClr r="0" g="0" b="0"/>
-        </a:lnRef>
-        <a:fillRef idx="1">
-          <a:scrgbClr r="0" g="0" b="0"/>
-        </a:fillRef>
-        <a:effectRef idx="0">
-          <a:scrgbClr r="0" g="0" b="0"/>
-        </a:effectRef>
-        <a:fontRef idx="minor"/>
-      </dsp:style>
-      <dsp:txBody>
-        <a:bodyPr spcFirstLastPara="0" vert="horz" wrap="square" lIns="83820" tIns="83820" rIns="83820" bIns="83820" numCol="1" spcCol="1270" anchor="ctr" anchorCtr="0">
-          <a:noAutofit/>
-        </a:bodyPr>
-        <a:lstStyle/>
-        <a:p>
-          <a:pPr lvl="0" algn="ctr" defTabSz="977900">
-            <a:lnSpc>
-              <a:spcPct val="90000"/>
-            </a:lnSpc>
-            <a:spcBef>
-              <a:spcPct val="0"/>
-            </a:spcBef>
-            <a:spcAft>
-              <a:spcPct val="35000"/>
-            </a:spcAft>
-          </a:pPr>
-          <a:r>
-            <a:rPr lang="zh-CN" altLang="en-US" sz="2200" kern="1200" smtClean="0"/>
-            <a:t>函数</a:t>
-          </a:r>
-          <a:endParaRPr lang="zh-CN" altLang="en-US" sz="2200" kern="1200"/>
-        </a:p>
-      </dsp:txBody>
-      <dsp:txXfrm>
-        <a:off x="181830" y="2957764"/>
-        <a:ext cx="1340569" cy="832357"/>
-      </dsp:txXfrm>
-    </dsp:sp>
-    <dsp:sp modelId="{09A485EE-8553-40FE-BC9C-4C8BD55BBEC2}">
-      <dsp:nvSpPr>
-        <dsp:cNvPr id="0" name=""/>
-        <dsp:cNvSpPr/>
-      </dsp:nvSpPr>
-      <dsp:spPr>
-        <a:xfrm>
-          <a:off x="1703003" y="2784896"/>
-          <a:ext cx="1392361" cy="884149"/>
-        </a:xfrm>
-        <a:prstGeom prst="roundRect">
-          <a:avLst>
-            <a:gd name="adj" fmla="val 10000"/>
-          </a:avLst>
-        </a:prstGeom>
-        <a:solidFill>
-          <a:schemeClr val="accent1">
-            <a:hueOff val="0"/>
-            <a:satOff val="0"/>
-            <a:lumOff val="0"/>
-            <a:alphaOff val="0"/>
-          </a:schemeClr>
-        </a:solidFill>
-        <a:ln w="15875" cap="flat" cmpd="sng" algn="ctr">
-          <a:solidFill>
-            <a:schemeClr val="lt1">
-              <a:hueOff val="0"/>
-              <a:satOff val="0"/>
-              <a:lumOff val="0"/>
-              <a:alphaOff val="0"/>
-            </a:schemeClr>
-          </a:solidFill>
-          <a:prstDash val="solid"/>
-        </a:ln>
-        <a:effectLst/>
-      </dsp:spPr>
-      <dsp:style>
-        <a:lnRef idx="2">
-          <a:scrgbClr r="0" g="0" b="0"/>
-        </a:lnRef>
-        <a:fillRef idx="1">
-          <a:scrgbClr r="0" g="0" b="0"/>
-        </a:fillRef>
-        <a:effectRef idx="0">
-          <a:scrgbClr r="0" g="0" b="0"/>
-        </a:effectRef>
-        <a:fontRef idx="minor">
-          <a:schemeClr val="lt1"/>
-        </a:fontRef>
-      </dsp:style>
-    </dsp:sp>
-    <dsp:sp modelId="{775DC000-187B-48F1-AC35-0EF7FB7B3250}">
-      <dsp:nvSpPr>
-        <dsp:cNvPr id="0" name=""/>
-        <dsp:cNvSpPr/>
-      </dsp:nvSpPr>
-      <dsp:spPr>
-        <a:xfrm>
-          <a:off x="1857709" y="2931868"/>
-          <a:ext cx="1392361" cy="884149"/>
-        </a:xfrm>
-        <a:prstGeom prst="roundRect">
-          <a:avLst>
-            <a:gd name="adj" fmla="val 10000"/>
-          </a:avLst>
-        </a:prstGeom>
-        <a:solidFill>
-          <a:schemeClr val="lt1">
-            <a:alpha val="90000"/>
-            <a:hueOff val="0"/>
-            <a:satOff val="0"/>
-            <a:lumOff val="0"/>
-            <a:alphaOff val="0"/>
-          </a:schemeClr>
-        </a:solidFill>
-        <a:ln w="15875" cap="flat" cmpd="sng" algn="ctr">
-          <a:solidFill>
-            <a:schemeClr val="accent1">
-              <a:hueOff val="0"/>
-              <a:satOff val="0"/>
-              <a:lumOff val="0"/>
-              <a:alphaOff val="0"/>
-            </a:schemeClr>
-          </a:solidFill>
-          <a:prstDash val="solid"/>
-        </a:ln>
-        <a:effectLst/>
-      </dsp:spPr>
-      <dsp:style>
-        <a:lnRef idx="2">
-          <a:scrgbClr r="0" g="0" b="0"/>
-        </a:lnRef>
-        <a:fillRef idx="1">
-          <a:scrgbClr r="0" g="0" b="0"/>
-        </a:fillRef>
-        <a:effectRef idx="0">
-          <a:scrgbClr r="0" g="0" b="0"/>
-        </a:effectRef>
-        <a:fontRef idx="minor"/>
-      </dsp:style>
-      <dsp:txBody>
-        <a:bodyPr spcFirstLastPara="0" vert="horz" wrap="square" lIns="83820" tIns="83820" rIns="83820" bIns="83820" numCol="1" spcCol="1270" anchor="ctr" anchorCtr="0">
-          <a:noAutofit/>
-        </a:bodyPr>
-        <a:lstStyle/>
-        <a:p>
-          <a:pPr lvl="0" algn="ctr" defTabSz="977900">
-            <a:lnSpc>
-              <a:spcPct val="90000"/>
-            </a:lnSpc>
-            <a:spcBef>
-              <a:spcPct val="0"/>
-            </a:spcBef>
-            <a:spcAft>
-              <a:spcPct val="35000"/>
-            </a:spcAft>
-          </a:pPr>
-          <a:r>
-            <a:rPr lang="zh-CN" altLang="en-US" sz="2200" kern="1200" smtClean="0"/>
-            <a:t>泛函</a:t>
-          </a:r>
-          <a:endParaRPr lang="zh-CN" altLang="en-US" sz="2200" kern="1200"/>
-        </a:p>
-      </dsp:txBody>
-      <dsp:txXfrm>
-        <a:off x="1883605" y="2957764"/>
-        <a:ext cx="1340569" cy="832357"/>
-      </dsp:txXfrm>
-    </dsp:sp>
-    <dsp:sp modelId="{9D062AAB-EA0F-4C3C-8AC2-7273371083C4}">
-      <dsp:nvSpPr>
-        <dsp:cNvPr id="0" name=""/>
-        <dsp:cNvSpPr/>
-      </dsp:nvSpPr>
-      <dsp:spPr>
-        <a:xfrm>
-          <a:off x="3404778" y="2784896"/>
-          <a:ext cx="1392361" cy="884149"/>
-        </a:xfrm>
-        <a:prstGeom prst="roundRect">
-          <a:avLst>
-            <a:gd name="adj" fmla="val 10000"/>
-          </a:avLst>
-        </a:prstGeom>
-        <a:solidFill>
-          <a:schemeClr val="accent1">
-            <a:hueOff val="0"/>
-            <a:satOff val="0"/>
-            <a:lumOff val="0"/>
-            <a:alphaOff val="0"/>
-          </a:schemeClr>
-        </a:solidFill>
-        <a:ln w="15875" cap="flat" cmpd="sng" algn="ctr">
-          <a:solidFill>
-            <a:schemeClr val="lt1">
-              <a:hueOff val="0"/>
-              <a:satOff val="0"/>
-              <a:lumOff val="0"/>
-              <a:alphaOff val="0"/>
-            </a:schemeClr>
-          </a:solidFill>
-          <a:prstDash val="solid"/>
-        </a:ln>
-        <a:effectLst/>
-      </dsp:spPr>
-      <dsp:style>
-        <a:lnRef idx="2">
-          <a:scrgbClr r="0" g="0" b="0"/>
-        </a:lnRef>
-        <a:fillRef idx="1">
-          <a:scrgbClr r="0" g="0" b="0"/>
-        </a:fillRef>
-        <a:effectRef idx="0">
-          <a:scrgbClr r="0" g="0" b="0"/>
-        </a:effectRef>
-        <a:fontRef idx="minor">
-          <a:schemeClr val="lt1"/>
-        </a:fontRef>
-      </dsp:style>
-    </dsp:sp>
-    <dsp:sp modelId="{7163A25F-F592-4621-BA9E-A111D1E2F38E}">
-      <dsp:nvSpPr>
-        <dsp:cNvPr id="0" name=""/>
-        <dsp:cNvSpPr/>
-      </dsp:nvSpPr>
-      <dsp:spPr>
-        <a:xfrm>
-          <a:off x="3559485" y="2931868"/>
-          <a:ext cx="1392361" cy="884149"/>
-        </a:xfrm>
-        <a:prstGeom prst="roundRect">
-          <a:avLst>
-            <a:gd name="adj" fmla="val 10000"/>
-          </a:avLst>
-        </a:prstGeom>
-        <a:solidFill>
-          <a:schemeClr val="lt1">
-            <a:alpha val="90000"/>
-            <a:hueOff val="0"/>
-            <a:satOff val="0"/>
-            <a:lumOff val="0"/>
-            <a:alphaOff val="0"/>
-          </a:schemeClr>
-        </a:solidFill>
-        <a:ln w="15875" cap="flat" cmpd="sng" algn="ctr">
-          <a:solidFill>
-            <a:schemeClr val="accent1">
-              <a:hueOff val="0"/>
-              <a:satOff val="0"/>
-              <a:lumOff val="0"/>
-              <a:alphaOff val="0"/>
-            </a:schemeClr>
-          </a:solidFill>
-          <a:prstDash val="solid"/>
-        </a:ln>
-        <a:effectLst/>
-      </dsp:spPr>
-      <dsp:style>
-        <a:lnRef idx="2">
-          <a:scrgbClr r="0" g="0" b="0"/>
-        </a:lnRef>
-        <a:fillRef idx="1">
-          <a:scrgbClr r="0" g="0" b="0"/>
-        </a:fillRef>
-        <a:effectRef idx="0">
-          <a:scrgbClr r="0" g="0" b="0"/>
-        </a:effectRef>
-        <a:fontRef idx="minor"/>
-      </dsp:style>
-      <dsp:txBody>
-        <a:bodyPr spcFirstLastPara="0" vert="horz" wrap="square" lIns="83820" tIns="83820" rIns="83820" bIns="83820" numCol="1" spcCol="1270" anchor="ctr" anchorCtr="0">
-          <a:noAutofit/>
-        </a:bodyPr>
-        <a:lstStyle/>
-        <a:p>
-          <a:pPr lvl="0" algn="ctr" defTabSz="977900">
-            <a:lnSpc>
-              <a:spcPct val="90000"/>
-            </a:lnSpc>
-            <a:spcBef>
-              <a:spcPct val="0"/>
-            </a:spcBef>
-            <a:spcAft>
-              <a:spcPct val="35000"/>
-            </a:spcAft>
-          </a:pPr>
-          <a:r>
-            <a:rPr lang="zh-CN" altLang="en-US" sz="2200" kern="1200" smtClean="0"/>
-            <a:t>闭包</a:t>
-          </a:r>
-          <a:endParaRPr lang="zh-CN" altLang="en-US" sz="2200" kern="1200"/>
-        </a:p>
-      </dsp:txBody>
-      <dsp:txXfrm>
-        <a:off x="3585381" y="2957764"/>
-        <a:ext cx="1340569" cy="832357"/>
-      </dsp:txXfrm>
-    </dsp:sp>
-    <dsp:sp modelId="{92C6EB0C-2DE8-4034-85A5-A97A12E783D2}">
-      <dsp:nvSpPr>
-        <dsp:cNvPr id="0" name=""/>
-        <dsp:cNvSpPr/>
-      </dsp:nvSpPr>
-      <dsp:spPr>
-        <a:xfrm>
-          <a:off x="6808328" y="1495801"/>
-          <a:ext cx="1392361" cy="884149"/>
-        </a:xfrm>
-        <a:prstGeom prst="roundRect">
-          <a:avLst>
-            <a:gd name="adj" fmla="val 10000"/>
-          </a:avLst>
-        </a:prstGeom>
-        <a:solidFill>
-          <a:schemeClr val="accent1">
-            <a:hueOff val="0"/>
-            <a:satOff val="0"/>
-            <a:lumOff val="0"/>
-            <a:alphaOff val="0"/>
-          </a:schemeClr>
-        </a:solidFill>
-        <a:ln w="15875" cap="flat" cmpd="sng" algn="ctr">
-          <a:solidFill>
-            <a:schemeClr val="lt1">
-              <a:hueOff val="0"/>
-              <a:satOff val="0"/>
-              <a:lumOff val="0"/>
-              <a:alphaOff val="0"/>
-            </a:schemeClr>
-          </a:solidFill>
-          <a:prstDash val="solid"/>
-        </a:ln>
-        <a:effectLst/>
-      </dsp:spPr>
-      <dsp:style>
-        <a:lnRef idx="2">
-          <a:scrgbClr r="0" g="0" b="0"/>
-        </a:lnRef>
-        <a:fillRef idx="1">
-          <a:scrgbClr r="0" g="0" b="0"/>
-        </a:fillRef>
-        <a:effectRef idx="0">
-          <a:scrgbClr r="0" g="0" b="0"/>
-        </a:effectRef>
-        <a:fontRef idx="minor">
-          <a:schemeClr val="lt1"/>
-        </a:fontRef>
-      </dsp:style>
-    </dsp:sp>
-    <dsp:sp modelId="{68765DAB-AE48-4124-82B0-6D096E18AFC5}">
-      <dsp:nvSpPr>
-        <dsp:cNvPr id="0" name=""/>
-        <dsp:cNvSpPr/>
-      </dsp:nvSpPr>
-      <dsp:spPr>
-        <a:xfrm>
-          <a:off x="6963035" y="1642773"/>
-          <a:ext cx="1392361" cy="884149"/>
-        </a:xfrm>
-        <a:prstGeom prst="roundRect">
-          <a:avLst>
-            <a:gd name="adj" fmla="val 10000"/>
-          </a:avLst>
-        </a:prstGeom>
-        <a:solidFill>
-          <a:schemeClr val="lt1">
-            <a:alpha val="90000"/>
-            <a:hueOff val="0"/>
-            <a:satOff val="0"/>
-            <a:lumOff val="0"/>
-            <a:alphaOff val="0"/>
-          </a:schemeClr>
-        </a:solidFill>
-        <a:ln w="15875" cap="flat" cmpd="sng" algn="ctr">
-          <a:solidFill>
-            <a:schemeClr val="accent1">
-              <a:hueOff val="0"/>
-              <a:satOff val="0"/>
-              <a:lumOff val="0"/>
-              <a:alphaOff val="0"/>
-            </a:schemeClr>
-          </a:solidFill>
-          <a:prstDash val="solid"/>
-        </a:ln>
-        <a:effectLst/>
-      </dsp:spPr>
-      <dsp:style>
-        <a:lnRef idx="2">
-          <a:scrgbClr r="0" g="0" b="0"/>
-        </a:lnRef>
-        <a:fillRef idx="1">
-          <a:scrgbClr r="0" g="0" b="0"/>
-        </a:fillRef>
-        <a:effectRef idx="0">
-          <a:scrgbClr r="0" g="0" b="0"/>
-        </a:effectRef>
-        <a:fontRef idx="minor"/>
-      </dsp:style>
-      <dsp:txBody>
-        <a:bodyPr spcFirstLastPara="0" vert="horz" wrap="square" lIns="83820" tIns="83820" rIns="83820" bIns="83820" numCol="1" spcCol="1270" anchor="ctr" anchorCtr="0">
-          <a:noAutofit/>
-        </a:bodyPr>
-        <a:lstStyle/>
-        <a:p>
-          <a:pPr lvl="0" algn="ctr" defTabSz="977900">
-            <a:lnSpc>
-              <a:spcPct val="90000"/>
-            </a:lnSpc>
-            <a:spcBef>
-              <a:spcPct val="0"/>
-            </a:spcBef>
-            <a:spcAft>
-              <a:spcPct val="35000"/>
-            </a:spcAft>
-          </a:pPr>
-          <a:r>
-            <a:rPr lang="zh-CN" altLang="en-US" sz="2200" kern="1200" smtClean="0"/>
-            <a:t>循环式</a:t>
-          </a:r>
-          <a:endParaRPr lang="zh-CN" altLang="en-US" sz="2200" kern="1200"/>
-        </a:p>
-      </dsp:txBody>
-      <dsp:txXfrm>
-        <a:off x="6988931" y="1668669"/>
-        <a:ext cx="1340569" cy="832357"/>
-      </dsp:txXfrm>
-    </dsp:sp>
-    <dsp:sp modelId="{4241E27D-7CE9-4E03-8F56-780A3AF1CA3F}">
-      <dsp:nvSpPr>
-        <dsp:cNvPr id="0" name=""/>
-        <dsp:cNvSpPr/>
-      </dsp:nvSpPr>
-      <dsp:spPr>
-        <a:xfrm>
-          <a:off x="5106553" y="2784896"/>
-          <a:ext cx="1392361" cy="884149"/>
-        </a:xfrm>
-        <a:prstGeom prst="roundRect">
-          <a:avLst>
-            <a:gd name="adj" fmla="val 10000"/>
-          </a:avLst>
-        </a:prstGeom>
-        <a:solidFill>
-          <a:schemeClr val="accent1">
-            <a:hueOff val="0"/>
-            <a:satOff val="0"/>
-            <a:lumOff val="0"/>
-            <a:alphaOff val="0"/>
-          </a:schemeClr>
-        </a:solidFill>
-        <a:ln w="15875" cap="flat" cmpd="sng" algn="ctr">
-          <a:solidFill>
-            <a:schemeClr val="lt1">
-              <a:hueOff val="0"/>
-              <a:satOff val="0"/>
-              <a:lumOff val="0"/>
-              <a:alphaOff val="0"/>
-            </a:schemeClr>
-          </a:solidFill>
-          <a:prstDash val="solid"/>
-        </a:ln>
-        <a:effectLst/>
-      </dsp:spPr>
-      <dsp:style>
-        <a:lnRef idx="2">
-          <a:scrgbClr r="0" g="0" b="0"/>
-        </a:lnRef>
-        <a:fillRef idx="1">
-          <a:scrgbClr r="0" g="0" b="0"/>
-        </a:fillRef>
-        <a:effectRef idx="0">
-          <a:scrgbClr r="0" g="0" b="0"/>
-        </a:effectRef>
-        <a:fontRef idx="minor">
-          <a:schemeClr val="lt1"/>
-        </a:fontRef>
-      </dsp:style>
-    </dsp:sp>
-    <dsp:sp modelId="{35A7BFC3-DC86-4489-B7CE-DD8FF2A87FFF}">
-      <dsp:nvSpPr>
-        <dsp:cNvPr id="0" name=""/>
-        <dsp:cNvSpPr/>
-      </dsp:nvSpPr>
-      <dsp:spPr>
-        <a:xfrm>
-          <a:off x="5261260" y="2931868"/>
-          <a:ext cx="1392361" cy="884149"/>
-        </a:xfrm>
-        <a:prstGeom prst="roundRect">
-          <a:avLst>
-            <a:gd name="adj" fmla="val 10000"/>
-          </a:avLst>
-        </a:prstGeom>
-        <a:solidFill>
-          <a:schemeClr val="lt1">
-            <a:alpha val="90000"/>
-            <a:hueOff val="0"/>
-            <a:satOff val="0"/>
-            <a:lumOff val="0"/>
-            <a:alphaOff val="0"/>
-          </a:schemeClr>
-        </a:solidFill>
-        <a:ln w="15875" cap="flat" cmpd="sng" algn="ctr">
-          <a:solidFill>
-            <a:schemeClr val="accent1">
-              <a:hueOff val="0"/>
-              <a:satOff val="0"/>
-              <a:lumOff val="0"/>
-              <a:alphaOff val="0"/>
-            </a:schemeClr>
-          </a:solidFill>
-          <a:prstDash val="solid"/>
-        </a:ln>
-        <a:effectLst/>
-      </dsp:spPr>
-      <dsp:style>
-        <a:lnRef idx="2">
-          <a:scrgbClr r="0" g="0" b="0"/>
-        </a:lnRef>
-        <a:fillRef idx="1">
-          <a:scrgbClr r="0" g="0" b="0"/>
-        </a:fillRef>
-        <a:effectRef idx="0">
-          <a:scrgbClr r="0" g="0" b="0"/>
-        </a:effectRef>
-        <a:fontRef idx="minor"/>
-      </dsp:style>
-      <dsp:txBody>
-        <a:bodyPr spcFirstLastPara="0" vert="horz" wrap="square" lIns="83820" tIns="83820" rIns="83820" bIns="83820" numCol="1" spcCol="1270" anchor="ctr" anchorCtr="0">
-          <a:noAutofit/>
-        </a:bodyPr>
-        <a:lstStyle/>
-        <a:p>
-          <a:pPr lvl="0" algn="ctr" defTabSz="977900">
-            <a:lnSpc>
-              <a:spcPct val="90000"/>
-            </a:lnSpc>
-            <a:spcBef>
-              <a:spcPct val="0"/>
-            </a:spcBef>
-            <a:spcAft>
-              <a:spcPct val="35000"/>
-            </a:spcAft>
-          </a:pPr>
-          <a:r>
-            <a:rPr lang="zh-CN" altLang="en-US" sz="2200" kern="1200" smtClean="0"/>
-            <a:t>原位循环</a:t>
-          </a:r>
-          <a:endParaRPr lang="zh-CN" altLang="en-US" sz="2200" kern="1200"/>
-        </a:p>
-      </dsp:txBody>
-      <dsp:txXfrm>
-        <a:off x="5287156" y="2957764"/>
-        <a:ext cx="1340569" cy="832357"/>
-      </dsp:txXfrm>
-    </dsp:sp>
-    <dsp:sp modelId="{1B1BB756-B675-4A31-B5AB-4EF60E8F525D}">
-      <dsp:nvSpPr>
-        <dsp:cNvPr id="0" name=""/>
-        <dsp:cNvSpPr/>
-      </dsp:nvSpPr>
-      <dsp:spPr>
-        <a:xfrm>
-          <a:off x="6808328" y="2784896"/>
-          <a:ext cx="1392361" cy="884149"/>
-        </a:xfrm>
-        <a:prstGeom prst="roundRect">
-          <a:avLst>
-            <a:gd name="adj" fmla="val 10000"/>
-          </a:avLst>
-        </a:prstGeom>
-        <a:solidFill>
-          <a:schemeClr val="accent1">
-            <a:hueOff val="0"/>
-            <a:satOff val="0"/>
-            <a:lumOff val="0"/>
-            <a:alphaOff val="0"/>
-          </a:schemeClr>
-        </a:solidFill>
-        <a:ln w="15875" cap="flat" cmpd="sng" algn="ctr">
-          <a:solidFill>
-            <a:schemeClr val="lt1">
-              <a:hueOff val="0"/>
-              <a:satOff val="0"/>
-              <a:lumOff val="0"/>
-              <a:alphaOff val="0"/>
-            </a:schemeClr>
-          </a:solidFill>
-          <a:prstDash val="solid"/>
-        </a:ln>
-        <a:effectLst/>
-      </dsp:spPr>
-      <dsp:style>
-        <a:lnRef idx="2">
-          <a:scrgbClr r="0" g="0" b="0"/>
-        </a:lnRef>
-        <a:fillRef idx="1">
-          <a:scrgbClr r="0" g="0" b="0"/>
-        </a:fillRef>
-        <a:effectRef idx="0">
-          <a:scrgbClr r="0" g="0" b="0"/>
-        </a:effectRef>
-        <a:fontRef idx="minor">
-          <a:schemeClr val="lt1"/>
-        </a:fontRef>
-      </dsp:style>
-    </dsp:sp>
-    <dsp:sp modelId="{05C1302E-B131-477A-8E57-6DDD280E50F1}">
-      <dsp:nvSpPr>
-        <dsp:cNvPr id="0" name=""/>
-        <dsp:cNvSpPr/>
-      </dsp:nvSpPr>
-      <dsp:spPr>
-        <a:xfrm>
-          <a:off x="6963035" y="2931868"/>
-          <a:ext cx="1392361" cy="884149"/>
-        </a:xfrm>
-        <a:prstGeom prst="roundRect">
-          <a:avLst>
-            <a:gd name="adj" fmla="val 10000"/>
-          </a:avLst>
-        </a:prstGeom>
-        <a:solidFill>
-          <a:schemeClr val="lt1">
-            <a:alpha val="90000"/>
-            <a:hueOff val="0"/>
-            <a:satOff val="0"/>
-            <a:lumOff val="0"/>
-            <a:alphaOff val="0"/>
-          </a:schemeClr>
-        </a:solidFill>
-        <a:ln w="15875" cap="flat" cmpd="sng" algn="ctr">
-          <a:solidFill>
-            <a:schemeClr val="accent1">
-              <a:hueOff val="0"/>
-              <a:satOff val="0"/>
-              <a:lumOff val="0"/>
-              <a:alphaOff val="0"/>
-            </a:schemeClr>
-          </a:solidFill>
-          <a:prstDash val="solid"/>
-        </a:ln>
-        <a:effectLst/>
-      </dsp:spPr>
-      <dsp:style>
-        <a:lnRef idx="2">
-          <a:scrgbClr r="0" g="0" b="0"/>
-        </a:lnRef>
-        <a:fillRef idx="1">
-          <a:scrgbClr r="0" g="0" b="0"/>
-        </a:fillRef>
-        <a:effectRef idx="0">
-          <a:scrgbClr r="0" g="0" b="0"/>
-        </a:effectRef>
-        <a:fontRef idx="minor"/>
-      </dsp:style>
-      <dsp:txBody>
-        <a:bodyPr spcFirstLastPara="0" vert="horz" wrap="square" lIns="83820" tIns="83820" rIns="83820" bIns="83820" numCol="1" spcCol="1270" anchor="ctr" anchorCtr="0">
-          <a:noAutofit/>
-        </a:bodyPr>
-        <a:lstStyle/>
-        <a:p>
-          <a:pPr lvl="0" algn="ctr" defTabSz="977900">
-            <a:lnSpc>
-              <a:spcPct val="90000"/>
-            </a:lnSpc>
-            <a:spcBef>
-              <a:spcPct val="0"/>
-            </a:spcBef>
-            <a:spcAft>
-              <a:spcPct val="35000"/>
-            </a:spcAft>
-          </a:pPr>
-          <a:r>
-            <a:rPr lang="zh-CN" altLang="en-US" sz="2200" kern="1200" smtClean="0"/>
-            <a:t>递归循环</a:t>
-          </a:r>
-          <a:endParaRPr lang="zh-CN" altLang="en-US" sz="2200" kern="1200"/>
-        </a:p>
-      </dsp:txBody>
-      <dsp:txXfrm>
-        <a:off x="6988931" y="2957764"/>
-        <a:ext cx="1340569" cy="832357"/>
-      </dsp:txXfrm>
-    </dsp:sp>
-    <dsp:sp modelId="{DF205A9F-59FB-40BD-978A-B82ADAB07520}">
-      <dsp:nvSpPr>
-        <dsp:cNvPr id="0" name=""/>
-        <dsp:cNvSpPr/>
-      </dsp:nvSpPr>
-      <dsp:spPr>
-        <a:xfrm>
-          <a:off x="8510103" y="2784896"/>
-          <a:ext cx="1392361" cy="884149"/>
-        </a:xfrm>
-        <a:prstGeom prst="roundRect">
-          <a:avLst>
-            <a:gd name="adj" fmla="val 10000"/>
-          </a:avLst>
-        </a:prstGeom>
-        <a:solidFill>
-          <a:schemeClr val="accent1">
-            <a:hueOff val="0"/>
-            <a:satOff val="0"/>
-            <a:lumOff val="0"/>
-            <a:alphaOff val="0"/>
-          </a:schemeClr>
-        </a:solidFill>
-        <a:ln w="15875" cap="flat" cmpd="sng" algn="ctr">
-          <a:solidFill>
-            <a:schemeClr val="lt1">
-              <a:hueOff val="0"/>
-              <a:satOff val="0"/>
-              <a:lumOff val="0"/>
-              <a:alphaOff val="0"/>
-            </a:schemeClr>
-          </a:solidFill>
-          <a:prstDash val="solid"/>
-        </a:ln>
-        <a:effectLst/>
-      </dsp:spPr>
-      <dsp:style>
-        <a:lnRef idx="2">
-          <a:scrgbClr r="0" g="0" b="0"/>
-        </a:lnRef>
-        <a:fillRef idx="1">
-          <a:scrgbClr r="0" g="0" b="0"/>
-        </a:fillRef>
-        <a:effectRef idx="0">
-          <a:scrgbClr r="0" g="0" b="0"/>
-        </a:effectRef>
-        <a:fontRef idx="minor">
-          <a:schemeClr val="lt1"/>
-        </a:fontRef>
-      </dsp:style>
-    </dsp:sp>
-    <dsp:sp modelId="{DB97084E-8FE5-4D49-A68C-905B408CCF48}">
-      <dsp:nvSpPr>
-        <dsp:cNvPr id="0" name=""/>
-        <dsp:cNvSpPr/>
-      </dsp:nvSpPr>
-      <dsp:spPr>
-        <a:xfrm>
-          <a:off x="8664810" y="2931868"/>
-          <a:ext cx="1392361" cy="884149"/>
-        </a:xfrm>
-        <a:prstGeom prst="roundRect">
-          <a:avLst>
-            <a:gd name="adj" fmla="val 10000"/>
-          </a:avLst>
-        </a:prstGeom>
-        <a:solidFill>
-          <a:schemeClr val="lt1">
-            <a:alpha val="90000"/>
-            <a:hueOff val="0"/>
-            <a:satOff val="0"/>
-            <a:lumOff val="0"/>
-            <a:alphaOff val="0"/>
-          </a:schemeClr>
-        </a:solidFill>
-        <a:ln w="15875" cap="flat" cmpd="sng" algn="ctr">
-          <a:solidFill>
-            <a:schemeClr val="accent1">
-              <a:hueOff val="0"/>
-              <a:satOff val="0"/>
-              <a:lumOff val="0"/>
-              <a:alphaOff val="0"/>
-            </a:schemeClr>
-          </a:solidFill>
-          <a:prstDash val="solid"/>
-        </a:ln>
-        <a:effectLst/>
-      </dsp:spPr>
-      <dsp:style>
-        <a:lnRef idx="2">
-          <a:scrgbClr r="0" g="0" b="0"/>
-        </a:lnRef>
-        <a:fillRef idx="1">
-          <a:scrgbClr r="0" g="0" b="0"/>
-        </a:fillRef>
-        <a:effectRef idx="0">
-          <a:scrgbClr r="0" g="0" b="0"/>
-        </a:effectRef>
-        <a:fontRef idx="minor"/>
-      </dsp:style>
-      <dsp:txBody>
-        <a:bodyPr spcFirstLastPara="0" vert="horz" wrap="square" lIns="83820" tIns="83820" rIns="83820" bIns="83820" numCol="1" spcCol="1270" anchor="ctr" anchorCtr="0">
-          <a:noAutofit/>
-        </a:bodyPr>
-        <a:lstStyle/>
-        <a:p>
-          <a:pPr lvl="0" algn="ctr" defTabSz="977900">
-            <a:lnSpc>
-              <a:spcPct val="90000"/>
-            </a:lnSpc>
-            <a:spcBef>
-              <a:spcPct val="0"/>
-            </a:spcBef>
-            <a:spcAft>
-              <a:spcPct val="35000"/>
-            </a:spcAft>
-          </a:pPr>
-          <a:r>
-            <a:rPr lang="en-US" altLang="zh-CN" sz="2200" kern="1200" smtClean="0"/>
-            <a:t>while</a:t>
-          </a:r>
-          <a:r>
-            <a:rPr lang="zh-CN" altLang="en-US" sz="2200" kern="1200" smtClean="0"/>
-            <a:t>循环</a:t>
-          </a:r>
-          <a:endParaRPr lang="zh-CN" altLang="en-US" sz="2200" kern="1200"/>
-        </a:p>
-      </dsp:txBody>
-      <dsp:txXfrm>
-        <a:off x="8690706" y="2957764"/>
-        <a:ext cx="1340569" cy="832357"/>
-      </dsp:txXfrm>
-    </dsp:sp>
   </dsp:spTree>
 </dsp:drawing>
 </file>
@@ -10587,20 +8946,7 @@
                 <a:effectLst/>
                 <a:latin typeface="Lucida Console" panose="020B0609040504020204" pitchFamily="49" charset="0"/>
               </a:rPr>
-              <a:t>&gt; a</a:t>
-            </a:r>
-            <a:r>
-              <a:rPr kumimoji="0" lang="zh-CN" altLang="zh-CN" sz="1200" b="0" i="0" u="none" strike="noStrike" cap="none" normalizeH="0" baseline="0" smtClean="0">
-                <a:ln>
-                  <a:noFill/>
-                </a:ln>
-                <a:solidFill>
-                  <a:srgbClr val="0000FF"/>
-                </a:solidFill>
-                <a:effectLst/>
-                <a:latin typeface="Lucida Console" panose="020B0609040504020204" pitchFamily="49" charset="0"/>
-              </a:rPr>
-              <a:t>[[3]] </a:t>
+              <a:t>&gt; a[[3]] </a:t>
             </a:r>
             <a:endParaRPr kumimoji="0" lang="en-US" altLang="zh-CN" sz="1200" b="0" i="0" u="none" strike="noStrike" cap="none" normalizeH="0" baseline="0" smtClean="0">
               <a:ln>
@@ -10641,20 +8987,7 @@
                 <a:effectLst/>
                 <a:latin typeface="Lucida Console" panose="020B0609040504020204" pitchFamily="49" charset="0"/>
               </a:rPr>
-              <a:t>function</a:t>
-            </a:r>
-            <a:r>
-              <a:rPr kumimoji="0" lang="zh-CN" altLang="zh-CN" sz="1200" b="0" i="0" u="none" strike="noStrike" cap="none" normalizeH="0" baseline="0" smtClean="0">
-                <a:ln>
-                  <a:noFill/>
-                </a:ln>
-                <a:solidFill>
-                  <a:srgbClr val="000000"/>
-                </a:solidFill>
-                <a:effectLst/>
-                <a:latin typeface="Lucida Console" panose="020B0609040504020204" pitchFamily="49" charset="0"/>
-              </a:rPr>
-              <a:t>(x) x+2</a:t>
+              <a:t>function(x) x+2</a:t>
             </a:r>
             <a:endParaRPr kumimoji="0" lang="zh-CN" altLang="zh-CN" sz="2800" b="0" i="0" u="none" strike="noStrike" cap="none" normalizeH="0" baseline="0" smtClean="0">
               <a:ln>
@@ -11264,7 +9597,11 @@
             </a:pPr>
             <a:r>
               <a:rPr lang="zh-CN" altLang="en-US" smtClean="0"/>
-              <a:t>词法作用域规则</a:t>
+              <a:t>词法</a:t>
+            </a:r>
+            <a:r>
+              <a:rPr lang="zh-CN" altLang="en-US" smtClean="0"/>
+              <a:t>作用域，即名字查找规则</a:t>
             </a:r>
             <a:endParaRPr lang="en-US" altLang="zh-CN"/>
           </a:p>
@@ -11275,7 +9612,7 @@
             </a:pPr>
             <a:r>
               <a:rPr lang="zh-CN" altLang="en-US" smtClean="0"/>
-              <a:t>首先在函数内部定义的环境中查找</a:t>
+              <a:t>名字屏蔽：函数环境继承于全局环境</a:t>
             </a:r>
             <a:endParaRPr lang="en-US" altLang="zh-CN" smtClean="0"/>
           </a:p>
@@ -11286,7 +9623,18 @@
             </a:pPr>
             <a:r>
               <a:rPr lang="zh-CN" altLang="en-US" smtClean="0"/>
-              <a:t>到上一层环境去查找</a:t>
+              <a:t>重新开始：每次调用都重新建立环境</a:t>
+            </a:r>
+            <a:endParaRPr lang="en-US" altLang="zh-CN" smtClean="0"/>
+          </a:p>
+          <a:p>
+            <a:pPr marL="457200" indent="-457200">
+              <a:buFont typeface="+mj-lt"/>
+              <a:buAutoNum type="arabicPeriod"/>
+            </a:pPr>
+            <a:r>
+              <a:rPr lang="zh-CN" altLang="en-US" smtClean="0"/>
+              <a:t>动态查找：决定在哪里查找，却不决定何时查找</a:t>
             </a:r>
             <a:endParaRPr lang="en-US" altLang="zh-CN" smtClean="0"/>
           </a:p>
@@ -11307,16 +9655,15 @@
           </p:cNvPicPr>
           <p:nvPr/>
         </p:nvPicPr>
-        <p:blipFill>
+        <p:blipFill rotWithShape="1">
           <a:blip r:embed="rId2"/>
-          <a:stretch>
-            <a:fillRect/>
-          </a:stretch>
+          <a:srcRect t="1826" b="2676"/>
+          <a:stretch/>
         </p:blipFill>
         <p:spPr>
           <a:xfrm>
-            <a:off x="8103653" y="2181790"/>
-            <a:ext cx="3760836" cy="1539184"/>
+            <a:off x="8223295" y="333286"/>
+            <a:ext cx="3760836" cy="1469877"/>
           </a:xfrm>
           <a:prstGeom prst="rect">
             <a:avLst/>
@@ -11339,7 +9686,7 @@
         </p:blipFill>
         <p:spPr>
           <a:xfrm>
-            <a:off x="1032896" y="4547733"/>
+            <a:off x="8223295" y="2273931"/>
             <a:ext cx="2738697" cy="1519905"/>
           </a:xfrm>
           <a:prstGeom prst="rect">
@@ -11357,7 +9704,7 @@
         </p:nvSpPr>
         <p:spPr bwMode="auto">
           <a:xfrm>
-            <a:off x="5042780" y="4547733"/>
+            <a:off x="8350003" y="3975811"/>
             <a:ext cx="617157" cy="492443"/>
           </a:xfrm>
           <a:prstGeom prst="rect">
@@ -11465,6 +9812,98 @@
               </a:solidFill>
               <a:latin typeface="Lucida Console" panose="020B0609040504020204" pitchFamily="49" charset="0"/>
             </a:endParaRPr>
+          </a:p>
+        </p:txBody>
+      </p:sp>
+      <p:sp>
+        <p:nvSpPr>
+          <p:cNvPr id="5" name="圆角矩形 4"/>
+          <p:cNvSpPr/>
+          <p:nvPr/>
+        </p:nvSpPr>
+        <p:spPr>
+          <a:xfrm>
+            <a:off x="8092867" y="0"/>
+            <a:ext cx="3828516" cy="1999716"/>
+          </a:xfrm>
+          <a:prstGeom prst="roundRect">
+            <a:avLst/>
+          </a:prstGeom>
+          <a:noFill/>
+          <a:ln>
+            <a:solidFill>
+              <a:srgbClr val="FF0000"/>
+            </a:solidFill>
+          </a:ln>
+        </p:spPr>
+        <p:style>
+          <a:lnRef idx="2">
+            <a:schemeClr val="accent1">
+              <a:shade val="50000"/>
+            </a:schemeClr>
+          </a:lnRef>
+          <a:fillRef idx="1">
+            <a:schemeClr val="accent1"/>
+          </a:fillRef>
+          <a:effectRef idx="0">
+            <a:schemeClr val="accent1"/>
+          </a:effectRef>
+          <a:fontRef idx="minor">
+            <a:schemeClr val="lt1"/>
+          </a:fontRef>
+        </p:style>
+        <p:txBody>
+          <a:bodyPr rtlCol="0" anchor="ctr"/>
+          <a:lstStyle/>
+          <a:p>
+            <a:pPr algn="ctr"/>
+            <a:endParaRPr lang="zh-CN" altLang="en-US"/>
+          </a:p>
+        </p:txBody>
+      </p:sp>
+      <p:sp>
+        <p:nvSpPr>
+          <p:cNvPr id="8" name="圆角矩形 7"/>
+          <p:cNvSpPr/>
+          <p:nvPr/>
+        </p:nvSpPr>
+        <p:spPr>
+          <a:xfrm>
+            <a:off x="8092867" y="2136448"/>
+            <a:ext cx="3828516" cy="2683379"/>
+          </a:xfrm>
+          <a:prstGeom prst="roundRect">
+            <a:avLst/>
+          </a:prstGeom>
+          <a:noFill/>
+          <a:ln>
+            <a:solidFill>
+              <a:srgbClr val="FF0000"/>
+            </a:solidFill>
+          </a:ln>
+        </p:spPr>
+        <p:style>
+          <a:lnRef idx="2">
+            <a:schemeClr val="accent1">
+              <a:shade val="50000"/>
+            </a:schemeClr>
+          </a:lnRef>
+          <a:fillRef idx="1">
+            <a:schemeClr val="accent1"/>
+          </a:fillRef>
+          <a:effectRef idx="0">
+            <a:schemeClr val="accent1"/>
+          </a:effectRef>
+          <a:fontRef idx="minor">
+            <a:schemeClr val="lt1"/>
+          </a:fontRef>
+        </p:style>
+        <p:txBody>
+          <a:bodyPr rtlCol="0" anchor="ctr"/>
+          <a:lstStyle/>
+          <a:p>
+            <a:pPr algn="ctr"/>
+            <a:endParaRPr lang="zh-CN" altLang="en-US"/>
           </a:p>
         </p:txBody>
       </p:sp>

--- a/数据分析-6-函数式编程.pptx
+++ b/数据分析-6-函数式编程.pptx
@@ -1717,6 +1717,1647 @@
       <dsp:cNvGrpSpPr/>
     </dsp:nvGrpSpPr>
     <dsp:grpSpPr/>
+    <dsp:sp modelId="{49A8E1D4-A5F5-4139-B2BA-E1C844333F9B}">
+      <dsp:nvSpPr>
+        <dsp:cNvPr id="0" name=""/>
+        <dsp:cNvSpPr/>
+      </dsp:nvSpPr>
+      <dsp:spPr>
+        <a:xfrm>
+          <a:off x="7504509" y="2379951"/>
+          <a:ext cx="1701775" cy="404945"/>
+        </a:xfrm>
+        <a:custGeom>
+          <a:avLst/>
+          <a:gdLst/>
+          <a:ahLst/>
+          <a:cxnLst/>
+          <a:rect l="0" t="0" r="0" b="0"/>
+          <a:pathLst>
+            <a:path>
+              <a:moveTo>
+                <a:pt x="0" y="0"/>
+              </a:moveTo>
+              <a:lnTo>
+                <a:pt x="0" y="275958"/>
+              </a:lnTo>
+              <a:lnTo>
+                <a:pt x="1701775" y="275958"/>
+              </a:lnTo>
+              <a:lnTo>
+                <a:pt x="1701775" y="404945"/>
+              </a:lnTo>
+            </a:path>
+          </a:pathLst>
+        </a:custGeom>
+        <a:noFill/>
+        <a:ln w="15875" cap="flat" cmpd="sng" algn="ctr">
+          <a:solidFill>
+            <a:schemeClr val="accent1">
+              <a:shade val="80000"/>
+              <a:hueOff val="0"/>
+              <a:satOff val="0"/>
+              <a:lumOff val="0"/>
+              <a:alphaOff val="0"/>
+            </a:schemeClr>
+          </a:solidFill>
+          <a:prstDash val="solid"/>
+        </a:ln>
+        <a:effectLst/>
+      </dsp:spPr>
+      <dsp:style>
+        <a:lnRef idx="2">
+          <a:scrgbClr r="0" g="0" b="0"/>
+        </a:lnRef>
+        <a:fillRef idx="0">
+          <a:scrgbClr r="0" g="0" b="0"/>
+        </a:fillRef>
+        <a:effectRef idx="0">
+          <a:scrgbClr r="0" g="0" b="0"/>
+        </a:effectRef>
+        <a:fontRef idx="minor"/>
+      </dsp:style>
+    </dsp:sp>
+    <dsp:sp modelId="{1B594CC3-BF2A-414B-B7A1-367779AEDFF3}">
+      <dsp:nvSpPr>
+        <dsp:cNvPr id="0" name=""/>
+        <dsp:cNvSpPr/>
+      </dsp:nvSpPr>
+      <dsp:spPr>
+        <a:xfrm>
+          <a:off x="7458789" y="2379951"/>
+          <a:ext cx="91440" cy="404945"/>
+        </a:xfrm>
+        <a:custGeom>
+          <a:avLst/>
+          <a:gdLst/>
+          <a:ahLst/>
+          <a:cxnLst/>
+          <a:rect l="0" t="0" r="0" b="0"/>
+          <a:pathLst>
+            <a:path>
+              <a:moveTo>
+                <a:pt x="45720" y="0"/>
+              </a:moveTo>
+              <a:lnTo>
+                <a:pt x="45720" y="404945"/>
+              </a:lnTo>
+            </a:path>
+          </a:pathLst>
+        </a:custGeom>
+        <a:noFill/>
+        <a:ln w="15875" cap="flat" cmpd="sng" algn="ctr">
+          <a:solidFill>
+            <a:schemeClr val="accent1">
+              <a:shade val="80000"/>
+              <a:hueOff val="0"/>
+              <a:satOff val="0"/>
+              <a:lumOff val="0"/>
+              <a:alphaOff val="0"/>
+            </a:schemeClr>
+          </a:solidFill>
+          <a:prstDash val="solid"/>
+        </a:ln>
+        <a:effectLst/>
+      </dsp:spPr>
+      <dsp:style>
+        <a:lnRef idx="2">
+          <a:scrgbClr r="0" g="0" b="0"/>
+        </a:lnRef>
+        <a:fillRef idx="0">
+          <a:scrgbClr r="0" g="0" b="0"/>
+        </a:fillRef>
+        <a:effectRef idx="0">
+          <a:scrgbClr r="0" g="0" b="0"/>
+        </a:effectRef>
+        <a:fontRef idx="minor"/>
+      </dsp:style>
+    </dsp:sp>
+    <dsp:sp modelId="{D1782340-871D-461F-AB1B-B7216D67B379}">
+      <dsp:nvSpPr>
+        <dsp:cNvPr id="0" name=""/>
+        <dsp:cNvSpPr/>
+      </dsp:nvSpPr>
+      <dsp:spPr>
+        <a:xfrm>
+          <a:off x="5802734" y="2379951"/>
+          <a:ext cx="1701775" cy="404945"/>
+        </a:xfrm>
+        <a:custGeom>
+          <a:avLst/>
+          <a:gdLst/>
+          <a:ahLst/>
+          <a:cxnLst/>
+          <a:rect l="0" t="0" r="0" b="0"/>
+          <a:pathLst>
+            <a:path>
+              <a:moveTo>
+                <a:pt x="1701775" y="0"/>
+              </a:moveTo>
+              <a:lnTo>
+                <a:pt x="1701775" y="275958"/>
+              </a:lnTo>
+              <a:lnTo>
+                <a:pt x="0" y="275958"/>
+              </a:lnTo>
+              <a:lnTo>
+                <a:pt x="0" y="404945"/>
+              </a:lnTo>
+            </a:path>
+          </a:pathLst>
+        </a:custGeom>
+        <a:noFill/>
+        <a:ln w="15875" cap="flat" cmpd="sng" algn="ctr">
+          <a:solidFill>
+            <a:schemeClr val="accent1">
+              <a:shade val="80000"/>
+              <a:hueOff val="0"/>
+              <a:satOff val="0"/>
+              <a:lumOff val="0"/>
+              <a:alphaOff val="0"/>
+            </a:schemeClr>
+          </a:solidFill>
+          <a:prstDash val="solid"/>
+        </a:ln>
+        <a:effectLst/>
+      </dsp:spPr>
+      <dsp:style>
+        <a:lnRef idx="2">
+          <a:scrgbClr r="0" g="0" b="0"/>
+        </a:lnRef>
+        <a:fillRef idx="0">
+          <a:scrgbClr r="0" g="0" b="0"/>
+        </a:fillRef>
+        <a:effectRef idx="0">
+          <a:scrgbClr r="0" g="0" b="0"/>
+        </a:effectRef>
+        <a:fontRef idx="minor"/>
+      </dsp:style>
+    </dsp:sp>
+    <dsp:sp modelId="{6920BC64-DB40-4743-BDB5-9FDC7AA659AE}">
+      <dsp:nvSpPr>
+        <dsp:cNvPr id="0" name=""/>
+        <dsp:cNvSpPr/>
+      </dsp:nvSpPr>
+      <dsp:spPr>
+        <a:xfrm>
+          <a:off x="4951846" y="1090856"/>
+          <a:ext cx="2552662" cy="404945"/>
+        </a:xfrm>
+        <a:custGeom>
+          <a:avLst/>
+          <a:gdLst/>
+          <a:ahLst/>
+          <a:cxnLst/>
+          <a:rect l="0" t="0" r="0" b="0"/>
+          <a:pathLst>
+            <a:path>
+              <a:moveTo>
+                <a:pt x="0" y="0"/>
+              </a:moveTo>
+              <a:lnTo>
+                <a:pt x="0" y="275958"/>
+              </a:lnTo>
+              <a:lnTo>
+                <a:pt x="2552662" y="275958"/>
+              </a:lnTo>
+              <a:lnTo>
+                <a:pt x="2552662" y="404945"/>
+              </a:lnTo>
+            </a:path>
+          </a:pathLst>
+        </a:custGeom>
+        <a:noFill/>
+        <a:ln w="15875" cap="flat" cmpd="sng" algn="ctr">
+          <a:solidFill>
+            <a:schemeClr val="accent1">
+              <a:shade val="60000"/>
+              <a:hueOff val="0"/>
+              <a:satOff val="0"/>
+              <a:lumOff val="0"/>
+              <a:alphaOff val="0"/>
+            </a:schemeClr>
+          </a:solidFill>
+          <a:prstDash val="solid"/>
+        </a:ln>
+        <a:effectLst/>
+      </dsp:spPr>
+      <dsp:style>
+        <a:lnRef idx="2">
+          <a:scrgbClr r="0" g="0" b="0"/>
+        </a:lnRef>
+        <a:fillRef idx="0">
+          <a:scrgbClr r="0" g="0" b="0"/>
+        </a:fillRef>
+        <a:effectRef idx="0">
+          <a:scrgbClr r="0" g="0" b="0"/>
+        </a:effectRef>
+        <a:fontRef idx="minor"/>
+      </dsp:style>
+    </dsp:sp>
+    <dsp:sp modelId="{9CC53FFE-F887-4A69-8455-8DBB54FAB789}">
+      <dsp:nvSpPr>
+        <dsp:cNvPr id="0" name=""/>
+        <dsp:cNvSpPr/>
+      </dsp:nvSpPr>
+      <dsp:spPr>
+        <a:xfrm>
+          <a:off x="2399183" y="2379951"/>
+          <a:ext cx="1701775" cy="404945"/>
+        </a:xfrm>
+        <a:custGeom>
+          <a:avLst/>
+          <a:gdLst/>
+          <a:ahLst/>
+          <a:cxnLst/>
+          <a:rect l="0" t="0" r="0" b="0"/>
+          <a:pathLst>
+            <a:path>
+              <a:moveTo>
+                <a:pt x="0" y="0"/>
+              </a:moveTo>
+              <a:lnTo>
+                <a:pt x="0" y="275958"/>
+              </a:lnTo>
+              <a:lnTo>
+                <a:pt x="1701775" y="275958"/>
+              </a:lnTo>
+              <a:lnTo>
+                <a:pt x="1701775" y="404945"/>
+              </a:lnTo>
+            </a:path>
+          </a:pathLst>
+        </a:custGeom>
+        <a:noFill/>
+        <a:ln w="15875" cap="flat" cmpd="sng" algn="ctr">
+          <a:solidFill>
+            <a:schemeClr val="accent1">
+              <a:shade val="80000"/>
+              <a:hueOff val="0"/>
+              <a:satOff val="0"/>
+              <a:lumOff val="0"/>
+              <a:alphaOff val="0"/>
+            </a:schemeClr>
+          </a:solidFill>
+          <a:prstDash val="solid"/>
+        </a:ln>
+        <a:effectLst/>
+      </dsp:spPr>
+      <dsp:style>
+        <a:lnRef idx="2">
+          <a:scrgbClr r="0" g="0" b="0"/>
+        </a:lnRef>
+        <a:fillRef idx="0">
+          <a:scrgbClr r="0" g="0" b="0"/>
+        </a:fillRef>
+        <a:effectRef idx="0">
+          <a:scrgbClr r="0" g="0" b="0"/>
+        </a:effectRef>
+        <a:fontRef idx="minor"/>
+      </dsp:style>
+    </dsp:sp>
+    <dsp:sp modelId="{041619A4-6C97-412B-8F0F-409B4C84A44D}">
+      <dsp:nvSpPr>
+        <dsp:cNvPr id="0" name=""/>
+        <dsp:cNvSpPr/>
+      </dsp:nvSpPr>
+      <dsp:spPr>
+        <a:xfrm>
+          <a:off x="2353463" y="2379951"/>
+          <a:ext cx="91440" cy="404945"/>
+        </a:xfrm>
+        <a:custGeom>
+          <a:avLst/>
+          <a:gdLst/>
+          <a:ahLst/>
+          <a:cxnLst/>
+          <a:rect l="0" t="0" r="0" b="0"/>
+          <a:pathLst>
+            <a:path>
+              <a:moveTo>
+                <a:pt x="45720" y="0"/>
+              </a:moveTo>
+              <a:lnTo>
+                <a:pt x="45720" y="404945"/>
+              </a:lnTo>
+            </a:path>
+          </a:pathLst>
+        </a:custGeom>
+        <a:noFill/>
+        <a:ln w="15875" cap="flat" cmpd="sng" algn="ctr">
+          <a:solidFill>
+            <a:schemeClr val="accent1">
+              <a:shade val="80000"/>
+              <a:hueOff val="0"/>
+              <a:satOff val="0"/>
+              <a:lumOff val="0"/>
+              <a:alphaOff val="0"/>
+            </a:schemeClr>
+          </a:solidFill>
+          <a:prstDash val="solid"/>
+        </a:ln>
+        <a:effectLst/>
+      </dsp:spPr>
+      <dsp:style>
+        <a:lnRef idx="2">
+          <a:scrgbClr r="0" g="0" b="0"/>
+        </a:lnRef>
+        <a:fillRef idx="0">
+          <a:scrgbClr r="0" g="0" b="0"/>
+        </a:fillRef>
+        <a:effectRef idx="0">
+          <a:scrgbClr r="0" g="0" b="0"/>
+        </a:effectRef>
+        <a:fontRef idx="minor"/>
+      </dsp:style>
+    </dsp:sp>
+    <dsp:sp modelId="{283CF5E8-C5E6-4043-856B-97642C65005D}">
+      <dsp:nvSpPr>
+        <dsp:cNvPr id="0" name=""/>
+        <dsp:cNvSpPr/>
+      </dsp:nvSpPr>
+      <dsp:spPr>
+        <a:xfrm>
+          <a:off x="697408" y="2379951"/>
+          <a:ext cx="1701775" cy="404945"/>
+        </a:xfrm>
+        <a:custGeom>
+          <a:avLst/>
+          <a:gdLst/>
+          <a:ahLst/>
+          <a:cxnLst/>
+          <a:rect l="0" t="0" r="0" b="0"/>
+          <a:pathLst>
+            <a:path>
+              <a:moveTo>
+                <a:pt x="1701775" y="0"/>
+              </a:moveTo>
+              <a:lnTo>
+                <a:pt x="1701775" y="275958"/>
+              </a:lnTo>
+              <a:lnTo>
+                <a:pt x="0" y="275958"/>
+              </a:lnTo>
+              <a:lnTo>
+                <a:pt x="0" y="404945"/>
+              </a:lnTo>
+            </a:path>
+          </a:pathLst>
+        </a:custGeom>
+        <a:noFill/>
+        <a:ln w="15875" cap="flat" cmpd="sng" algn="ctr">
+          <a:solidFill>
+            <a:schemeClr val="accent1">
+              <a:shade val="80000"/>
+              <a:hueOff val="0"/>
+              <a:satOff val="0"/>
+              <a:lumOff val="0"/>
+              <a:alphaOff val="0"/>
+            </a:schemeClr>
+          </a:solidFill>
+          <a:prstDash val="solid"/>
+        </a:ln>
+        <a:effectLst/>
+      </dsp:spPr>
+      <dsp:style>
+        <a:lnRef idx="2">
+          <a:scrgbClr r="0" g="0" b="0"/>
+        </a:lnRef>
+        <a:fillRef idx="0">
+          <a:scrgbClr r="0" g="0" b="0"/>
+        </a:fillRef>
+        <a:effectRef idx="0">
+          <a:scrgbClr r="0" g="0" b="0"/>
+        </a:effectRef>
+        <a:fontRef idx="minor"/>
+      </dsp:style>
+    </dsp:sp>
+    <dsp:sp modelId="{291C89B7-21A2-47BF-8B04-2AE7130D0A9D}">
+      <dsp:nvSpPr>
+        <dsp:cNvPr id="0" name=""/>
+        <dsp:cNvSpPr/>
+      </dsp:nvSpPr>
+      <dsp:spPr>
+        <a:xfrm>
+          <a:off x="2399183" y="1090856"/>
+          <a:ext cx="2552662" cy="404945"/>
+        </a:xfrm>
+        <a:custGeom>
+          <a:avLst/>
+          <a:gdLst/>
+          <a:ahLst/>
+          <a:cxnLst/>
+          <a:rect l="0" t="0" r="0" b="0"/>
+          <a:pathLst>
+            <a:path>
+              <a:moveTo>
+                <a:pt x="2552662" y="0"/>
+              </a:moveTo>
+              <a:lnTo>
+                <a:pt x="2552662" y="275958"/>
+              </a:lnTo>
+              <a:lnTo>
+                <a:pt x="0" y="275958"/>
+              </a:lnTo>
+              <a:lnTo>
+                <a:pt x="0" y="404945"/>
+              </a:lnTo>
+            </a:path>
+          </a:pathLst>
+        </a:custGeom>
+        <a:noFill/>
+        <a:ln w="15875" cap="flat" cmpd="sng" algn="ctr">
+          <a:solidFill>
+            <a:schemeClr val="accent1">
+              <a:shade val="60000"/>
+              <a:hueOff val="0"/>
+              <a:satOff val="0"/>
+              <a:lumOff val="0"/>
+              <a:alphaOff val="0"/>
+            </a:schemeClr>
+          </a:solidFill>
+          <a:prstDash val="solid"/>
+        </a:ln>
+        <a:effectLst/>
+      </dsp:spPr>
+      <dsp:style>
+        <a:lnRef idx="2">
+          <a:scrgbClr r="0" g="0" b="0"/>
+        </a:lnRef>
+        <a:fillRef idx="0">
+          <a:scrgbClr r="0" g="0" b="0"/>
+        </a:fillRef>
+        <a:effectRef idx="0">
+          <a:scrgbClr r="0" g="0" b="0"/>
+        </a:effectRef>
+        <a:fontRef idx="minor"/>
+      </dsp:style>
+    </dsp:sp>
+    <dsp:sp modelId="{08DB0C2C-C015-4531-B8A9-9B9221CC4364}">
+      <dsp:nvSpPr>
+        <dsp:cNvPr id="0" name=""/>
+        <dsp:cNvSpPr/>
+      </dsp:nvSpPr>
+      <dsp:spPr>
+        <a:xfrm>
+          <a:off x="4255665" y="206707"/>
+          <a:ext cx="1392361" cy="884149"/>
+        </a:xfrm>
+        <a:prstGeom prst="roundRect">
+          <a:avLst>
+            <a:gd name="adj" fmla="val 10000"/>
+          </a:avLst>
+        </a:prstGeom>
+        <a:solidFill>
+          <a:schemeClr val="accent1">
+            <a:hueOff val="0"/>
+            <a:satOff val="0"/>
+            <a:lumOff val="0"/>
+            <a:alphaOff val="0"/>
+          </a:schemeClr>
+        </a:solidFill>
+        <a:ln w="15875" cap="flat" cmpd="sng" algn="ctr">
+          <a:solidFill>
+            <a:schemeClr val="lt1">
+              <a:hueOff val="0"/>
+              <a:satOff val="0"/>
+              <a:lumOff val="0"/>
+              <a:alphaOff val="0"/>
+            </a:schemeClr>
+          </a:solidFill>
+          <a:prstDash val="solid"/>
+        </a:ln>
+        <a:effectLst/>
+      </dsp:spPr>
+      <dsp:style>
+        <a:lnRef idx="2">
+          <a:scrgbClr r="0" g="0" b="0"/>
+        </a:lnRef>
+        <a:fillRef idx="1">
+          <a:scrgbClr r="0" g="0" b="0"/>
+        </a:fillRef>
+        <a:effectRef idx="0">
+          <a:scrgbClr r="0" g="0" b="0"/>
+        </a:effectRef>
+        <a:fontRef idx="minor">
+          <a:schemeClr val="lt1"/>
+        </a:fontRef>
+      </dsp:style>
+    </dsp:sp>
+    <dsp:sp modelId="{6C92B18F-3A0A-4E28-87D8-8953FBD26315}">
+      <dsp:nvSpPr>
+        <dsp:cNvPr id="0" name=""/>
+        <dsp:cNvSpPr/>
+      </dsp:nvSpPr>
+      <dsp:spPr>
+        <a:xfrm>
+          <a:off x="4410372" y="353678"/>
+          <a:ext cx="1392361" cy="884149"/>
+        </a:xfrm>
+        <a:prstGeom prst="roundRect">
+          <a:avLst>
+            <a:gd name="adj" fmla="val 10000"/>
+          </a:avLst>
+        </a:prstGeom>
+        <a:solidFill>
+          <a:schemeClr val="lt1">
+            <a:alpha val="90000"/>
+            <a:hueOff val="0"/>
+            <a:satOff val="0"/>
+            <a:lumOff val="0"/>
+            <a:alphaOff val="0"/>
+          </a:schemeClr>
+        </a:solidFill>
+        <a:ln w="15875" cap="flat" cmpd="sng" algn="ctr">
+          <a:solidFill>
+            <a:schemeClr val="accent1">
+              <a:hueOff val="0"/>
+              <a:satOff val="0"/>
+              <a:lumOff val="0"/>
+              <a:alphaOff val="0"/>
+            </a:schemeClr>
+          </a:solidFill>
+          <a:prstDash val="solid"/>
+        </a:ln>
+        <a:effectLst/>
+      </dsp:spPr>
+      <dsp:style>
+        <a:lnRef idx="2">
+          <a:scrgbClr r="0" g="0" b="0"/>
+        </a:lnRef>
+        <a:fillRef idx="1">
+          <a:scrgbClr r="0" g="0" b="0"/>
+        </a:fillRef>
+        <a:effectRef idx="0">
+          <a:scrgbClr r="0" g="0" b="0"/>
+        </a:effectRef>
+        <a:fontRef idx="minor"/>
+      </dsp:style>
+      <dsp:txBody>
+        <a:bodyPr spcFirstLastPara="0" vert="horz" wrap="square" lIns="83820" tIns="83820" rIns="83820" bIns="83820" numCol="1" spcCol="1270" anchor="ctr" anchorCtr="0">
+          <a:noAutofit/>
+        </a:bodyPr>
+        <a:lstStyle/>
+        <a:p>
+          <a:pPr lvl="0" algn="ctr" defTabSz="977900">
+            <a:lnSpc>
+              <a:spcPct val="90000"/>
+            </a:lnSpc>
+            <a:spcBef>
+              <a:spcPct val="0"/>
+            </a:spcBef>
+            <a:spcAft>
+              <a:spcPct val="35000"/>
+            </a:spcAft>
+          </a:pPr>
+          <a:r>
+            <a:rPr lang="zh-CN" altLang="en-US" sz="2200" kern="1200" smtClean="0"/>
+            <a:t>混合数据编程方式</a:t>
+          </a:r>
+          <a:endParaRPr lang="zh-CN" altLang="en-US" sz="2200" kern="1200"/>
+        </a:p>
+      </dsp:txBody>
+      <dsp:txXfrm>
+        <a:off x="4436268" y="379574"/>
+        <a:ext cx="1340569" cy="832357"/>
+      </dsp:txXfrm>
+    </dsp:sp>
+    <dsp:sp modelId="{9139C9BB-DC75-479F-A1D1-2DB982CC54D4}">
+      <dsp:nvSpPr>
+        <dsp:cNvPr id="0" name=""/>
+        <dsp:cNvSpPr/>
+      </dsp:nvSpPr>
+      <dsp:spPr>
+        <a:xfrm>
+          <a:off x="1703003" y="1495801"/>
+          <a:ext cx="1392361" cy="884149"/>
+        </a:xfrm>
+        <a:prstGeom prst="roundRect">
+          <a:avLst>
+            <a:gd name="adj" fmla="val 10000"/>
+          </a:avLst>
+        </a:prstGeom>
+        <a:solidFill>
+          <a:schemeClr val="accent1">
+            <a:hueOff val="0"/>
+            <a:satOff val="0"/>
+            <a:lumOff val="0"/>
+            <a:alphaOff val="0"/>
+          </a:schemeClr>
+        </a:solidFill>
+        <a:ln w="15875" cap="flat" cmpd="sng" algn="ctr">
+          <a:solidFill>
+            <a:schemeClr val="lt1">
+              <a:hueOff val="0"/>
+              <a:satOff val="0"/>
+              <a:lumOff val="0"/>
+              <a:alphaOff val="0"/>
+            </a:schemeClr>
+          </a:solidFill>
+          <a:prstDash val="solid"/>
+        </a:ln>
+        <a:effectLst/>
+      </dsp:spPr>
+      <dsp:style>
+        <a:lnRef idx="2">
+          <a:scrgbClr r="0" g="0" b="0"/>
+        </a:lnRef>
+        <a:fillRef idx="1">
+          <a:scrgbClr r="0" g="0" b="0"/>
+        </a:fillRef>
+        <a:effectRef idx="0">
+          <a:scrgbClr r="0" g="0" b="0"/>
+        </a:effectRef>
+        <a:fontRef idx="minor">
+          <a:schemeClr val="lt1"/>
+        </a:fontRef>
+      </dsp:style>
+    </dsp:sp>
+    <dsp:sp modelId="{73F4EC01-798A-4637-B5FE-4FE3D9CB6F39}">
+      <dsp:nvSpPr>
+        <dsp:cNvPr id="0" name=""/>
+        <dsp:cNvSpPr/>
+      </dsp:nvSpPr>
+      <dsp:spPr>
+        <a:xfrm>
+          <a:off x="1857709" y="1642773"/>
+          <a:ext cx="1392361" cy="884149"/>
+        </a:xfrm>
+        <a:prstGeom prst="roundRect">
+          <a:avLst>
+            <a:gd name="adj" fmla="val 10000"/>
+          </a:avLst>
+        </a:prstGeom>
+        <a:solidFill>
+          <a:schemeClr val="lt1">
+            <a:alpha val="90000"/>
+            <a:hueOff val="0"/>
+            <a:satOff val="0"/>
+            <a:lumOff val="0"/>
+            <a:alphaOff val="0"/>
+          </a:schemeClr>
+        </a:solidFill>
+        <a:ln w="15875" cap="flat" cmpd="sng" algn="ctr">
+          <a:solidFill>
+            <a:schemeClr val="accent1">
+              <a:hueOff val="0"/>
+              <a:satOff val="0"/>
+              <a:lumOff val="0"/>
+              <a:alphaOff val="0"/>
+            </a:schemeClr>
+          </a:solidFill>
+          <a:prstDash val="solid"/>
+        </a:ln>
+        <a:effectLst/>
+      </dsp:spPr>
+      <dsp:style>
+        <a:lnRef idx="2">
+          <a:scrgbClr r="0" g="0" b="0"/>
+        </a:lnRef>
+        <a:fillRef idx="1">
+          <a:scrgbClr r="0" g="0" b="0"/>
+        </a:fillRef>
+        <a:effectRef idx="0">
+          <a:scrgbClr r="0" g="0" b="0"/>
+        </a:effectRef>
+        <a:fontRef idx="minor"/>
+      </dsp:style>
+      <dsp:txBody>
+        <a:bodyPr spcFirstLastPara="0" vert="horz" wrap="square" lIns="83820" tIns="83820" rIns="83820" bIns="83820" numCol="1" spcCol="1270" anchor="ctr" anchorCtr="0">
+          <a:noAutofit/>
+        </a:bodyPr>
+        <a:lstStyle/>
+        <a:p>
+          <a:pPr lvl="0" algn="ctr" defTabSz="977900">
+            <a:lnSpc>
+              <a:spcPct val="90000"/>
+            </a:lnSpc>
+            <a:spcBef>
+              <a:spcPct val="0"/>
+            </a:spcBef>
+            <a:spcAft>
+              <a:spcPct val="35000"/>
+            </a:spcAft>
+          </a:pPr>
+          <a:r>
+            <a:rPr lang="zh-CN" altLang="en-US" sz="2200" kern="1200" smtClean="0"/>
+            <a:t>函数式</a:t>
+          </a:r>
+          <a:endParaRPr lang="zh-CN" altLang="en-US" sz="2200" kern="1200"/>
+        </a:p>
+      </dsp:txBody>
+      <dsp:txXfrm>
+        <a:off x="1883605" y="1668669"/>
+        <a:ext cx="1340569" cy="832357"/>
+      </dsp:txXfrm>
+    </dsp:sp>
+    <dsp:sp modelId="{94F8737E-198A-4A81-952A-0633FC82A54E}">
+      <dsp:nvSpPr>
+        <dsp:cNvPr id="0" name=""/>
+        <dsp:cNvSpPr/>
+      </dsp:nvSpPr>
+      <dsp:spPr>
+        <a:xfrm>
+          <a:off x="1227" y="2784896"/>
+          <a:ext cx="1392361" cy="884149"/>
+        </a:xfrm>
+        <a:prstGeom prst="roundRect">
+          <a:avLst>
+            <a:gd name="adj" fmla="val 10000"/>
+          </a:avLst>
+        </a:prstGeom>
+        <a:solidFill>
+          <a:schemeClr val="accent1">
+            <a:hueOff val="0"/>
+            <a:satOff val="0"/>
+            <a:lumOff val="0"/>
+            <a:alphaOff val="0"/>
+          </a:schemeClr>
+        </a:solidFill>
+        <a:ln w="15875" cap="flat" cmpd="sng" algn="ctr">
+          <a:solidFill>
+            <a:schemeClr val="lt1">
+              <a:hueOff val="0"/>
+              <a:satOff val="0"/>
+              <a:lumOff val="0"/>
+              <a:alphaOff val="0"/>
+            </a:schemeClr>
+          </a:solidFill>
+          <a:prstDash val="solid"/>
+        </a:ln>
+        <a:effectLst/>
+      </dsp:spPr>
+      <dsp:style>
+        <a:lnRef idx="2">
+          <a:scrgbClr r="0" g="0" b="0"/>
+        </a:lnRef>
+        <a:fillRef idx="1">
+          <a:scrgbClr r="0" g="0" b="0"/>
+        </a:fillRef>
+        <a:effectRef idx="0">
+          <a:scrgbClr r="0" g="0" b="0"/>
+        </a:effectRef>
+        <a:fontRef idx="minor">
+          <a:schemeClr val="lt1"/>
+        </a:fontRef>
+      </dsp:style>
+    </dsp:sp>
+    <dsp:sp modelId="{B125767B-C0C7-4A13-B118-CE15AF389477}">
+      <dsp:nvSpPr>
+        <dsp:cNvPr id="0" name=""/>
+        <dsp:cNvSpPr/>
+      </dsp:nvSpPr>
+      <dsp:spPr>
+        <a:xfrm>
+          <a:off x="155934" y="2931868"/>
+          <a:ext cx="1392361" cy="884149"/>
+        </a:xfrm>
+        <a:prstGeom prst="roundRect">
+          <a:avLst>
+            <a:gd name="adj" fmla="val 10000"/>
+          </a:avLst>
+        </a:prstGeom>
+        <a:solidFill>
+          <a:schemeClr val="lt1">
+            <a:alpha val="90000"/>
+            <a:hueOff val="0"/>
+            <a:satOff val="0"/>
+            <a:lumOff val="0"/>
+            <a:alphaOff val="0"/>
+          </a:schemeClr>
+        </a:solidFill>
+        <a:ln w="15875" cap="flat" cmpd="sng" algn="ctr">
+          <a:solidFill>
+            <a:schemeClr val="accent1">
+              <a:hueOff val="0"/>
+              <a:satOff val="0"/>
+              <a:lumOff val="0"/>
+              <a:alphaOff val="0"/>
+            </a:schemeClr>
+          </a:solidFill>
+          <a:prstDash val="solid"/>
+        </a:ln>
+        <a:effectLst/>
+      </dsp:spPr>
+      <dsp:style>
+        <a:lnRef idx="2">
+          <a:scrgbClr r="0" g="0" b="0"/>
+        </a:lnRef>
+        <a:fillRef idx="1">
+          <a:scrgbClr r="0" g="0" b="0"/>
+        </a:fillRef>
+        <a:effectRef idx="0">
+          <a:scrgbClr r="0" g="0" b="0"/>
+        </a:effectRef>
+        <a:fontRef idx="minor"/>
+      </dsp:style>
+      <dsp:txBody>
+        <a:bodyPr spcFirstLastPara="0" vert="horz" wrap="square" lIns="83820" tIns="83820" rIns="83820" bIns="83820" numCol="1" spcCol="1270" anchor="ctr" anchorCtr="0">
+          <a:noAutofit/>
+        </a:bodyPr>
+        <a:lstStyle/>
+        <a:p>
+          <a:pPr lvl="0" algn="ctr" defTabSz="977900">
+            <a:lnSpc>
+              <a:spcPct val="90000"/>
+            </a:lnSpc>
+            <a:spcBef>
+              <a:spcPct val="0"/>
+            </a:spcBef>
+            <a:spcAft>
+              <a:spcPct val="35000"/>
+            </a:spcAft>
+          </a:pPr>
+          <a:r>
+            <a:rPr lang="zh-CN" altLang="en-US" sz="2200" kern="1200" smtClean="0"/>
+            <a:t>函数</a:t>
+          </a:r>
+          <a:endParaRPr lang="zh-CN" altLang="en-US" sz="2200" kern="1200"/>
+        </a:p>
+      </dsp:txBody>
+      <dsp:txXfrm>
+        <a:off x="181830" y="2957764"/>
+        <a:ext cx="1340569" cy="832357"/>
+      </dsp:txXfrm>
+    </dsp:sp>
+    <dsp:sp modelId="{09A485EE-8553-40FE-BC9C-4C8BD55BBEC2}">
+      <dsp:nvSpPr>
+        <dsp:cNvPr id="0" name=""/>
+        <dsp:cNvSpPr/>
+      </dsp:nvSpPr>
+      <dsp:spPr>
+        <a:xfrm>
+          <a:off x="1703003" y="2784896"/>
+          <a:ext cx="1392361" cy="884149"/>
+        </a:xfrm>
+        <a:prstGeom prst="roundRect">
+          <a:avLst>
+            <a:gd name="adj" fmla="val 10000"/>
+          </a:avLst>
+        </a:prstGeom>
+        <a:solidFill>
+          <a:schemeClr val="accent1">
+            <a:hueOff val="0"/>
+            <a:satOff val="0"/>
+            <a:lumOff val="0"/>
+            <a:alphaOff val="0"/>
+          </a:schemeClr>
+        </a:solidFill>
+        <a:ln w="15875" cap="flat" cmpd="sng" algn="ctr">
+          <a:solidFill>
+            <a:schemeClr val="lt1">
+              <a:hueOff val="0"/>
+              <a:satOff val="0"/>
+              <a:lumOff val="0"/>
+              <a:alphaOff val="0"/>
+            </a:schemeClr>
+          </a:solidFill>
+          <a:prstDash val="solid"/>
+        </a:ln>
+        <a:effectLst/>
+      </dsp:spPr>
+      <dsp:style>
+        <a:lnRef idx="2">
+          <a:scrgbClr r="0" g="0" b="0"/>
+        </a:lnRef>
+        <a:fillRef idx="1">
+          <a:scrgbClr r="0" g="0" b="0"/>
+        </a:fillRef>
+        <a:effectRef idx="0">
+          <a:scrgbClr r="0" g="0" b="0"/>
+        </a:effectRef>
+        <a:fontRef idx="minor">
+          <a:schemeClr val="lt1"/>
+        </a:fontRef>
+      </dsp:style>
+    </dsp:sp>
+    <dsp:sp modelId="{775DC000-187B-48F1-AC35-0EF7FB7B3250}">
+      <dsp:nvSpPr>
+        <dsp:cNvPr id="0" name=""/>
+        <dsp:cNvSpPr/>
+      </dsp:nvSpPr>
+      <dsp:spPr>
+        <a:xfrm>
+          <a:off x="1857709" y="2931868"/>
+          <a:ext cx="1392361" cy="884149"/>
+        </a:xfrm>
+        <a:prstGeom prst="roundRect">
+          <a:avLst>
+            <a:gd name="adj" fmla="val 10000"/>
+          </a:avLst>
+        </a:prstGeom>
+        <a:solidFill>
+          <a:schemeClr val="lt1">
+            <a:alpha val="90000"/>
+            <a:hueOff val="0"/>
+            <a:satOff val="0"/>
+            <a:lumOff val="0"/>
+            <a:alphaOff val="0"/>
+          </a:schemeClr>
+        </a:solidFill>
+        <a:ln w="15875" cap="flat" cmpd="sng" algn="ctr">
+          <a:solidFill>
+            <a:schemeClr val="accent1">
+              <a:hueOff val="0"/>
+              <a:satOff val="0"/>
+              <a:lumOff val="0"/>
+              <a:alphaOff val="0"/>
+            </a:schemeClr>
+          </a:solidFill>
+          <a:prstDash val="solid"/>
+        </a:ln>
+        <a:effectLst/>
+      </dsp:spPr>
+      <dsp:style>
+        <a:lnRef idx="2">
+          <a:scrgbClr r="0" g="0" b="0"/>
+        </a:lnRef>
+        <a:fillRef idx="1">
+          <a:scrgbClr r="0" g="0" b="0"/>
+        </a:fillRef>
+        <a:effectRef idx="0">
+          <a:scrgbClr r="0" g="0" b="0"/>
+        </a:effectRef>
+        <a:fontRef idx="minor"/>
+      </dsp:style>
+      <dsp:txBody>
+        <a:bodyPr spcFirstLastPara="0" vert="horz" wrap="square" lIns="83820" tIns="83820" rIns="83820" bIns="83820" numCol="1" spcCol="1270" anchor="ctr" anchorCtr="0">
+          <a:noAutofit/>
+        </a:bodyPr>
+        <a:lstStyle/>
+        <a:p>
+          <a:pPr lvl="0" algn="ctr" defTabSz="977900">
+            <a:lnSpc>
+              <a:spcPct val="90000"/>
+            </a:lnSpc>
+            <a:spcBef>
+              <a:spcPct val="0"/>
+            </a:spcBef>
+            <a:spcAft>
+              <a:spcPct val="35000"/>
+            </a:spcAft>
+          </a:pPr>
+          <a:r>
+            <a:rPr lang="zh-CN" altLang="en-US" sz="2200" kern="1200" smtClean="0"/>
+            <a:t>泛函</a:t>
+          </a:r>
+          <a:endParaRPr lang="zh-CN" altLang="en-US" sz="2200" kern="1200"/>
+        </a:p>
+      </dsp:txBody>
+      <dsp:txXfrm>
+        <a:off x="1883605" y="2957764"/>
+        <a:ext cx="1340569" cy="832357"/>
+      </dsp:txXfrm>
+    </dsp:sp>
+    <dsp:sp modelId="{9D062AAB-EA0F-4C3C-8AC2-7273371083C4}">
+      <dsp:nvSpPr>
+        <dsp:cNvPr id="0" name=""/>
+        <dsp:cNvSpPr/>
+      </dsp:nvSpPr>
+      <dsp:spPr>
+        <a:xfrm>
+          <a:off x="3404778" y="2784896"/>
+          <a:ext cx="1392361" cy="884149"/>
+        </a:xfrm>
+        <a:prstGeom prst="roundRect">
+          <a:avLst>
+            <a:gd name="adj" fmla="val 10000"/>
+          </a:avLst>
+        </a:prstGeom>
+        <a:solidFill>
+          <a:schemeClr val="accent1">
+            <a:hueOff val="0"/>
+            <a:satOff val="0"/>
+            <a:lumOff val="0"/>
+            <a:alphaOff val="0"/>
+          </a:schemeClr>
+        </a:solidFill>
+        <a:ln w="15875" cap="flat" cmpd="sng" algn="ctr">
+          <a:solidFill>
+            <a:schemeClr val="lt1">
+              <a:hueOff val="0"/>
+              <a:satOff val="0"/>
+              <a:lumOff val="0"/>
+              <a:alphaOff val="0"/>
+            </a:schemeClr>
+          </a:solidFill>
+          <a:prstDash val="solid"/>
+        </a:ln>
+        <a:effectLst/>
+      </dsp:spPr>
+      <dsp:style>
+        <a:lnRef idx="2">
+          <a:scrgbClr r="0" g="0" b="0"/>
+        </a:lnRef>
+        <a:fillRef idx="1">
+          <a:scrgbClr r="0" g="0" b="0"/>
+        </a:fillRef>
+        <a:effectRef idx="0">
+          <a:scrgbClr r="0" g="0" b="0"/>
+        </a:effectRef>
+        <a:fontRef idx="minor">
+          <a:schemeClr val="lt1"/>
+        </a:fontRef>
+      </dsp:style>
+    </dsp:sp>
+    <dsp:sp modelId="{7163A25F-F592-4621-BA9E-A111D1E2F38E}">
+      <dsp:nvSpPr>
+        <dsp:cNvPr id="0" name=""/>
+        <dsp:cNvSpPr/>
+      </dsp:nvSpPr>
+      <dsp:spPr>
+        <a:xfrm>
+          <a:off x="3559485" y="2931868"/>
+          <a:ext cx="1392361" cy="884149"/>
+        </a:xfrm>
+        <a:prstGeom prst="roundRect">
+          <a:avLst>
+            <a:gd name="adj" fmla="val 10000"/>
+          </a:avLst>
+        </a:prstGeom>
+        <a:solidFill>
+          <a:schemeClr val="lt1">
+            <a:alpha val="90000"/>
+            <a:hueOff val="0"/>
+            <a:satOff val="0"/>
+            <a:lumOff val="0"/>
+            <a:alphaOff val="0"/>
+          </a:schemeClr>
+        </a:solidFill>
+        <a:ln w="15875" cap="flat" cmpd="sng" algn="ctr">
+          <a:solidFill>
+            <a:schemeClr val="accent1">
+              <a:hueOff val="0"/>
+              <a:satOff val="0"/>
+              <a:lumOff val="0"/>
+              <a:alphaOff val="0"/>
+            </a:schemeClr>
+          </a:solidFill>
+          <a:prstDash val="solid"/>
+        </a:ln>
+        <a:effectLst/>
+      </dsp:spPr>
+      <dsp:style>
+        <a:lnRef idx="2">
+          <a:scrgbClr r="0" g="0" b="0"/>
+        </a:lnRef>
+        <a:fillRef idx="1">
+          <a:scrgbClr r="0" g="0" b="0"/>
+        </a:fillRef>
+        <a:effectRef idx="0">
+          <a:scrgbClr r="0" g="0" b="0"/>
+        </a:effectRef>
+        <a:fontRef idx="minor"/>
+      </dsp:style>
+      <dsp:txBody>
+        <a:bodyPr spcFirstLastPara="0" vert="horz" wrap="square" lIns="83820" tIns="83820" rIns="83820" bIns="83820" numCol="1" spcCol="1270" anchor="ctr" anchorCtr="0">
+          <a:noAutofit/>
+        </a:bodyPr>
+        <a:lstStyle/>
+        <a:p>
+          <a:pPr lvl="0" algn="ctr" defTabSz="977900">
+            <a:lnSpc>
+              <a:spcPct val="90000"/>
+            </a:lnSpc>
+            <a:spcBef>
+              <a:spcPct val="0"/>
+            </a:spcBef>
+            <a:spcAft>
+              <a:spcPct val="35000"/>
+            </a:spcAft>
+          </a:pPr>
+          <a:r>
+            <a:rPr lang="zh-CN" altLang="en-US" sz="2200" kern="1200" smtClean="0"/>
+            <a:t>闭包</a:t>
+          </a:r>
+          <a:endParaRPr lang="zh-CN" altLang="en-US" sz="2200" kern="1200"/>
+        </a:p>
+      </dsp:txBody>
+      <dsp:txXfrm>
+        <a:off x="3585381" y="2957764"/>
+        <a:ext cx="1340569" cy="832357"/>
+      </dsp:txXfrm>
+    </dsp:sp>
+    <dsp:sp modelId="{92C6EB0C-2DE8-4034-85A5-A97A12E783D2}">
+      <dsp:nvSpPr>
+        <dsp:cNvPr id="0" name=""/>
+        <dsp:cNvSpPr/>
+      </dsp:nvSpPr>
+      <dsp:spPr>
+        <a:xfrm>
+          <a:off x="6808328" y="1495801"/>
+          <a:ext cx="1392361" cy="884149"/>
+        </a:xfrm>
+        <a:prstGeom prst="roundRect">
+          <a:avLst>
+            <a:gd name="adj" fmla="val 10000"/>
+          </a:avLst>
+        </a:prstGeom>
+        <a:solidFill>
+          <a:schemeClr val="accent1">
+            <a:hueOff val="0"/>
+            <a:satOff val="0"/>
+            <a:lumOff val="0"/>
+            <a:alphaOff val="0"/>
+          </a:schemeClr>
+        </a:solidFill>
+        <a:ln w="15875" cap="flat" cmpd="sng" algn="ctr">
+          <a:solidFill>
+            <a:schemeClr val="lt1">
+              <a:hueOff val="0"/>
+              <a:satOff val="0"/>
+              <a:lumOff val="0"/>
+              <a:alphaOff val="0"/>
+            </a:schemeClr>
+          </a:solidFill>
+          <a:prstDash val="solid"/>
+        </a:ln>
+        <a:effectLst/>
+      </dsp:spPr>
+      <dsp:style>
+        <a:lnRef idx="2">
+          <a:scrgbClr r="0" g="0" b="0"/>
+        </a:lnRef>
+        <a:fillRef idx="1">
+          <a:scrgbClr r="0" g="0" b="0"/>
+        </a:fillRef>
+        <a:effectRef idx="0">
+          <a:scrgbClr r="0" g="0" b="0"/>
+        </a:effectRef>
+        <a:fontRef idx="minor">
+          <a:schemeClr val="lt1"/>
+        </a:fontRef>
+      </dsp:style>
+    </dsp:sp>
+    <dsp:sp modelId="{68765DAB-AE48-4124-82B0-6D096E18AFC5}">
+      <dsp:nvSpPr>
+        <dsp:cNvPr id="0" name=""/>
+        <dsp:cNvSpPr/>
+      </dsp:nvSpPr>
+      <dsp:spPr>
+        <a:xfrm>
+          <a:off x="6963035" y="1642773"/>
+          <a:ext cx="1392361" cy="884149"/>
+        </a:xfrm>
+        <a:prstGeom prst="roundRect">
+          <a:avLst>
+            <a:gd name="adj" fmla="val 10000"/>
+          </a:avLst>
+        </a:prstGeom>
+        <a:solidFill>
+          <a:schemeClr val="lt1">
+            <a:alpha val="90000"/>
+            <a:hueOff val="0"/>
+            <a:satOff val="0"/>
+            <a:lumOff val="0"/>
+            <a:alphaOff val="0"/>
+          </a:schemeClr>
+        </a:solidFill>
+        <a:ln w="15875" cap="flat" cmpd="sng" algn="ctr">
+          <a:solidFill>
+            <a:schemeClr val="accent1">
+              <a:hueOff val="0"/>
+              <a:satOff val="0"/>
+              <a:lumOff val="0"/>
+              <a:alphaOff val="0"/>
+            </a:schemeClr>
+          </a:solidFill>
+          <a:prstDash val="solid"/>
+        </a:ln>
+        <a:effectLst/>
+      </dsp:spPr>
+      <dsp:style>
+        <a:lnRef idx="2">
+          <a:scrgbClr r="0" g="0" b="0"/>
+        </a:lnRef>
+        <a:fillRef idx="1">
+          <a:scrgbClr r="0" g="0" b="0"/>
+        </a:fillRef>
+        <a:effectRef idx="0">
+          <a:scrgbClr r="0" g="0" b="0"/>
+        </a:effectRef>
+        <a:fontRef idx="minor"/>
+      </dsp:style>
+      <dsp:txBody>
+        <a:bodyPr spcFirstLastPara="0" vert="horz" wrap="square" lIns="83820" tIns="83820" rIns="83820" bIns="83820" numCol="1" spcCol="1270" anchor="ctr" anchorCtr="0">
+          <a:noAutofit/>
+        </a:bodyPr>
+        <a:lstStyle/>
+        <a:p>
+          <a:pPr lvl="0" algn="ctr" defTabSz="977900">
+            <a:lnSpc>
+              <a:spcPct val="90000"/>
+            </a:lnSpc>
+            <a:spcBef>
+              <a:spcPct val="0"/>
+            </a:spcBef>
+            <a:spcAft>
+              <a:spcPct val="35000"/>
+            </a:spcAft>
+          </a:pPr>
+          <a:r>
+            <a:rPr lang="zh-CN" altLang="en-US" sz="2200" kern="1200" smtClean="0"/>
+            <a:t>循环式</a:t>
+          </a:r>
+          <a:endParaRPr lang="zh-CN" altLang="en-US" sz="2200" kern="1200"/>
+        </a:p>
+      </dsp:txBody>
+      <dsp:txXfrm>
+        <a:off x="6988931" y="1668669"/>
+        <a:ext cx="1340569" cy="832357"/>
+      </dsp:txXfrm>
+    </dsp:sp>
+    <dsp:sp modelId="{4241E27D-7CE9-4E03-8F56-780A3AF1CA3F}">
+      <dsp:nvSpPr>
+        <dsp:cNvPr id="0" name=""/>
+        <dsp:cNvSpPr/>
+      </dsp:nvSpPr>
+      <dsp:spPr>
+        <a:xfrm>
+          <a:off x="5106553" y="2784896"/>
+          <a:ext cx="1392361" cy="884149"/>
+        </a:xfrm>
+        <a:prstGeom prst="roundRect">
+          <a:avLst>
+            <a:gd name="adj" fmla="val 10000"/>
+          </a:avLst>
+        </a:prstGeom>
+        <a:solidFill>
+          <a:schemeClr val="accent1">
+            <a:hueOff val="0"/>
+            <a:satOff val="0"/>
+            <a:lumOff val="0"/>
+            <a:alphaOff val="0"/>
+          </a:schemeClr>
+        </a:solidFill>
+        <a:ln w="15875" cap="flat" cmpd="sng" algn="ctr">
+          <a:solidFill>
+            <a:schemeClr val="lt1">
+              <a:hueOff val="0"/>
+              <a:satOff val="0"/>
+              <a:lumOff val="0"/>
+              <a:alphaOff val="0"/>
+            </a:schemeClr>
+          </a:solidFill>
+          <a:prstDash val="solid"/>
+        </a:ln>
+        <a:effectLst/>
+      </dsp:spPr>
+      <dsp:style>
+        <a:lnRef idx="2">
+          <a:scrgbClr r="0" g="0" b="0"/>
+        </a:lnRef>
+        <a:fillRef idx="1">
+          <a:scrgbClr r="0" g="0" b="0"/>
+        </a:fillRef>
+        <a:effectRef idx="0">
+          <a:scrgbClr r="0" g="0" b="0"/>
+        </a:effectRef>
+        <a:fontRef idx="minor">
+          <a:schemeClr val="lt1"/>
+        </a:fontRef>
+      </dsp:style>
+    </dsp:sp>
+    <dsp:sp modelId="{35A7BFC3-DC86-4489-B7CE-DD8FF2A87FFF}">
+      <dsp:nvSpPr>
+        <dsp:cNvPr id="0" name=""/>
+        <dsp:cNvSpPr/>
+      </dsp:nvSpPr>
+      <dsp:spPr>
+        <a:xfrm>
+          <a:off x="5261260" y="2931868"/>
+          <a:ext cx="1392361" cy="884149"/>
+        </a:xfrm>
+        <a:prstGeom prst="roundRect">
+          <a:avLst>
+            <a:gd name="adj" fmla="val 10000"/>
+          </a:avLst>
+        </a:prstGeom>
+        <a:solidFill>
+          <a:schemeClr val="lt1">
+            <a:alpha val="90000"/>
+            <a:hueOff val="0"/>
+            <a:satOff val="0"/>
+            <a:lumOff val="0"/>
+            <a:alphaOff val="0"/>
+          </a:schemeClr>
+        </a:solidFill>
+        <a:ln w="15875" cap="flat" cmpd="sng" algn="ctr">
+          <a:solidFill>
+            <a:schemeClr val="accent1">
+              <a:hueOff val="0"/>
+              <a:satOff val="0"/>
+              <a:lumOff val="0"/>
+              <a:alphaOff val="0"/>
+            </a:schemeClr>
+          </a:solidFill>
+          <a:prstDash val="solid"/>
+        </a:ln>
+        <a:effectLst/>
+      </dsp:spPr>
+      <dsp:style>
+        <a:lnRef idx="2">
+          <a:scrgbClr r="0" g="0" b="0"/>
+        </a:lnRef>
+        <a:fillRef idx="1">
+          <a:scrgbClr r="0" g="0" b="0"/>
+        </a:fillRef>
+        <a:effectRef idx="0">
+          <a:scrgbClr r="0" g="0" b="0"/>
+        </a:effectRef>
+        <a:fontRef idx="minor"/>
+      </dsp:style>
+      <dsp:txBody>
+        <a:bodyPr spcFirstLastPara="0" vert="horz" wrap="square" lIns="83820" tIns="83820" rIns="83820" bIns="83820" numCol="1" spcCol="1270" anchor="ctr" anchorCtr="0">
+          <a:noAutofit/>
+        </a:bodyPr>
+        <a:lstStyle/>
+        <a:p>
+          <a:pPr lvl="0" algn="ctr" defTabSz="977900">
+            <a:lnSpc>
+              <a:spcPct val="90000"/>
+            </a:lnSpc>
+            <a:spcBef>
+              <a:spcPct val="0"/>
+            </a:spcBef>
+            <a:spcAft>
+              <a:spcPct val="35000"/>
+            </a:spcAft>
+          </a:pPr>
+          <a:r>
+            <a:rPr lang="zh-CN" altLang="en-US" sz="2200" kern="1200" smtClean="0"/>
+            <a:t>原位循环</a:t>
+          </a:r>
+          <a:endParaRPr lang="zh-CN" altLang="en-US" sz="2200" kern="1200"/>
+        </a:p>
+      </dsp:txBody>
+      <dsp:txXfrm>
+        <a:off x="5287156" y="2957764"/>
+        <a:ext cx="1340569" cy="832357"/>
+      </dsp:txXfrm>
+    </dsp:sp>
+    <dsp:sp modelId="{1B1BB756-B675-4A31-B5AB-4EF60E8F525D}">
+      <dsp:nvSpPr>
+        <dsp:cNvPr id="0" name=""/>
+        <dsp:cNvSpPr/>
+      </dsp:nvSpPr>
+      <dsp:spPr>
+        <a:xfrm>
+          <a:off x="6808328" y="2784896"/>
+          <a:ext cx="1392361" cy="884149"/>
+        </a:xfrm>
+        <a:prstGeom prst="roundRect">
+          <a:avLst>
+            <a:gd name="adj" fmla="val 10000"/>
+          </a:avLst>
+        </a:prstGeom>
+        <a:solidFill>
+          <a:schemeClr val="accent1">
+            <a:hueOff val="0"/>
+            <a:satOff val="0"/>
+            <a:lumOff val="0"/>
+            <a:alphaOff val="0"/>
+          </a:schemeClr>
+        </a:solidFill>
+        <a:ln w="15875" cap="flat" cmpd="sng" algn="ctr">
+          <a:solidFill>
+            <a:schemeClr val="lt1">
+              <a:hueOff val="0"/>
+              <a:satOff val="0"/>
+              <a:lumOff val="0"/>
+              <a:alphaOff val="0"/>
+            </a:schemeClr>
+          </a:solidFill>
+          <a:prstDash val="solid"/>
+        </a:ln>
+        <a:effectLst/>
+      </dsp:spPr>
+      <dsp:style>
+        <a:lnRef idx="2">
+          <a:scrgbClr r="0" g="0" b="0"/>
+        </a:lnRef>
+        <a:fillRef idx="1">
+          <a:scrgbClr r="0" g="0" b="0"/>
+        </a:fillRef>
+        <a:effectRef idx="0">
+          <a:scrgbClr r="0" g="0" b="0"/>
+        </a:effectRef>
+        <a:fontRef idx="minor">
+          <a:schemeClr val="lt1"/>
+        </a:fontRef>
+      </dsp:style>
+    </dsp:sp>
+    <dsp:sp modelId="{05C1302E-B131-477A-8E57-6DDD280E50F1}">
+      <dsp:nvSpPr>
+        <dsp:cNvPr id="0" name=""/>
+        <dsp:cNvSpPr/>
+      </dsp:nvSpPr>
+      <dsp:spPr>
+        <a:xfrm>
+          <a:off x="6963035" y="2931868"/>
+          <a:ext cx="1392361" cy="884149"/>
+        </a:xfrm>
+        <a:prstGeom prst="roundRect">
+          <a:avLst>
+            <a:gd name="adj" fmla="val 10000"/>
+          </a:avLst>
+        </a:prstGeom>
+        <a:solidFill>
+          <a:schemeClr val="lt1">
+            <a:alpha val="90000"/>
+            <a:hueOff val="0"/>
+            <a:satOff val="0"/>
+            <a:lumOff val="0"/>
+            <a:alphaOff val="0"/>
+          </a:schemeClr>
+        </a:solidFill>
+        <a:ln w="15875" cap="flat" cmpd="sng" algn="ctr">
+          <a:solidFill>
+            <a:schemeClr val="accent1">
+              <a:hueOff val="0"/>
+              <a:satOff val="0"/>
+              <a:lumOff val="0"/>
+              <a:alphaOff val="0"/>
+            </a:schemeClr>
+          </a:solidFill>
+          <a:prstDash val="solid"/>
+        </a:ln>
+        <a:effectLst/>
+      </dsp:spPr>
+      <dsp:style>
+        <a:lnRef idx="2">
+          <a:scrgbClr r="0" g="0" b="0"/>
+        </a:lnRef>
+        <a:fillRef idx="1">
+          <a:scrgbClr r="0" g="0" b="0"/>
+        </a:fillRef>
+        <a:effectRef idx="0">
+          <a:scrgbClr r="0" g="0" b="0"/>
+        </a:effectRef>
+        <a:fontRef idx="minor"/>
+      </dsp:style>
+      <dsp:txBody>
+        <a:bodyPr spcFirstLastPara="0" vert="horz" wrap="square" lIns="83820" tIns="83820" rIns="83820" bIns="83820" numCol="1" spcCol="1270" anchor="ctr" anchorCtr="0">
+          <a:noAutofit/>
+        </a:bodyPr>
+        <a:lstStyle/>
+        <a:p>
+          <a:pPr lvl="0" algn="ctr" defTabSz="977900">
+            <a:lnSpc>
+              <a:spcPct val="90000"/>
+            </a:lnSpc>
+            <a:spcBef>
+              <a:spcPct val="0"/>
+            </a:spcBef>
+            <a:spcAft>
+              <a:spcPct val="35000"/>
+            </a:spcAft>
+          </a:pPr>
+          <a:r>
+            <a:rPr lang="zh-CN" altLang="en-US" sz="2200" kern="1200" smtClean="0"/>
+            <a:t>递归循环</a:t>
+          </a:r>
+          <a:endParaRPr lang="zh-CN" altLang="en-US" sz="2200" kern="1200"/>
+        </a:p>
+      </dsp:txBody>
+      <dsp:txXfrm>
+        <a:off x="6988931" y="2957764"/>
+        <a:ext cx="1340569" cy="832357"/>
+      </dsp:txXfrm>
+    </dsp:sp>
+    <dsp:sp modelId="{DF205A9F-59FB-40BD-978A-B82ADAB07520}">
+      <dsp:nvSpPr>
+        <dsp:cNvPr id="0" name=""/>
+        <dsp:cNvSpPr/>
+      </dsp:nvSpPr>
+      <dsp:spPr>
+        <a:xfrm>
+          <a:off x="8510103" y="2784896"/>
+          <a:ext cx="1392361" cy="884149"/>
+        </a:xfrm>
+        <a:prstGeom prst="roundRect">
+          <a:avLst>
+            <a:gd name="adj" fmla="val 10000"/>
+          </a:avLst>
+        </a:prstGeom>
+        <a:solidFill>
+          <a:schemeClr val="accent1">
+            <a:hueOff val="0"/>
+            <a:satOff val="0"/>
+            <a:lumOff val="0"/>
+            <a:alphaOff val="0"/>
+          </a:schemeClr>
+        </a:solidFill>
+        <a:ln w="15875" cap="flat" cmpd="sng" algn="ctr">
+          <a:solidFill>
+            <a:schemeClr val="lt1">
+              <a:hueOff val="0"/>
+              <a:satOff val="0"/>
+              <a:lumOff val="0"/>
+              <a:alphaOff val="0"/>
+            </a:schemeClr>
+          </a:solidFill>
+          <a:prstDash val="solid"/>
+        </a:ln>
+        <a:effectLst/>
+      </dsp:spPr>
+      <dsp:style>
+        <a:lnRef idx="2">
+          <a:scrgbClr r="0" g="0" b="0"/>
+        </a:lnRef>
+        <a:fillRef idx="1">
+          <a:scrgbClr r="0" g="0" b="0"/>
+        </a:fillRef>
+        <a:effectRef idx="0">
+          <a:scrgbClr r="0" g="0" b="0"/>
+        </a:effectRef>
+        <a:fontRef idx="minor">
+          <a:schemeClr val="lt1"/>
+        </a:fontRef>
+      </dsp:style>
+    </dsp:sp>
+    <dsp:sp modelId="{DB97084E-8FE5-4D49-A68C-905B408CCF48}">
+      <dsp:nvSpPr>
+        <dsp:cNvPr id="0" name=""/>
+        <dsp:cNvSpPr/>
+      </dsp:nvSpPr>
+      <dsp:spPr>
+        <a:xfrm>
+          <a:off x="8664810" y="2931868"/>
+          <a:ext cx="1392361" cy="884149"/>
+        </a:xfrm>
+        <a:prstGeom prst="roundRect">
+          <a:avLst>
+            <a:gd name="adj" fmla="val 10000"/>
+          </a:avLst>
+        </a:prstGeom>
+        <a:solidFill>
+          <a:schemeClr val="lt1">
+            <a:alpha val="90000"/>
+            <a:hueOff val="0"/>
+            <a:satOff val="0"/>
+            <a:lumOff val="0"/>
+            <a:alphaOff val="0"/>
+          </a:schemeClr>
+        </a:solidFill>
+        <a:ln w="15875" cap="flat" cmpd="sng" algn="ctr">
+          <a:solidFill>
+            <a:schemeClr val="accent1">
+              <a:hueOff val="0"/>
+              <a:satOff val="0"/>
+              <a:lumOff val="0"/>
+              <a:alphaOff val="0"/>
+            </a:schemeClr>
+          </a:solidFill>
+          <a:prstDash val="solid"/>
+        </a:ln>
+        <a:effectLst/>
+      </dsp:spPr>
+      <dsp:style>
+        <a:lnRef idx="2">
+          <a:scrgbClr r="0" g="0" b="0"/>
+        </a:lnRef>
+        <a:fillRef idx="1">
+          <a:scrgbClr r="0" g="0" b="0"/>
+        </a:fillRef>
+        <a:effectRef idx="0">
+          <a:scrgbClr r="0" g="0" b="0"/>
+        </a:effectRef>
+        <a:fontRef idx="minor"/>
+      </dsp:style>
+      <dsp:txBody>
+        <a:bodyPr spcFirstLastPara="0" vert="horz" wrap="square" lIns="83820" tIns="83820" rIns="83820" bIns="83820" numCol="1" spcCol="1270" anchor="ctr" anchorCtr="0">
+          <a:noAutofit/>
+        </a:bodyPr>
+        <a:lstStyle/>
+        <a:p>
+          <a:pPr lvl="0" algn="ctr" defTabSz="977900">
+            <a:lnSpc>
+              <a:spcPct val="90000"/>
+            </a:lnSpc>
+            <a:spcBef>
+              <a:spcPct val="0"/>
+            </a:spcBef>
+            <a:spcAft>
+              <a:spcPct val="35000"/>
+            </a:spcAft>
+          </a:pPr>
+          <a:r>
+            <a:rPr lang="en-US" altLang="zh-CN" sz="2200" kern="1200" smtClean="0"/>
+            <a:t>while</a:t>
+          </a:r>
+          <a:r>
+            <a:rPr lang="zh-CN" altLang="en-US" sz="2200" kern="1200" smtClean="0"/>
+            <a:t>循环</a:t>
+          </a:r>
+          <a:endParaRPr lang="zh-CN" altLang="en-US" sz="2200" kern="1200"/>
+        </a:p>
+      </dsp:txBody>
+      <dsp:txXfrm>
+        <a:off x="8690706" y="2957764"/>
+        <a:ext cx="1340569" cy="832357"/>
+      </dsp:txXfrm>
+    </dsp:sp>
   </dsp:spTree>
 </dsp:drawing>
 </file>
@@ -3544,7 +5185,7 @@
           <a:p>
             <a:fld id="{21149EF3-B5D6-4312-9940-7ECDC3700A55}" type="datetimeFigureOut">
               <a:rPr lang="zh-CN" altLang="en-US" smtClean="0"/>
-              <a:t>2017/11/19</a:t>
+              <a:t>2017/11/21</a:t>
             </a:fld>
             <a:endParaRPr lang="zh-CN" altLang="en-US"/>
           </a:p>
@@ -3752,7 +5393,7 @@
           <a:p>
             <a:fld id="{21149EF3-B5D6-4312-9940-7ECDC3700A55}" type="datetimeFigureOut">
               <a:rPr lang="zh-CN" altLang="en-US" smtClean="0"/>
-              <a:t>2017/11/19</a:t>
+              <a:t>2017/11/21</a:t>
             </a:fld>
             <a:endParaRPr lang="zh-CN" altLang="en-US"/>
           </a:p>
@@ -4008,7 +5649,7 @@
           <a:p>
             <a:fld id="{21149EF3-B5D6-4312-9940-7ECDC3700A55}" type="datetimeFigureOut">
               <a:rPr lang="zh-CN" altLang="en-US" smtClean="0"/>
-              <a:t>2017/11/19</a:t>
+              <a:t>2017/11/21</a:t>
             </a:fld>
             <a:endParaRPr lang="zh-CN" altLang="en-US"/>
           </a:p>
@@ -4207,7 +5848,7 @@
           <a:p>
             <a:fld id="{21149EF3-B5D6-4312-9940-7ECDC3700A55}" type="datetimeFigureOut">
               <a:rPr lang="zh-CN" altLang="en-US" smtClean="0"/>
-              <a:t>2017/11/19</a:t>
+              <a:t>2017/11/21</a:t>
             </a:fld>
             <a:endParaRPr lang="zh-CN" altLang="en-US"/>
           </a:p>
@@ -4549,7 +6190,7 @@
           <a:p>
             <a:fld id="{21149EF3-B5D6-4312-9940-7ECDC3700A55}" type="datetimeFigureOut">
               <a:rPr lang="zh-CN" altLang="en-US" smtClean="0"/>
-              <a:t>2017/11/19</a:t>
+              <a:t>2017/11/21</a:t>
             </a:fld>
             <a:endParaRPr lang="zh-CN" altLang="en-US"/>
           </a:p>
@@ -4824,7 +6465,7 @@
           <a:p>
             <a:fld id="{21149EF3-B5D6-4312-9940-7ECDC3700A55}" type="datetimeFigureOut">
               <a:rPr lang="zh-CN" altLang="en-US" smtClean="0"/>
-              <a:t>2017/11/19</a:t>
+              <a:t>2017/11/21</a:t>
             </a:fld>
             <a:endParaRPr lang="zh-CN" altLang="en-US"/>
           </a:p>
@@ -5203,7 +6844,7 @@
           <a:p>
             <a:fld id="{21149EF3-B5D6-4312-9940-7ECDC3700A55}" type="datetimeFigureOut">
               <a:rPr lang="zh-CN" altLang="en-US" smtClean="0"/>
-              <a:t>2017/11/19</a:t>
+              <a:t>2017/11/21</a:t>
             </a:fld>
             <a:endParaRPr lang="zh-CN" altLang="en-US"/>
           </a:p>
@@ -5321,7 +6962,7 @@
           <a:p>
             <a:fld id="{21149EF3-B5D6-4312-9940-7ECDC3700A55}" type="datetimeFigureOut">
               <a:rPr lang="zh-CN" altLang="en-US" smtClean="0"/>
-              <a:t>2017/11/19</a:t>
+              <a:t>2017/11/21</a:t>
             </a:fld>
             <a:endParaRPr lang="zh-CN" altLang="en-US"/>
           </a:p>
@@ -5492,7 +7133,7 @@
           <a:p>
             <a:fld id="{21149EF3-B5D6-4312-9940-7ECDC3700A55}" type="datetimeFigureOut">
               <a:rPr lang="zh-CN" altLang="en-US" smtClean="0"/>
-              <a:t>2017/11/19</a:t>
+              <a:t>2017/11/21</a:t>
             </a:fld>
             <a:endParaRPr lang="zh-CN" altLang="en-US"/>
           </a:p>
@@ -5846,7 +7487,7 @@
           <a:p>
             <a:fld id="{21149EF3-B5D6-4312-9940-7ECDC3700A55}" type="datetimeFigureOut">
               <a:rPr lang="zh-CN" altLang="en-US" smtClean="0"/>
-              <a:t>2017/11/19</a:t>
+              <a:t>2017/11/21</a:t>
             </a:fld>
             <a:endParaRPr lang="zh-CN" altLang="en-US"/>
           </a:p>
@@ -6228,7 +7869,7 @@
           <a:p>
             <a:fld id="{21149EF3-B5D6-4312-9940-7ECDC3700A55}" type="datetimeFigureOut">
               <a:rPr lang="zh-CN" altLang="en-US" smtClean="0"/>
-              <a:t>2017/11/19</a:t>
+              <a:t>2017/11/21</a:t>
             </a:fld>
             <a:endParaRPr lang="zh-CN" altLang="en-US"/>
           </a:p>
@@ -6515,7 +8156,7 @@
           <a:p>
             <a:fld id="{21149EF3-B5D6-4312-9940-7ECDC3700A55}" type="datetimeFigureOut">
               <a:rPr lang="zh-CN" altLang="en-US" smtClean="0"/>
-              <a:t>2017/11/19</a:t>
+              <a:t>2017/11/21</a:t>
             </a:fld>
             <a:endParaRPr lang="zh-CN" altLang="en-US"/>
           </a:p>
@@ -9567,8 +11208,23 @@
           <a:lstStyle/>
           <a:p>
             <a:r>
+              <a:rPr lang="zh-CN" altLang="en-US" dirty="0"/>
+              <a:t>函数环境继承于全局环境</a:t>
+            </a:r>
+            <a:r>
               <a:rPr lang="zh-CN" altLang="en-US" dirty="0" smtClean="0"/>
-              <a:t>词法作用域是一组规则，指引</a:t>
+              <a:t>，获得全局环境的引用。</a:t>
+            </a:r>
+            <a:endParaRPr lang="en-US" altLang="zh-CN" dirty="0" smtClean="0"/>
+          </a:p>
+          <a:p>
+            <a:r>
+              <a:rPr lang="zh-CN" altLang="en-US" dirty="0" smtClean="0"/>
+              <a:t>词法</a:t>
+            </a:r>
+            <a:r>
+              <a:rPr lang="zh-CN" altLang="en-US" dirty="0" smtClean="0"/>
+              <a:t>作用域是一组规则，指引</a:t>
             </a:r>
             <a:r>
               <a:rPr lang="en-US" altLang="zh-CN" dirty="0" smtClean="0"/>
@@ -9576,34 +11232,26 @@
             </a:r>
             <a:r>
               <a:rPr lang="zh-CN" altLang="en-US" dirty="0" smtClean="0"/>
-              <a:t>如何找到</a:t>
-            </a:r>
-            <a:r>
-              <a:rPr lang="zh-CN" altLang="en-US" smtClean="0"/>
-              <a:t>一个函数或者变量。</a:t>
-            </a:r>
-            <a:endParaRPr lang="en-US" altLang="zh-CN" smtClean="0"/>
-          </a:p>
-          <a:p>
-            <a:r>
-              <a:rPr lang="zh-CN" altLang="en-US" smtClean="0"/>
+              <a:t>如何找到一个函数或者变量。</a:t>
+            </a:r>
+            <a:endParaRPr lang="en-US" altLang="zh-CN" dirty="0" smtClean="0"/>
+          </a:p>
+          <a:p>
+            <a:r>
+              <a:rPr lang="zh-CN" altLang="en-US" dirty="0" smtClean="0"/>
               <a:t>例如：班级学生成绩数据，核算出总分，委派某人 </a:t>
             </a:r>
-            <a:endParaRPr lang="en-US" altLang="zh-CN" smtClean="0"/>
+            <a:endParaRPr lang="en-US" altLang="zh-CN" dirty="0" smtClean="0"/>
           </a:p>
           <a:p>
             <a:pPr marL="0" indent="0">
               <a:buNone/>
             </a:pPr>
             <a:r>
-              <a:rPr lang="zh-CN" altLang="en-US" smtClean="0"/>
-              <a:t>词法</a:t>
-            </a:r>
-            <a:r>
-              <a:rPr lang="zh-CN" altLang="en-US" smtClean="0"/>
-              <a:t>作用域，即名字查找规则</a:t>
-            </a:r>
-            <a:endParaRPr lang="en-US" altLang="zh-CN"/>
+              <a:rPr lang="zh-CN" altLang="en-US" dirty="0" smtClean="0"/>
+              <a:t>词法作用域，即名字查找规则</a:t>
+            </a:r>
+            <a:endParaRPr lang="en-US" altLang="zh-CN" dirty="0"/>
           </a:p>
           <a:p>
             <a:pPr marL="457200" indent="-457200">
@@ -9611,10 +11259,45 @@
               <a:buAutoNum type="arabicPeriod"/>
             </a:pPr>
             <a:r>
-              <a:rPr lang="zh-CN" altLang="en-US" smtClean="0"/>
-              <a:t>名字屏蔽：函数环境继承于全局环境</a:t>
-            </a:r>
-            <a:endParaRPr lang="en-US" altLang="zh-CN" smtClean="0"/>
+              <a:rPr lang="zh-CN" altLang="en-US" dirty="0" smtClean="0"/>
+              <a:t>向上查找</a:t>
+            </a:r>
+            <a:r>
+              <a:rPr lang="zh-CN" altLang="en-US" dirty="0" smtClean="0"/>
+              <a:t>：</a:t>
+            </a:r>
+            <a:r>
+              <a:rPr lang="zh-CN" altLang="en-US" dirty="0" smtClean="0">
+                <a:latin typeface="华文楷体" panose="02010600040101010101" pitchFamily="2" charset="-122"/>
+                <a:ea typeface="华文楷体" panose="02010600040101010101" pitchFamily="2" charset="-122"/>
+              </a:rPr>
+              <a:t>先在</a:t>
+            </a:r>
+            <a:r>
+              <a:rPr lang="zh-CN" altLang="en-US" dirty="0" smtClean="0">
+                <a:latin typeface="华文楷体" panose="02010600040101010101" pitchFamily="2" charset="-122"/>
+                <a:ea typeface="华文楷体" panose="02010600040101010101" pitchFamily="2" charset="-122"/>
+              </a:rPr>
+              <a:t>函数</a:t>
+            </a:r>
+            <a:r>
+              <a:rPr lang="zh-CN" altLang="en-US" dirty="0" smtClean="0">
+                <a:latin typeface="华文楷体" panose="02010600040101010101" pitchFamily="2" charset="-122"/>
+                <a:ea typeface="华文楷体" panose="02010600040101010101" pitchFamily="2" charset="-122"/>
+              </a:rPr>
+              <a:t>内部查找，再去上一</a:t>
+            </a:r>
+            <a:r>
+              <a:rPr lang="zh-CN" altLang="en-US" dirty="0" smtClean="0">
+                <a:latin typeface="华文楷体" panose="02010600040101010101" pitchFamily="2" charset="-122"/>
+                <a:ea typeface="华文楷体" panose="02010600040101010101" pitchFamily="2" charset="-122"/>
+              </a:rPr>
+              <a:t>层环境查找</a:t>
+            </a:r>
+            <a:endParaRPr lang="en-US" altLang="zh-CN" dirty="0" smtClean="0">
+              <a:latin typeface="华文楷体" panose="02010600040101010101" pitchFamily="2" charset="-122"/>
+              <a:ea typeface="华文楷体" panose="02010600040101010101" pitchFamily="2" charset="-122"/>
+            </a:endParaRPr>
           </a:p>
           <a:p>
             <a:pPr marL="457200" indent="-457200">
@@ -9622,10 +11305,38 @@
               <a:buAutoNum type="arabicPeriod"/>
             </a:pPr>
             <a:r>
-              <a:rPr lang="zh-CN" altLang="en-US" smtClean="0"/>
-              <a:t>重新开始：每次调用都重新建立环境</a:t>
-            </a:r>
-            <a:endParaRPr lang="en-US" altLang="zh-CN" smtClean="0"/>
+              <a:rPr lang="zh-CN" altLang="en-US" dirty="0" smtClean="0"/>
+              <a:t>名字屏蔽</a:t>
+            </a:r>
+            <a:r>
+              <a:rPr lang="zh-CN" altLang="en-US" dirty="0" smtClean="0"/>
+              <a:t>：</a:t>
+            </a:r>
+            <a:r>
+              <a:rPr lang="zh-CN" altLang="en-US" dirty="0" smtClean="0">
+                <a:latin typeface="华文楷体" panose="02010600040101010101" pitchFamily="2" charset="-122"/>
+                <a:ea typeface="华文楷体" panose="02010600040101010101" pitchFamily="2" charset="-122"/>
+              </a:rPr>
+              <a:t>全局环境中的变量与</a:t>
+            </a:r>
+            <a:r>
+              <a:rPr lang="zh-CN" altLang="en-US" dirty="0">
+                <a:latin typeface="华文楷体" panose="02010600040101010101" pitchFamily="2" charset="-122"/>
+                <a:ea typeface="华文楷体" panose="02010600040101010101" pitchFamily="2" charset="-122"/>
+              </a:rPr>
+              <a:t>函数</a:t>
+            </a:r>
+            <a:r>
+              <a:rPr lang="zh-CN" altLang="en-US" dirty="0" smtClean="0">
+                <a:latin typeface="华文楷体" panose="02010600040101010101" pitchFamily="2" charset="-122"/>
+                <a:ea typeface="华文楷体" panose="02010600040101010101" pitchFamily="2" charset="-122"/>
+              </a:rPr>
+              <a:t>环境中的不冲突</a:t>
+            </a:r>
+            <a:endParaRPr lang="en-US" altLang="zh-CN" dirty="0" smtClean="0">
+              <a:latin typeface="华文楷体" panose="02010600040101010101" pitchFamily="2" charset="-122"/>
+              <a:ea typeface="华文楷体" panose="02010600040101010101" pitchFamily="2" charset="-122"/>
+            </a:endParaRPr>
           </a:p>
           <a:p>
             <a:pPr marL="457200" indent="-457200">
@@ -9633,10 +11344,68 @@
               <a:buAutoNum type="arabicPeriod"/>
             </a:pPr>
             <a:r>
-              <a:rPr lang="zh-CN" altLang="en-US" smtClean="0"/>
-              <a:t>动态查找：决定在哪里查找，却不决定何时查找</a:t>
-            </a:r>
-            <a:endParaRPr lang="en-US" altLang="zh-CN" smtClean="0"/>
+              <a:rPr lang="zh-CN" altLang="en-US" dirty="0" smtClean="0"/>
+              <a:t>重新开始：</a:t>
+            </a:r>
+            <a:r>
+              <a:rPr lang="zh-CN" altLang="en-US" dirty="0" smtClean="0">
+                <a:latin typeface="华文楷体" panose="02010600040101010101" pitchFamily="2" charset="-122"/>
+                <a:ea typeface="华文楷体" panose="02010600040101010101" pitchFamily="2" charset="-122"/>
+              </a:rPr>
+              <a:t>每次调用都重新建立环境</a:t>
+            </a:r>
+            <a:endParaRPr lang="en-US" altLang="zh-CN" dirty="0" smtClean="0">
+              <a:latin typeface="华文楷体" panose="02010600040101010101" pitchFamily="2" charset="-122"/>
+              <a:ea typeface="华文楷体" panose="02010600040101010101" pitchFamily="2" charset="-122"/>
+            </a:endParaRPr>
+          </a:p>
+          <a:p>
+            <a:pPr marL="457200" indent="-457200">
+              <a:buFont typeface="+mj-lt"/>
+              <a:buAutoNum type="arabicPeriod"/>
+            </a:pPr>
+            <a:r>
+              <a:rPr lang="zh-CN" altLang="en-US" dirty="0" smtClean="0"/>
+              <a:t>动态查找</a:t>
+            </a:r>
+            <a:r>
+              <a:rPr lang="zh-CN" altLang="en-US" dirty="0" smtClean="0"/>
+              <a:t>：</a:t>
+            </a:r>
+            <a:r>
+              <a:rPr lang="zh-CN" altLang="en-US" dirty="0" smtClean="0">
+                <a:latin typeface="华文楷体" panose="02010600040101010101" pitchFamily="2" charset="-122"/>
+                <a:ea typeface="华文楷体" panose="02010600040101010101" pitchFamily="2" charset="-122"/>
+              </a:rPr>
+              <a:t>运行时查找而不是创建</a:t>
+            </a:r>
+            <a:r>
+              <a:rPr lang="zh-CN" altLang="en-US" dirty="0">
+                <a:latin typeface="华文楷体" panose="02010600040101010101" pitchFamily="2" charset="-122"/>
+                <a:ea typeface="华文楷体" panose="02010600040101010101" pitchFamily="2" charset="-122"/>
+              </a:rPr>
+              <a:t>时</a:t>
+            </a:r>
+            <a:r>
+              <a:rPr lang="zh-CN" altLang="en-US" dirty="0" smtClean="0">
+                <a:latin typeface="华文楷体" panose="02010600040101010101" pitchFamily="2" charset="-122"/>
+                <a:ea typeface="华文楷体" panose="02010600040101010101" pitchFamily="2" charset="-122"/>
+              </a:rPr>
+              <a:t>查找</a:t>
+            </a:r>
+            <a:r>
+              <a:rPr lang="zh-CN" altLang="en-US" dirty="0" smtClean="0"/>
+              <a:t>（即词法</a:t>
+            </a:r>
+            <a:r>
+              <a:rPr lang="zh-CN" altLang="en-US" dirty="0"/>
+              <a:t>作用域决定在哪里查找，却不决定何时</a:t>
+            </a:r>
+            <a:r>
+              <a:rPr lang="zh-CN" altLang="en-US" dirty="0" smtClean="0"/>
+              <a:t>查找）</a:t>
+            </a:r>
+            <a:endParaRPr lang="en-US" altLang="zh-CN" dirty="0" smtClean="0"/>
           </a:p>
           <a:p>
             <a:pPr marL="457200" indent="-457200">
@@ -9647,125 +11416,212 @@
           </a:p>
         </p:txBody>
       </p:sp>
-      <p:pic>
-        <p:nvPicPr>
-          <p:cNvPr id="4" name="图片 3"/>
-          <p:cNvPicPr>
-            <a:picLocks noChangeAspect="1"/>
-          </p:cNvPicPr>
+      <p:grpSp>
+        <p:nvGrpSpPr>
+          <p:cNvPr id="9" name="组合 8"/>
+          <p:cNvGrpSpPr/>
           <p:nvPr/>
-        </p:nvPicPr>
-        <p:blipFill rotWithShape="1">
-          <a:blip r:embed="rId2"/>
-          <a:srcRect t="1826" b="2676"/>
-          <a:stretch/>
-        </p:blipFill>
-        <p:spPr>
+        </p:nvGrpSpPr>
+        <p:grpSpPr>
           <a:xfrm>
-            <a:off x="8223295" y="333286"/>
-            <a:ext cx="3760836" cy="1469877"/>
+            <a:off x="8092867" y="0"/>
+            <a:ext cx="3891264" cy="1999716"/>
+            <a:chOff x="8092867" y="0"/>
+            <a:chExt cx="3891264" cy="1999716"/>
           </a:xfrm>
-          <a:prstGeom prst="rect">
-            <a:avLst/>
-          </a:prstGeom>
-        </p:spPr>
-      </p:pic>
-      <p:pic>
-        <p:nvPicPr>
-          <p:cNvPr id="6" name="图片 5"/>
-          <p:cNvPicPr>
-            <a:picLocks noChangeAspect="1"/>
-          </p:cNvPicPr>
+        </p:grpSpPr>
+        <p:pic>
+          <p:nvPicPr>
+            <p:cNvPr id="4" name="图片 3"/>
+            <p:cNvPicPr>
+              <a:picLocks noChangeAspect="1"/>
+            </p:cNvPicPr>
+            <p:nvPr/>
+          </p:nvPicPr>
+          <p:blipFill rotWithShape="1">
+            <a:blip r:embed="rId2"/>
+            <a:srcRect t="1826" b="2676"/>
+            <a:stretch/>
+          </p:blipFill>
+          <p:spPr>
+            <a:xfrm>
+              <a:off x="8223295" y="333286"/>
+              <a:ext cx="3760836" cy="1469877"/>
+            </a:xfrm>
+            <a:prstGeom prst="rect">
+              <a:avLst/>
+            </a:prstGeom>
+          </p:spPr>
+        </p:pic>
+        <p:sp>
+          <p:nvSpPr>
+            <p:cNvPr id="5" name="圆角矩形 4"/>
+            <p:cNvSpPr/>
+            <p:nvPr/>
+          </p:nvSpPr>
+          <p:spPr>
+            <a:xfrm>
+              <a:off x="8092867" y="0"/>
+              <a:ext cx="3828516" cy="1999716"/>
+            </a:xfrm>
+            <a:prstGeom prst="roundRect">
+              <a:avLst/>
+            </a:prstGeom>
+            <a:noFill/>
+            <a:ln>
+              <a:solidFill>
+                <a:srgbClr val="FF0000"/>
+              </a:solidFill>
+            </a:ln>
+          </p:spPr>
+          <p:style>
+            <a:lnRef idx="2">
+              <a:schemeClr val="accent1">
+                <a:shade val="50000"/>
+              </a:schemeClr>
+            </a:lnRef>
+            <a:fillRef idx="1">
+              <a:schemeClr val="accent1"/>
+            </a:fillRef>
+            <a:effectRef idx="0">
+              <a:schemeClr val="accent1"/>
+            </a:effectRef>
+            <a:fontRef idx="minor">
+              <a:schemeClr val="lt1"/>
+            </a:fontRef>
+          </p:style>
+          <p:txBody>
+            <a:bodyPr rtlCol="0" anchor="ctr"/>
+            <a:lstStyle/>
+            <a:p>
+              <a:pPr algn="ctr"/>
+              <a:endParaRPr lang="zh-CN" altLang="en-US"/>
+            </a:p>
+          </p:txBody>
+        </p:sp>
+      </p:grpSp>
+      <p:grpSp>
+        <p:nvGrpSpPr>
+          <p:cNvPr id="10" name="组合 9"/>
+          <p:cNvGrpSpPr/>
           <p:nvPr/>
-        </p:nvPicPr>
-        <p:blipFill>
-          <a:blip r:embed="rId3"/>
-          <a:stretch>
-            <a:fillRect/>
-          </a:stretch>
-        </p:blipFill>
-        <p:spPr>
+        </p:nvGrpSpPr>
+        <p:grpSpPr>
           <a:xfrm>
-            <a:off x="8223295" y="2273931"/>
-            <a:ext cx="2738697" cy="1519905"/>
+            <a:off x="8092867" y="2136448"/>
+            <a:ext cx="3828516" cy="2683379"/>
+            <a:chOff x="8092867" y="2136448"/>
+            <a:chExt cx="3828516" cy="2683379"/>
           </a:xfrm>
-          <a:prstGeom prst="rect">
-            <a:avLst/>
-          </a:prstGeom>
-        </p:spPr>
-      </p:pic>
-      <p:sp>
-        <p:nvSpPr>
-          <p:cNvPr id="7" name="Rectangle 1"/>
-          <p:cNvSpPr>
-            <a:spLocks noChangeArrowheads="1"/>
-          </p:cNvSpPr>
-          <p:nvPr/>
-        </p:nvSpPr>
-        <p:spPr bwMode="auto">
-          <a:xfrm>
-            <a:off x="8350003" y="3975811"/>
-            <a:ext cx="617157" cy="492443"/>
-          </a:xfrm>
-          <a:prstGeom prst="rect">
-            <a:avLst/>
-          </a:prstGeom>
-          <a:solidFill>
-            <a:srgbClr val="FFFFFF"/>
-          </a:solidFill>
-          <a:ln>
-            <a:noFill/>
-          </a:ln>
-          <a:effectLst/>
-          <a:extLst>
-            <a:ext uri="{91240B29-F687-4F45-9708-019B960494DF}">
-              <a14:hiddenLine xmlns:a14="http://schemas.microsoft.com/office/drawing/2010/main" w="9525">
-                <a:solidFill>
-                  <a:schemeClr val="tx1"/>
-                </a:solidFill>
-                <a:miter lim="800000"/>
-                <a:headEnd/>
-                <a:tailEnd/>
-              </a14:hiddenLine>
-            </a:ext>
-            <a:ext uri="{AF507438-7753-43E0-B8FC-AC1667EBCBE1}">
-              <a14:hiddenEffects xmlns:a14="http://schemas.microsoft.com/office/drawing/2010/main">
-                <a:effectLst>
-                  <a:outerShdw dist="35921" dir="2700000" algn="ctr" rotWithShape="0">
-                    <a:schemeClr val="bg2"/>
-                  </a:outerShdw>
-                </a:effectLst>
-              </a14:hiddenEffects>
-            </a:ext>
-          </a:extLst>
-        </p:spPr>
-        <p:txBody>
-          <a:bodyPr vert="horz" wrap="none" lIns="0" tIns="0" rIns="0" bIns="0" numCol="1" anchor="ctr" anchorCtr="0" compatLnSpc="1">
-            <a:prstTxWarp prst="textNoShape">
+        </p:grpSpPr>
+        <p:pic>
+          <p:nvPicPr>
+            <p:cNvPr id="6" name="图片 5"/>
+            <p:cNvPicPr>
+              <a:picLocks noChangeAspect="1"/>
+            </p:cNvPicPr>
+            <p:nvPr/>
+          </p:nvPicPr>
+          <p:blipFill>
+            <a:blip r:embed="rId3"/>
+            <a:stretch>
+              <a:fillRect/>
+            </a:stretch>
+          </p:blipFill>
+          <p:spPr>
+            <a:xfrm>
+              <a:off x="8223295" y="2273931"/>
+              <a:ext cx="2738697" cy="1519905"/>
+            </a:xfrm>
+            <a:prstGeom prst="rect">
               <a:avLst/>
-            </a:prstTxWarp>
-            <a:spAutoFit/>
-          </a:bodyPr>
-          <a:lstStyle/>
-          <a:p>
-            <a:pPr marL="0" marR="0" lvl="0" indent="0" algn="l" defTabSz="914400" rtl="0" eaLnBrk="0" fontAlgn="base" latinLnBrk="0" hangingPunct="0">
-              <a:lnSpc>
-                <a:spcPct val="100000"/>
-              </a:lnSpc>
-              <a:spcBef>
-                <a:spcPct val="0"/>
-              </a:spcBef>
-              <a:spcAft>
-                <a:spcPct val="0"/>
-              </a:spcAft>
-              <a:buClrTx/>
-              <a:buSzTx/>
-              <a:buFontTx/>
-              <a:buNone/>
-              <a:tabLst/>
-            </a:pPr>
-            <a:r>
-              <a:rPr kumimoji="0" lang="zh-CN" altLang="zh-CN" sz="1600" b="0" i="0" u="none" strike="noStrike" cap="none" normalizeH="0" baseline="0" smtClean="0">
+            </a:prstGeom>
+          </p:spPr>
+        </p:pic>
+        <p:sp>
+          <p:nvSpPr>
+            <p:cNvPr id="7" name="Rectangle 1"/>
+            <p:cNvSpPr>
+              <a:spLocks noChangeArrowheads="1"/>
+            </p:cNvSpPr>
+            <p:nvPr/>
+          </p:nvSpPr>
+          <p:spPr bwMode="auto">
+            <a:xfrm>
+              <a:off x="8350003" y="3975811"/>
+              <a:ext cx="617157" cy="492443"/>
+            </a:xfrm>
+            <a:prstGeom prst="rect">
+              <a:avLst/>
+            </a:prstGeom>
+            <a:solidFill>
+              <a:srgbClr val="FFFFFF"/>
+            </a:solidFill>
+            <a:ln>
+              <a:noFill/>
+            </a:ln>
+            <a:effectLst/>
+            <a:extLst>
+              <a:ext uri="{91240B29-F687-4F45-9708-019B960494DF}">
+                <a14:hiddenLine xmlns:a14="http://schemas.microsoft.com/office/drawing/2010/main" w="9525">
+                  <a:solidFill>
+                    <a:schemeClr val="tx1"/>
+                  </a:solidFill>
+                  <a:miter lim="800000"/>
+                  <a:headEnd/>
+                  <a:tailEnd/>
+                </a14:hiddenLine>
+              </a:ext>
+              <a:ext uri="{AF507438-7753-43E0-B8FC-AC1667EBCBE1}">
+                <a14:hiddenEffects xmlns:a14="http://schemas.microsoft.com/office/drawing/2010/main">
+                  <a:effectLst>
+                    <a:outerShdw dist="35921" dir="2700000" algn="ctr" rotWithShape="0">
+                      <a:schemeClr val="bg2"/>
+                    </a:outerShdw>
+                  </a:effectLst>
+                </a14:hiddenEffects>
+              </a:ext>
+            </a:extLst>
+          </p:spPr>
+          <p:txBody>
+            <a:bodyPr vert="horz" wrap="none" lIns="0" tIns="0" rIns="0" bIns="0" numCol="1" anchor="ctr" anchorCtr="0" compatLnSpc="1">
+              <a:prstTxWarp prst="textNoShape">
+                <a:avLst/>
+              </a:prstTxWarp>
+              <a:spAutoFit/>
+            </a:bodyPr>
+            <a:lstStyle/>
+            <a:p>
+              <a:pPr marL="0" marR="0" lvl="0" indent="0" algn="l" defTabSz="914400" rtl="0" eaLnBrk="0" fontAlgn="base" latinLnBrk="0" hangingPunct="0">
+                <a:lnSpc>
+                  <a:spcPct val="100000"/>
+                </a:lnSpc>
+                <a:spcBef>
+                  <a:spcPct val="0"/>
+                </a:spcBef>
+                <a:spcAft>
+                  <a:spcPct val="0"/>
+                </a:spcAft>
+                <a:buClrTx/>
+                <a:buSzTx/>
+                <a:buFontTx/>
+                <a:buNone/>
+                <a:tabLst/>
+              </a:pPr>
+              <a:r>
+                <a:rPr kumimoji="0" lang="zh-CN" altLang="zh-CN" sz="1600" b="0" i="0" u="none" strike="noStrike" cap="none" normalizeH="0" baseline="0" smtClean="0">
+                  <a:ln>
+                    <a:noFill/>
+                  </a:ln>
+                  <a:solidFill>
+                    <a:srgbClr val="0000FF"/>
+                  </a:solidFill>
+                  <a:effectLst/>
+                  <a:latin typeface="Lucida Console" panose="020B0609040504020204" pitchFamily="49" charset="0"/>
+                </a:rPr>
+                <a:t>&gt; z=8</a:t>
+              </a:r>
+              <a:endParaRPr kumimoji="0" lang="en-US" altLang="zh-CN" sz="1600" b="0" i="0" u="none" strike="noStrike" cap="none" normalizeH="0" baseline="0" smtClean="0">
                 <a:ln>
                   <a:noFill/>
                 </a:ln>
@@ -9774,139 +11630,82 @@
                 </a:solidFill>
                 <a:effectLst/>
                 <a:latin typeface="Lucida Console" panose="020B0609040504020204" pitchFamily="49" charset="0"/>
-              </a:rPr>
-              <a:t>&gt; z=8</a:t>
-            </a:r>
-            <a:endParaRPr kumimoji="0" lang="en-US" altLang="zh-CN" sz="1600" b="0" i="0" u="none" strike="noStrike" cap="none" normalizeH="0" baseline="0" smtClean="0">
-              <a:ln>
-                <a:noFill/>
-              </a:ln>
-              <a:solidFill>
-                <a:srgbClr val="0000FF"/>
-              </a:solidFill>
-              <a:effectLst/>
-              <a:latin typeface="Lucida Console" panose="020B0609040504020204" pitchFamily="49" charset="0"/>
-            </a:endParaRPr>
-          </a:p>
-          <a:p>
-            <a:pPr eaLnBrk="0" fontAlgn="base" hangingPunct="0">
-              <a:spcBef>
-                <a:spcPct val="0"/>
-              </a:spcBef>
-              <a:spcAft>
-                <a:spcPct val="0"/>
-              </a:spcAft>
-            </a:pPr>
-            <a:r>
-              <a:rPr lang="en-US" altLang="zh-CN" sz="1600" smtClean="0">
+              </a:endParaRPr>
+            </a:p>
+            <a:p>
+              <a:pPr eaLnBrk="0" fontAlgn="base" hangingPunct="0">
+                <a:spcBef>
+                  <a:spcPct val="0"/>
+                </a:spcBef>
+                <a:spcAft>
+                  <a:spcPct val="0"/>
+                </a:spcAft>
+              </a:pPr>
+              <a:r>
+                <a:rPr lang="en-US" altLang="zh-CN" sz="1600" smtClean="0">
+                  <a:solidFill>
+                    <a:srgbClr val="0000FF"/>
+                  </a:solidFill>
+                  <a:latin typeface="Lucida Console" panose="020B0609040504020204" pitchFamily="49" charset="0"/>
+                </a:rPr>
+                <a:t>&gt; g()</a:t>
+              </a:r>
+              <a:endParaRPr lang="zh-CN" altLang="zh-CN" sz="1600">
                 <a:solidFill>
                   <a:srgbClr val="0000FF"/>
                 </a:solidFill>
                 <a:latin typeface="Lucida Console" panose="020B0609040504020204" pitchFamily="49" charset="0"/>
-              </a:rPr>
-              <a:t>&gt; g()</a:t>
-            </a:r>
-            <a:endParaRPr lang="zh-CN" altLang="zh-CN" sz="1600">
+              </a:endParaRPr>
+            </a:p>
+          </p:txBody>
+        </p:sp>
+        <p:sp>
+          <p:nvSpPr>
+            <p:cNvPr id="8" name="圆角矩形 7"/>
+            <p:cNvSpPr/>
+            <p:nvPr/>
+          </p:nvSpPr>
+          <p:spPr>
+            <a:xfrm>
+              <a:off x="8092867" y="2136448"/>
+              <a:ext cx="3828516" cy="2683379"/>
+            </a:xfrm>
+            <a:prstGeom prst="roundRect">
+              <a:avLst/>
+            </a:prstGeom>
+            <a:noFill/>
+            <a:ln>
               <a:solidFill>
-                <a:srgbClr val="0000FF"/>
+                <a:srgbClr val="FF0000"/>
               </a:solidFill>
-              <a:latin typeface="Lucida Console" panose="020B0609040504020204" pitchFamily="49" charset="0"/>
-            </a:endParaRPr>
-          </a:p>
-        </p:txBody>
-      </p:sp>
-      <p:sp>
-        <p:nvSpPr>
-          <p:cNvPr id="5" name="圆角矩形 4"/>
-          <p:cNvSpPr/>
-          <p:nvPr/>
-        </p:nvSpPr>
-        <p:spPr>
-          <a:xfrm>
-            <a:off x="8092867" y="0"/>
-            <a:ext cx="3828516" cy="1999716"/>
-          </a:xfrm>
-          <a:prstGeom prst="roundRect">
-            <a:avLst/>
-          </a:prstGeom>
-          <a:noFill/>
-          <a:ln>
-            <a:solidFill>
-              <a:srgbClr val="FF0000"/>
-            </a:solidFill>
-          </a:ln>
-        </p:spPr>
-        <p:style>
-          <a:lnRef idx="2">
-            <a:schemeClr val="accent1">
-              <a:shade val="50000"/>
-            </a:schemeClr>
-          </a:lnRef>
-          <a:fillRef idx="1">
-            <a:schemeClr val="accent1"/>
-          </a:fillRef>
-          <a:effectRef idx="0">
-            <a:schemeClr val="accent1"/>
-          </a:effectRef>
-          <a:fontRef idx="minor">
-            <a:schemeClr val="lt1"/>
-          </a:fontRef>
-        </p:style>
-        <p:txBody>
-          <a:bodyPr rtlCol="0" anchor="ctr"/>
-          <a:lstStyle/>
-          <a:p>
-            <a:pPr algn="ctr"/>
-            <a:endParaRPr lang="zh-CN" altLang="en-US"/>
-          </a:p>
-        </p:txBody>
-      </p:sp>
-      <p:sp>
-        <p:nvSpPr>
-          <p:cNvPr id="8" name="圆角矩形 7"/>
-          <p:cNvSpPr/>
-          <p:nvPr/>
-        </p:nvSpPr>
-        <p:spPr>
-          <a:xfrm>
-            <a:off x="8092867" y="2136448"/>
-            <a:ext cx="3828516" cy="2683379"/>
-          </a:xfrm>
-          <a:prstGeom prst="roundRect">
-            <a:avLst/>
-          </a:prstGeom>
-          <a:noFill/>
-          <a:ln>
-            <a:solidFill>
-              <a:srgbClr val="FF0000"/>
-            </a:solidFill>
-          </a:ln>
-        </p:spPr>
-        <p:style>
-          <a:lnRef idx="2">
-            <a:schemeClr val="accent1">
-              <a:shade val="50000"/>
-            </a:schemeClr>
-          </a:lnRef>
-          <a:fillRef idx="1">
-            <a:schemeClr val="accent1"/>
-          </a:fillRef>
-          <a:effectRef idx="0">
-            <a:schemeClr val="accent1"/>
-          </a:effectRef>
-          <a:fontRef idx="minor">
-            <a:schemeClr val="lt1"/>
-          </a:fontRef>
-        </p:style>
-        <p:txBody>
-          <a:bodyPr rtlCol="0" anchor="ctr"/>
-          <a:lstStyle/>
-          <a:p>
-            <a:pPr algn="ctr"/>
-            <a:endParaRPr lang="zh-CN" altLang="en-US"/>
-          </a:p>
-        </p:txBody>
-      </p:sp>
+            </a:ln>
+          </p:spPr>
+          <p:style>
+            <a:lnRef idx="2">
+              <a:schemeClr val="accent1">
+                <a:shade val="50000"/>
+              </a:schemeClr>
+            </a:lnRef>
+            <a:fillRef idx="1">
+              <a:schemeClr val="accent1"/>
+            </a:fillRef>
+            <a:effectRef idx="0">
+              <a:schemeClr val="accent1"/>
+            </a:effectRef>
+            <a:fontRef idx="minor">
+              <a:schemeClr val="lt1"/>
+            </a:fontRef>
+          </p:style>
+          <p:txBody>
+            <a:bodyPr rtlCol="0" anchor="ctr"/>
+            <a:lstStyle/>
+            <a:p>
+              <a:pPr algn="ctr"/>
+              <a:endParaRPr lang="zh-CN" altLang="en-US"/>
+            </a:p>
+          </p:txBody>
+        </p:sp>
+      </p:grpSp>
     </p:spTree>
     <p:extLst>
       <p:ext uri="{BB962C8B-B14F-4D97-AF65-F5344CB8AC3E}">
@@ -9920,7 +11719,136 @@
   <p:timing>
     <p:tnLst>
       <p:par>
-        <p:cTn id="1" dur="indefinite" restart="never" nodeType="tmRoot"/>
+        <p:cTn id="1" dur="indefinite" restart="never" nodeType="tmRoot">
+          <p:childTnLst>
+            <p:seq concurrent="1" nextAc="seek">
+              <p:cTn id="2" dur="indefinite" nodeType="mainSeq">
+                <p:childTnLst>
+                  <p:par>
+                    <p:cTn id="3" fill="hold">
+                      <p:stCondLst>
+                        <p:cond delay="indefinite"/>
+                      </p:stCondLst>
+                      <p:childTnLst>
+                        <p:par>
+                          <p:cTn id="4" fill="hold">
+                            <p:stCondLst>
+                              <p:cond delay="0"/>
+                            </p:stCondLst>
+                            <p:childTnLst>
+                              <p:par>
+                                <p:cTn id="5" presetID="10" presetClass="entr" presetSubtype="0" fill="hold" nodeType="clickEffect">
+                                  <p:stCondLst>
+                                    <p:cond delay="0"/>
+                                  </p:stCondLst>
+                                  <p:childTnLst>
+                                    <p:set>
+                                      <p:cBhvr>
+                                        <p:cTn id="6" dur="1" fill="hold">
+                                          <p:stCondLst>
+                                            <p:cond delay="0"/>
+                                          </p:stCondLst>
+                                        </p:cTn>
+                                        <p:tgtEl>
+                                          <p:spTgt spid="9"/>
+                                        </p:tgtEl>
+                                        <p:attrNameLst>
+                                          <p:attrName>style.visibility</p:attrName>
+                                        </p:attrNameLst>
+                                      </p:cBhvr>
+                                      <p:to>
+                                        <p:strVal val="visible"/>
+                                      </p:to>
+                                    </p:set>
+                                    <p:animEffect transition="in" filter="fade">
+                                      <p:cBhvr>
+                                        <p:cTn id="7" dur="500"/>
+                                        <p:tgtEl>
+                                          <p:spTgt spid="9"/>
+                                        </p:tgtEl>
+                                      </p:cBhvr>
+                                    </p:animEffect>
+                                  </p:childTnLst>
+                                </p:cTn>
+                              </p:par>
+                            </p:childTnLst>
+                          </p:cTn>
+                        </p:par>
+                      </p:childTnLst>
+                    </p:cTn>
+                  </p:par>
+                  <p:par>
+                    <p:cTn id="8" fill="hold">
+                      <p:stCondLst>
+                        <p:cond delay="indefinite"/>
+                      </p:stCondLst>
+                      <p:childTnLst>
+                        <p:par>
+                          <p:cTn id="9" fill="hold">
+                            <p:stCondLst>
+                              <p:cond delay="0"/>
+                            </p:stCondLst>
+                            <p:childTnLst>
+                              <p:par>
+                                <p:cTn id="10" presetID="10" presetClass="entr" presetSubtype="0" fill="hold" nodeType="clickEffect">
+                                  <p:stCondLst>
+                                    <p:cond delay="0"/>
+                                  </p:stCondLst>
+                                  <p:childTnLst>
+                                    <p:set>
+                                      <p:cBhvr>
+                                        <p:cTn id="11" dur="1" fill="hold">
+                                          <p:stCondLst>
+                                            <p:cond delay="0"/>
+                                          </p:stCondLst>
+                                        </p:cTn>
+                                        <p:tgtEl>
+                                          <p:spTgt spid="10"/>
+                                        </p:tgtEl>
+                                        <p:attrNameLst>
+                                          <p:attrName>style.visibility</p:attrName>
+                                        </p:attrNameLst>
+                                      </p:cBhvr>
+                                      <p:to>
+                                        <p:strVal val="visible"/>
+                                      </p:to>
+                                    </p:set>
+                                    <p:animEffect transition="in" filter="fade">
+                                      <p:cBhvr>
+                                        <p:cTn id="12" dur="500"/>
+                                        <p:tgtEl>
+                                          <p:spTgt spid="10"/>
+                                        </p:tgtEl>
+                                      </p:cBhvr>
+                                    </p:animEffect>
+                                  </p:childTnLst>
+                                </p:cTn>
+                              </p:par>
+                            </p:childTnLst>
+                          </p:cTn>
+                        </p:par>
+                      </p:childTnLst>
+                    </p:cTn>
+                  </p:par>
+                </p:childTnLst>
+              </p:cTn>
+              <p:prevCondLst>
+                <p:cond evt="onPrev" delay="0">
+                  <p:tgtEl>
+                    <p:sldTgt/>
+                  </p:tgtEl>
+                </p:cond>
+              </p:prevCondLst>
+              <p:nextCondLst>
+                <p:cond evt="onNext" delay="0">
+                  <p:tgtEl>
+                    <p:sldTgt/>
+                  </p:tgtEl>
+                </p:cond>
+              </p:nextCondLst>
+            </p:seq>
+          </p:childTnLst>
+        </p:cTn>
       </p:par>
     </p:tnLst>
   </p:timing>
@@ -10962,12 +12890,48 @@
                 <a:tableStyleId>{BDBED569-4797-4DF1-A0F4-6AAB3CD982D8}</a:tableStyleId>
               </a:tblPr>
               <a:tblGrid>
-                <a:gridCol w="594018"/>
-                <a:gridCol w="594018"/>
-                <a:gridCol w="594018"/>
-                <a:gridCol w="594018"/>
-                <a:gridCol w="594018"/>
-                <a:gridCol w="594018"/>
+                <a:gridCol w="594018">
+                  <a:extLst>
+                    <a:ext uri="{9D8B030D-6E8A-4147-A177-3AD203B41FA5}">
+                      <a16:colId xmlns:a16="http://schemas.microsoft.com/office/drawing/2014/main" val="20000"/>
+                    </a:ext>
+                  </a:extLst>
+                </a:gridCol>
+                <a:gridCol w="594018">
+                  <a:extLst>
+                    <a:ext uri="{9D8B030D-6E8A-4147-A177-3AD203B41FA5}">
+                      <a16:colId xmlns:a16="http://schemas.microsoft.com/office/drawing/2014/main" val="20001"/>
+                    </a:ext>
+                  </a:extLst>
+                </a:gridCol>
+                <a:gridCol w="594018">
+                  <a:extLst>
+                    <a:ext uri="{9D8B030D-6E8A-4147-A177-3AD203B41FA5}">
+                      <a16:colId xmlns:a16="http://schemas.microsoft.com/office/drawing/2014/main" val="20002"/>
+                    </a:ext>
+                  </a:extLst>
+                </a:gridCol>
+                <a:gridCol w="594018">
+                  <a:extLst>
+                    <a:ext uri="{9D8B030D-6E8A-4147-A177-3AD203B41FA5}">
+                      <a16:colId xmlns:a16="http://schemas.microsoft.com/office/drawing/2014/main" val="20003"/>
+                    </a:ext>
+                  </a:extLst>
+                </a:gridCol>
+                <a:gridCol w="594018">
+                  <a:extLst>
+                    <a:ext uri="{9D8B030D-6E8A-4147-A177-3AD203B41FA5}">
+                      <a16:colId xmlns:a16="http://schemas.microsoft.com/office/drawing/2014/main" val="20004"/>
+                    </a:ext>
+                  </a:extLst>
+                </a:gridCol>
+                <a:gridCol w="594018">
+                  <a:extLst>
+                    <a:ext uri="{9D8B030D-6E8A-4147-A177-3AD203B41FA5}">
+                      <a16:colId xmlns:a16="http://schemas.microsoft.com/office/drawing/2014/main" val="20005"/>
+                    </a:ext>
+                  </a:extLst>
+                </a:gridCol>
               </a:tblGrid>
               <a:tr h="411013">
                 <a:tc>
@@ -11078,6 +13042,11 @@
                   </a:txBody>
                   <a:tcPr/>
                 </a:tc>
+                <a:extLst>
+                  <a:ext uri="{0D108BD9-81ED-4DB2-BD59-A6C34878D82A}">
+                    <a16:rowId xmlns:a16="http://schemas.microsoft.com/office/drawing/2014/main" val="10000"/>
+                  </a:ext>
+                </a:extLst>
               </a:tr>
             </a:tbl>
           </a:graphicData>
@@ -17587,7 +19556,25 @@
                 </a:solidFill>
                 <a:latin typeface="Lucida Console" panose="020B0609040504020204" pitchFamily="49" charset="0"/>
               </a:rPr>
-              <a:t>&gt; df</a:t>
+              <a:t>&gt; df$</a:t>
+            </a:r>
+            <a:r>
+              <a:rPr lang="en-US" altLang="zh-CN" sz="1400" dirty="0" smtClean="0">
+                <a:solidFill>
+                  <a:srgbClr val="0000FF"/>
+                </a:solidFill>
+                <a:latin typeface="Lucida Console" panose="020B0609040504020204" pitchFamily="49" charset="0"/>
+              </a:rPr>
+              <a:t>b</a:t>
+            </a:r>
+            <a:r>
+              <a:rPr lang="zh-CN" altLang="zh-CN" sz="1400" dirty="0" smtClean="0">
+                <a:solidFill>
+                  <a:srgbClr val="0000FF"/>
+                </a:solidFill>
+                <a:latin typeface="Lucida Console" panose="020B0609040504020204" pitchFamily="49" charset="0"/>
+              </a:rPr>
+              <a:t>[</a:t>
             </a:r>
             <a:r>
               <a:rPr lang="zh-CN" altLang="zh-CN" sz="1400" dirty="0">
@@ -17596,7 +19583,7 @@
                 </a:solidFill>
                 <a:latin typeface="Lucida Console" panose="020B0609040504020204" pitchFamily="49" charset="0"/>
               </a:rPr>
-              <a:t>$a[df</a:t>
+              <a:t>df</a:t>
             </a:r>
             <a:r>
               <a:rPr lang="zh-CN" altLang="zh-CN" sz="1400" dirty="0" smtClean="0">
@@ -17666,7 +19653,43 @@
                 </a:solidFill>
                 <a:latin typeface="Lucida Console" panose="020B0609040504020204" pitchFamily="49" charset="0"/>
               </a:rPr>
-              <a:t>&gt; df$a[df</a:t>
+              <a:t>&gt; df</a:t>
+            </a:r>
+            <a:r>
+              <a:rPr lang="zh-CN" altLang="zh-CN" sz="1400" dirty="0" smtClean="0">
+                <a:solidFill>
+                  <a:srgbClr val="0000FF"/>
+                </a:solidFill>
+                <a:latin typeface="Lucida Console" panose="020B0609040504020204" pitchFamily="49" charset="0"/>
+              </a:rPr>
+              <a:t>$</a:t>
+            </a:r>
+            <a:r>
+              <a:rPr lang="en-US" altLang="zh-CN" sz="1400" dirty="0" smtClean="0">
+                <a:solidFill>
+                  <a:srgbClr val="0000FF"/>
+                </a:solidFill>
+                <a:latin typeface="Lucida Console" panose="020B0609040504020204" pitchFamily="49" charset="0"/>
+              </a:rPr>
+              <a:t>c</a:t>
+            </a:r>
+            <a:r>
+              <a:rPr lang="zh-CN" altLang="zh-CN" sz="1400" dirty="0" smtClean="0">
+                <a:solidFill>
+                  <a:srgbClr val="0000FF"/>
+                </a:solidFill>
+                <a:latin typeface="Lucida Console" panose="020B0609040504020204" pitchFamily="49" charset="0"/>
+              </a:rPr>
+              <a:t>[</a:t>
+            </a:r>
+            <a:r>
+              <a:rPr lang="zh-CN" altLang="zh-CN" sz="1400" dirty="0">
+                <a:solidFill>
+                  <a:srgbClr val="0000FF"/>
+                </a:solidFill>
+                <a:latin typeface="Lucida Console" panose="020B0609040504020204" pitchFamily="49" charset="0"/>
+              </a:rPr>
+              <a:t>df</a:t>
             </a:r>
             <a:r>
               <a:rPr lang="zh-CN" altLang="zh-CN" sz="1400" dirty="0" smtClean="0">
